--- a/02-ux-design-process/Case-study-slide-deck-Portfolio-Project1.pptx
+++ b/02-ux-design-process/Case-study-slide-deck-Portfolio-Project1.pptx
@@ -73,7 +73,7 @@
         <p:txBody>
           <a:bodyPr/>
           <a:p>
-            <a:fld id="{A74E5A98-3F3E-469C-A029-EB3F4EB185B5}" type="slidenum">
+            <a:fld id="{792ED7F1-2C09-408F-B96B-7A641B43ABB1}" type="slidenum">
               <a:t>&lt;#&gt;</a:t>
             </a:fld>
           </a:p>
@@ -241,7 +241,7 @@
         <p:txBody>
           <a:bodyPr/>
           <a:p>
-            <a:fld id="{C372FADB-F27B-4038-B2AC-A0F9D5BC96D6}" type="slidenum">
+            <a:fld id="{E2F18FDF-407F-4FAF-AB77-870B3A369FD6}" type="slidenum">
               <a:t>&lt;#&gt;</a:t>
             </a:fld>
           </a:p>
@@ -495,7 +495,7 @@
         <p:txBody>
           <a:bodyPr/>
           <a:p>
-            <a:fld id="{211B3B5E-3923-4AEB-A57B-B6D73F3CCB9F}" type="slidenum">
+            <a:fld id="{7ED0EC0D-B97C-4857-B9CC-991B1CC954D7}" type="slidenum">
               <a:t>&lt;#&gt;</a:t>
             </a:fld>
           </a:p>
@@ -835,7 +835,7 @@
         <p:txBody>
           <a:bodyPr/>
           <a:p>
-            <a:fld id="{310CA1EA-2D5B-4EC7-8A7E-0943CE9F848D}" type="slidenum">
+            <a:fld id="{BF4B8B30-FEC7-432E-A1F3-12B6711FDC66}" type="slidenum">
               <a:t>&lt;#&gt;</a:t>
             </a:fld>
           </a:p>
@@ -1647,7 +1647,7 @@
         <p:txBody>
           <a:bodyPr/>
           <a:p>
-            <a:fld id="{02514F85-DA8E-45A6-A051-E65B10CFA207}" type="slidenum">
+            <a:fld id="{DEAA7B14-00FC-4E9A-91F2-6FEA3A8F06A3}" type="slidenum">
               <a:t>&lt;#&gt;</a:t>
             </a:fld>
           </a:p>
@@ -2773,7 +2773,7 @@
         <p:txBody>
           <a:bodyPr/>
           <a:p>
-            <a:fld id="{349C5571-D784-48BC-8840-41B9ED5A9C94}" type="slidenum">
+            <a:fld id="{AC71908D-6E4A-47A6-BB49-345D12A10570}" type="slidenum">
               <a:t>&lt;#&gt;</a:t>
             </a:fld>
           </a:p>
@@ -2895,7 +2895,7 @@
         <p:txBody>
           <a:bodyPr/>
           <a:p>
-            <a:fld id="{09F1BC73-80B2-4426-80F1-1488DD446B91}" type="slidenum">
+            <a:fld id="{28CEB85A-2D3A-497D-92AD-5A411EF838FD}" type="slidenum">
               <a:t>&lt;#&gt;</a:t>
             </a:fld>
           </a:p>
@@ -3020,7 +3020,7 @@
         <p:txBody>
           <a:bodyPr/>
           <a:p>
-            <a:fld id="{E16A182C-D82B-42E1-BEF9-5AB7905513DC}" type="slidenum">
+            <a:fld id="{6BAD6608-D82C-47EA-89F3-6B9BBA80DADF}" type="slidenum">
               <a:t>&lt;#&gt;</a:t>
             </a:fld>
           </a:p>
@@ -3188,7 +3188,7 @@
         <p:txBody>
           <a:bodyPr/>
           <a:p>
-            <a:fld id="{57E10716-8279-4E07-8761-D33B5CE57B10}" type="slidenum">
+            <a:fld id="{490FDF32-A457-4CDF-90D8-CFA6A6A53A7E}" type="slidenum">
               <a:t>&lt;#&gt;</a:t>
             </a:fld>
           </a:p>
@@ -3270,7 +3270,7 @@
         <p:txBody>
           <a:bodyPr/>
           <a:p>
-            <a:fld id="{4D9795D0-0663-42AD-871C-7931607EEA6A}" type="slidenum">
+            <a:fld id="{52E032CE-FA5C-4DE1-B718-565ABC772C2F}" type="slidenum">
               <a:t>&lt;#&gt;</a:t>
             </a:fld>
           </a:p>
@@ -3395,7 +3395,7 @@
         <p:txBody>
           <a:bodyPr/>
           <a:p>
-            <a:fld id="{1A69703E-83D0-47BE-B2FA-7DE4F99B587D}" type="slidenum">
+            <a:fld id="{A030CD2B-B324-4DE8-9FB5-5E3C305D1E2A}" type="slidenum">
               <a:t>&lt;#&gt;</a:t>
             </a:fld>
           </a:p>
@@ -3475,7 +3475,7 @@
         <p:txBody>
           <a:bodyPr/>
           <a:p>
-            <a:fld id="{E58D8B7D-FFFD-4E36-9738-A92809107A51}" type="slidenum">
+            <a:fld id="{C95AE1C7-0F04-47E7-81BD-93831C3A06DC}" type="slidenum">
               <a:t>&lt;#&gt;</a:t>
             </a:fld>
           </a:p>
@@ -3686,7 +3686,7 @@
         <p:txBody>
           <a:bodyPr/>
           <a:p>
-            <a:fld id="{85202A5E-3FC6-4AE0-9C0C-DBCB08414680}" type="slidenum">
+            <a:fld id="{29A44257-8276-46C7-93E3-817648996228}" type="slidenum">
               <a:t>&lt;#&gt;</a:t>
             </a:fld>
           </a:p>
@@ -3897,7 +3897,7 @@
         <p:txBody>
           <a:bodyPr/>
           <a:p>
-            <a:fld id="{620ED1CF-8CB5-4F9B-9397-F85CE3D5CAFD}" type="slidenum">
+            <a:fld id="{7F16FE08-1A57-4D4B-AD24-8CCF3AE75943}" type="slidenum">
               <a:t>&lt;#&gt;</a:t>
             </a:fld>
           </a:p>
@@ -4108,7 +4108,7 @@
         <p:txBody>
           <a:bodyPr/>
           <a:p>
-            <a:fld id="{9DA1A536-AF98-42BF-B6DF-42F6CDB187A2}" type="slidenum">
+            <a:fld id="{723D7F52-EEE3-4D40-8F89-E70AE25B0BCF}" type="slidenum">
               <a:t>&lt;#&gt;</a:t>
             </a:fld>
           </a:p>
@@ -4276,7 +4276,7 @@
         <p:txBody>
           <a:bodyPr/>
           <a:p>
-            <a:fld id="{C12F979A-93B7-4060-9D46-C0314FB3DF2A}" type="slidenum">
+            <a:fld id="{11F194CF-EA1E-48A4-90E5-6CA208EA115D}" type="slidenum">
               <a:t>&lt;#&gt;</a:t>
             </a:fld>
           </a:p>
@@ -4530,7 +4530,7 @@
         <p:txBody>
           <a:bodyPr/>
           <a:p>
-            <a:fld id="{AB3BB1F1-478A-437B-8F91-0C191507204A}" type="slidenum">
+            <a:fld id="{458B4757-9152-4E0B-AA20-150501273B37}" type="slidenum">
               <a:t>&lt;#&gt;</a:t>
             </a:fld>
           </a:p>
@@ -4870,7 +4870,7 @@
         <p:txBody>
           <a:bodyPr/>
           <a:p>
-            <a:fld id="{8A4B23A1-DD82-4637-B634-639704F71904}" type="slidenum">
+            <a:fld id="{DCCA32EA-C37A-44DA-90B2-62B3AA342876}" type="slidenum">
               <a:t>&lt;#&gt;</a:t>
             </a:fld>
           </a:p>
@@ -4912,7 +4912,7 @@
         <p:txBody>
           <a:bodyPr/>
           <a:p>
-            <a:fld id="{0850A652-01BF-41EA-A849-46AB2E403810}" type="slidenum">
+            <a:fld id="{02B16174-BF9E-4F66-8629-AA136A344362}" type="slidenum">
               <a:t>&lt;#&gt;</a:t>
             </a:fld>
           </a:p>
@@ -5034,7 +5034,7 @@
         <p:txBody>
           <a:bodyPr/>
           <a:p>
-            <a:fld id="{A8AA9073-17AA-4B45-A825-C9A9FED67DBB}" type="slidenum">
+            <a:fld id="{88E21B3C-05B3-4C7A-ADBA-26987A828ECB}" type="slidenum">
               <a:t>&lt;#&gt;</a:t>
             </a:fld>
           </a:p>
@@ -5159,7 +5159,7 @@
         <p:txBody>
           <a:bodyPr/>
           <a:p>
-            <a:fld id="{13B5AE77-DB13-48D9-A796-2996B97A11E1}" type="slidenum">
+            <a:fld id="{202FB85B-F115-4CA1-971D-947DCCE907AD}" type="slidenum">
               <a:t>&lt;#&gt;</a:t>
             </a:fld>
           </a:p>
@@ -5327,7 +5327,7 @@
         <p:txBody>
           <a:bodyPr/>
           <a:p>
-            <a:fld id="{A4912E5B-38D6-48BB-9F4F-916D741ED02B}" type="slidenum">
+            <a:fld id="{DE03A768-BBB7-4E84-88F8-4DBA81A95FFB}" type="slidenum">
               <a:t>&lt;#&gt;</a:t>
             </a:fld>
           </a:p>
@@ -5495,7 +5495,7 @@
         <p:txBody>
           <a:bodyPr/>
           <a:p>
-            <a:fld id="{C642802F-C99D-407D-A11B-CBAE1EF65AB1}" type="slidenum">
+            <a:fld id="{83914056-16E0-4AE3-BE2D-1A4366208667}" type="slidenum">
               <a:t>&lt;#&gt;</a:t>
             </a:fld>
           </a:p>
@@ -5577,7 +5577,7 @@
         <p:txBody>
           <a:bodyPr/>
           <a:p>
-            <a:fld id="{957D9BDE-1019-4C2F-8826-ABCAE88390B3}" type="slidenum">
+            <a:fld id="{12D7A88D-6E78-4C06-B434-82219D42647F}" type="slidenum">
               <a:t>&lt;#&gt;</a:t>
             </a:fld>
           </a:p>
@@ -5657,7 +5657,7 @@
         <p:txBody>
           <a:bodyPr/>
           <a:p>
-            <a:fld id="{CFBD0E09-3DFA-4C21-873E-85BE97DBC630}" type="slidenum">
+            <a:fld id="{290341EA-E968-40B2-BB20-E85CAEE210E9}" type="slidenum">
               <a:t>&lt;#&gt;</a:t>
             </a:fld>
           </a:p>
@@ -5868,7 +5868,7 @@
         <p:txBody>
           <a:bodyPr/>
           <a:p>
-            <a:fld id="{5E40ADC8-4A94-4BE8-937C-98D08517E53A}" type="slidenum">
+            <a:fld id="{6211F0AB-AF1C-49AE-BF56-446CE9A54913}" type="slidenum">
               <a:t>&lt;#&gt;</a:t>
             </a:fld>
           </a:p>
@@ -6079,7 +6079,7 @@
         <p:txBody>
           <a:bodyPr/>
           <a:p>
-            <a:fld id="{2D593B77-99AD-4F73-8EC7-85506D6BC277}" type="slidenum">
+            <a:fld id="{8CFA55B8-209F-46F0-A7FC-7609597ED777}" type="slidenum">
               <a:t>&lt;#&gt;</a:t>
             </a:fld>
           </a:p>
@@ -6290,7 +6290,7 @@
         <p:txBody>
           <a:bodyPr/>
           <a:p>
-            <a:fld id="{F57F510F-FBD5-441C-A778-F6A86E40EF48}" type="slidenum">
+            <a:fld id="{71C37718-7B30-4998-807B-AC066A8CF696}" type="slidenum">
               <a:t>&lt;#&gt;</a:t>
             </a:fld>
           </a:p>
@@ -6458,7 +6458,7 @@
         <p:txBody>
           <a:bodyPr/>
           <a:p>
-            <a:fld id="{1AD98856-C8EF-444C-966F-10ABD0136461}" type="slidenum">
+            <a:fld id="{4EDE3590-810F-43F3-8988-0A5F75CDFDE4}" type="slidenum">
               <a:t>&lt;#&gt;</a:t>
             </a:fld>
           </a:p>
@@ -6712,7 +6712,7 @@
         <p:txBody>
           <a:bodyPr/>
           <a:p>
-            <a:fld id="{F0F3785F-EF4D-4AF1-BBEF-D9D3A0C6E9D7}" type="slidenum">
+            <a:fld id="{A177B33F-4B24-4A41-9DC9-C441BA466146}" type="slidenum">
               <a:t>&lt;#&gt;</a:t>
             </a:fld>
           </a:p>
@@ -7052,7 +7052,7 @@
         <p:txBody>
           <a:bodyPr/>
           <a:p>
-            <a:fld id="{298A25D0-D970-4639-B14A-121797B98FAC}" type="slidenum">
+            <a:fld id="{B5729397-0FDA-4084-9ACF-62EE35E42F3A}" type="slidenum">
               <a:t>&lt;#&gt;</a:t>
             </a:fld>
           </a:p>
@@ -7094,7 +7094,7 @@
         <p:txBody>
           <a:bodyPr/>
           <a:p>
-            <a:fld id="{5DB91C89-92FF-48D7-8527-60F30A34D505}" type="slidenum">
+            <a:fld id="{DD979E1D-1924-4EA3-88C3-77C688AB2454}" type="slidenum">
               <a:t>&lt;#&gt;</a:t>
             </a:fld>
           </a:p>
@@ -7176,7 +7176,7 @@
         <p:txBody>
           <a:bodyPr/>
           <a:p>
-            <a:fld id="{B548D482-2436-4EFF-8DBE-FEEAC29939A9}" type="slidenum">
+            <a:fld id="{65FA2D86-287C-482C-A30A-EEF2BC5E5F51}" type="slidenum">
               <a:t>&lt;#&gt;</a:t>
             </a:fld>
           </a:p>
@@ -7298,7 +7298,7 @@
         <p:txBody>
           <a:bodyPr/>
           <a:p>
-            <a:fld id="{337D485A-661A-40EC-82BA-5F634CEFB5C2}" type="slidenum">
+            <a:fld id="{910F534D-4244-4609-B12B-17DE29A262FE}" type="slidenum">
               <a:t>&lt;#&gt;</a:t>
             </a:fld>
           </a:p>
@@ -7423,7 +7423,7 @@
         <p:txBody>
           <a:bodyPr/>
           <a:p>
-            <a:fld id="{0D37EC5E-944C-421F-AB86-7466CE2FD0F9}" type="slidenum">
+            <a:fld id="{8F9F7BC9-59B9-4B73-8720-A7CC3CF261AE}" type="slidenum">
               <a:t>&lt;#&gt;</a:t>
             </a:fld>
           </a:p>
@@ -7591,7 +7591,7 @@
         <p:txBody>
           <a:bodyPr/>
           <a:p>
-            <a:fld id="{FF88EEE8-9958-427D-81CB-41C98B36D232}" type="slidenum">
+            <a:fld id="{65FA3FDA-5EC0-4DFB-AF5C-531106F0F4B1}" type="slidenum">
               <a:t>&lt;#&gt;</a:t>
             </a:fld>
           </a:p>
@@ -7673,7 +7673,7 @@
         <p:txBody>
           <a:bodyPr/>
           <a:p>
-            <a:fld id="{EFFCBC96-5208-49A2-89F0-BE31773E6FF4}" type="slidenum">
+            <a:fld id="{7FEED0F6-CE26-447B-B71E-763405D7DD53}" type="slidenum">
               <a:t>&lt;#&gt;</a:t>
             </a:fld>
           </a:p>
@@ -7753,7 +7753,7 @@
         <p:txBody>
           <a:bodyPr/>
           <a:p>
-            <a:fld id="{7349C3B0-4BD1-43EC-901F-A9B5DD558589}" type="slidenum">
+            <a:fld id="{A14F276A-03ED-425E-A84B-594EBE8A476F}" type="slidenum">
               <a:t>&lt;#&gt;</a:t>
             </a:fld>
           </a:p>
@@ -7964,7 +7964,7 @@
         <p:txBody>
           <a:bodyPr/>
           <a:p>
-            <a:fld id="{408D6879-8B79-4A71-90E5-5B6E9C0F3A14}" type="slidenum">
+            <a:fld id="{EBF82B3A-615B-423E-9990-F05360FE7A18}" type="slidenum">
               <a:t>&lt;#&gt;</a:t>
             </a:fld>
           </a:p>
@@ -8175,7 +8175,7 @@
         <p:txBody>
           <a:bodyPr/>
           <a:p>
-            <a:fld id="{EF1F7194-3583-46B7-873E-4B66D9E926CA}" type="slidenum">
+            <a:fld id="{70903DEE-1D73-4F20-A9AD-ED0B99826C76}" type="slidenum">
               <a:t>&lt;#&gt;</a:t>
             </a:fld>
           </a:p>
@@ -8386,7 +8386,7 @@
         <p:txBody>
           <a:bodyPr/>
           <a:p>
-            <a:fld id="{87E4E70D-2104-4241-AFDC-5040B61588E2}" type="slidenum">
+            <a:fld id="{5E429D89-971B-46DC-9D1A-2CF0A92D9E8E}" type="slidenum">
               <a:t>&lt;#&gt;</a:t>
             </a:fld>
           </a:p>
@@ -8554,7 +8554,7 @@
         <p:txBody>
           <a:bodyPr/>
           <a:p>
-            <a:fld id="{E14D07F5-57FA-4D4E-8A74-1F491BE4E65E}" type="slidenum">
+            <a:fld id="{3C87C949-A969-4EA3-98E0-B19390A656B1}" type="slidenum">
               <a:t>&lt;#&gt;</a:t>
             </a:fld>
           </a:p>
@@ -8808,7 +8808,7 @@
         <p:txBody>
           <a:bodyPr/>
           <a:p>
-            <a:fld id="{67089F7B-8EA7-4B3B-8078-740D8230E824}" type="slidenum">
+            <a:fld id="{FD475A92-631C-44CF-B5B2-A0C5745AD04D}" type="slidenum">
               <a:t>&lt;#&gt;</a:t>
             </a:fld>
           </a:p>
@@ -8888,7 +8888,7 @@
         <p:txBody>
           <a:bodyPr/>
           <a:p>
-            <a:fld id="{231A9D20-875C-454E-A6FC-EDF11C9B5DD2}" type="slidenum">
+            <a:fld id="{00524845-E1F5-4474-9FA8-FFC13DE9358E}" type="slidenum">
               <a:t>&lt;#&gt;</a:t>
             </a:fld>
           </a:p>
@@ -9228,7 +9228,7 @@
         <p:txBody>
           <a:bodyPr/>
           <a:p>
-            <a:fld id="{0E486FF6-2F7F-41A8-B686-A2047344B229}" type="slidenum">
+            <a:fld id="{75A18CEC-772A-46FE-8441-3E97766C87A2}" type="slidenum">
               <a:t>&lt;#&gt;</a:t>
             </a:fld>
           </a:p>
@@ -9270,7 +9270,7 @@
         <p:txBody>
           <a:bodyPr/>
           <a:p>
-            <a:fld id="{7BABAA92-2854-436D-9142-2BFA4C244843}" type="slidenum">
+            <a:fld id="{E3CD94DE-49DA-47DC-B8EE-FD67B43F6C1C}" type="slidenum">
               <a:t>&lt;#&gt;</a:t>
             </a:fld>
           </a:p>
@@ -9392,7 +9392,7 @@
         <p:txBody>
           <a:bodyPr/>
           <a:p>
-            <a:fld id="{D1D98291-CB17-4C86-8C04-9DEEEABF1461}" type="slidenum">
+            <a:fld id="{A5712659-C490-478F-A589-B6C956DA65C2}" type="slidenum">
               <a:t>&lt;#&gt;</a:t>
             </a:fld>
           </a:p>
@@ -9517,7 +9517,7 @@
         <p:txBody>
           <a:bodyPr/>
           <a:p>
-            <a:fld id="{63407B8B-D22D-4847-9DDE-FDE998876C8E}" type="slidenum">
+            <a:fld id="{C6A526E0-917D-4749-9B1E-9815F31BAC97}" type="slidenum">
               <a:t>&lt;#&gt;</a:t>
             </a:fld>
           </a:p>
@@ -9685,7 +9685,7 @@
         <p:txBody>
           <a:bodyPr/>
           <a:p>
-            <a:fld id="{D98CAFF7-05AC-468C-A737-E558C0D6E6C8}" type="slidenum">
+            <a:fld id="{FC4F2034-820F-4FBE-92AF-466EAF4E1C86}" type="slidenum">
               <a:t>&lt;#&gt;</a:t>
             </a:fld>
           </a:p>
@@ -9767,7 +9767,7 @@
         <p:txBody>
           <a:bodyPr/>
           <a:p>
-            <a:fld id="{043D9844-70AE-4525-97AC-160BDEDB05C5}" type="slidenum">
+            <a:fld id="{AA4C4331-9C2C-4AF4-9FF4-3DC6A9249D0C}" type="slidenum">
               <a:t>&lt;#&gt;</a:t>
             </a:fld>
           </a:p>
@@ -9847,7 +9847,7 @@
         <p:txBody>
           <a:bodyPr/>
           <a:p>
-            <a:fld id="{15609DF4-F23D-47E1-903F-8D1FAE83765A}" type="slidenum">
+            <a:fld id="{C4508767-7598-4C00-9AAF-D58134653645}" type="slidenum">
               <a:t>&lt;#&gt;</a:t>
             </a:fld>
           </a:p>
@@ -10058,7 +10058,7 @@
         <p:txBody>
           <a:bodyPr/>
           <a:p>
-            <a:fld id="{BB3B7F38-65E1-4ADC-804E-1F000ADEC607}" type="slidenum">
+            <a:fld id="{E7952B02-D8E5-4134-B89A-689940518091}" type="slidenum">
               <a:t>&lt;#&gt;</a:t>
             </a:fld>
           </a:p>
@@ -10269,7 +10269,7 @@
         <p:txBody>
           <a:bodyPr/>
           <a:p>
-            <a:fld id="{F9A91E30-FEE7-427F-B74C-34B2EAC17BE0}" type="slidenum">
+            <a:fld id="{86CE6429-A533-45DD-90EF-0B112D4402A0}" type="slidenum">
               <a:t>&lt;#&gt;</a:t>
             </a:fld>
           </a:p>
@@ -10480,7 +10480,7 @@
         <p:txBody>
           <a:bodyPr/>
           <a:p>
-            <a:fld id="{28735A91-C653-4154-9F4C-D59ACF1D9200}" type="slidenum">
+            <a:fld id="{E2F7D87D-28B4-4A2A-B59B-2457F75C2F47}" type="slidenum">
               <a:t>&lt;#&gt;</a:t>
             </a:fld>
           </a:p>
@@ -10691,7 +10691,7 @@
         <p:txBody>
           <a:bodyPr/>
           <a:p>
-            <a:fld id="{B5A9272B-D4C3-4880-9587-E2DA2EAFECFB}" type="slidenum">
+            <a:fld id="{81D704DF-4037-4C49-B8D7-3211363D7A7B}" type="slidenum">
               <a:t>&lt;#&gt;</a:t>
             </a:fld>
           </a:p>
@@ -10859,7 +10859,7 @@
         <p:txBody>
           <a:bodyPr/>
           <a:p>
-            <a:fld id="{B978B4F5-C64D-45D9-825B-A06545B92BC9}" type="slidenum">
+            <a:fld id="{C91F1E1E-D51D-4B3B-8020-753536D6259B}" type="slidenum">
               <a:t>&lt;#&gt;</a:t>
             </a:fld>
           </a:p>
@@ -11113,7 +11113,7 @@
         <p:txBody>
           <a:bodyPr/>
           <a:p>
-            <a:fld id="{FE28243E-FE96-4643-A4BA-D7286BEBF753}" type="slidenum">
+            <a:fld id="{CA2ADB7A-8141-4D78-A306-D0191392A54C}" type="slidenum">
               <a:t>&lt;#&gt;</a:t>
             </a:fld>
           </a:p>
@@ -11453,7 +11453,7 @@
         <p:txBody>
           <a:bodyPr/>
           <a:p>
-            <a:fld id="{BE42F266-3B7E-47F1-8AF5-D91694F27EA9}" type="slidenum">
+            <a:fld id="{5D079923-70DC-40CC-A6FE-6EBFF67A0900}" type="slidenum">
               <a:t>&lt;#&gt;</a:t>
             </a:fld>
           </a:p>
@@ -11495,7 +11495,7 @@
         <p:txBody>
           <a:bodyPr/>
           <a:p>
-            <a:fld id="{ABFAE233-00E3-4578-A400-E7139F06B06C}" type="slidenum">
+            <a:fld id="{38EED17D-40DF-44BA-84F8-422A9FFDA083}" type="slidenum">
               <a:t>&lt;#&gt;</a:t>
             </a:fld>
           </a:p>
@@ -11617,7 +11617,7 @@
         <p:txBody>
           <a:bodyPr/>
           <a:p>
-            <a:fld id="{D729F5DA-A8EF-403F-9E53-1D04226301A7}" type="slidenum">
+            <a:fld id="{09254117-235A-4344-A48D-2B2DE05BAC12}" type="slidenum">
               <a:t>&lt;#&gt;</a:t>
             </a:fld>
           </a:p>
@@ -11742,7 +11742,7 @@
         <p:txBody>
           <a:bodyPr/>
           <a:p>
-            <a:fld id="{FA9B9492-F895-4222-A12A-0477D3480D32}" type="slidenum">
+            <a:fld id="{D033CD97-D487-45E5-BBDA-7823964BB585}" type="slidenum">
               <a:t>&lt;#&gt;</a:t>
             </a:fld>
           </a:p>
@@ -11910,7 +11910,7 @@
         <p:txBody>
           <a:bodyPr/>
           <a:p>
-            <a:fld id="{A4A262B8-020B-4F4D-A53D-FFDD6D9C3F54}" type="slidenum">
+            <a:fld id="{63357EF5-CBB7-4AAA-874C-222D880E1646}" type="slidenum">
               <a:t>&lt;#&gt;</a:t>
             </a:fld>
           </a:p>
@@ -11992,7 +11992,7 @@
         <p:txBody>
           <a:bodyPr/>
           <a:p>
-            <a:fld id="{1E102002-6333-48D0-A7B8-DB99285043A9}" type="slidenum">
+            <a:fld id="{5D7BD3D9-A45A-460D-9AF7-6EB30BF7326C}" type="slidenum">
               <a:t>&lt;#&gt;</a:t>
             </a:fld>
           </a:p>
@@ -12072,7 +12072,7 @@
         <p:txBody>
           <a:bodyPr/>
           <a:p>
-            <a:fld id="{501298E7-6ED6-4E6D-88D4-A16F0E79DBD1}" type="slidenum">
+            <a:fld id="{E8E14FD5-144A-4120-9F4F-1DFAF79C21C3}" type="slidenum">
               <a:t>&lt;#&gt;</a:t>
             </a:fld>
           </a:p>
@@ -12283,7 +12283,7 @@
         <p:txBody>
           <a:bodyPr/>
           <a:p>
-            <a:fld id="{30908733-6B9A-4F3B-BA9B-30D883E90941}" type="slidenum">
+            <a:fld id="{6F64AD3E-2CD7-4E76-BD12-6764D8B11F35}" type="slidenum">
               <a:t>&lt;#&gt;</a:t>
             </a:fld>
           </a:p>
@@ -12494,7 +12494,7 @@
         <p:txBody>
           <a:bodyPr/>
           <a:p>
-            <a:fld id="{1693E29E-5D1E-4133-ABC9-880FA28E6182}" type="slidenum">
+            <a:fld id="{89D33E10-EFE0-415F-8603-FE893CE12750}" type="slidenum">
               <a:t>&lt;#&gt;</a:t>
             </a:fld>
           </a:p>
@@ -12705,7 +12705,7 @@
         <p:txBody>
           <a:bodyPr/>
           <a:p>
-            <a:fld id="{C2CB3ADB-27DD-442A-9437-15290208B6CD}" type="slidenum">
+            <a:fld id="{4F5E3B53-35F6-4A68-8729-0B2A32AD62AE}" type="slidenum">
               <a:t>&lt;#&gt;</a:t>
             </a:fld>
           </a:p>
@@ -12916,7 +12916,7 @@
         <p:txBody>
           <a:bodyPr/>
           <a:p>
-            <a:fld id="{E838D88B-8FA1-4377-98CE-51E923D85AAF}" type="slidenum">
+            <a:fld id="{A1298477-3974-4669-BE02-320230140A59}" type="slidenum">
               <a:t>&lt;#&gt;</a:t>
             </a:fld>
           </a:p>
@@ -13084,7 +13084,7 @@
         <p:txBody>
           <a:bodyPr/>
           <a:p>
-            <a:fld id="{207FF799-55DC-40EF-8134-565C6A146EB7}" type="slidenum">
+            <a:fld id="{64213470-0916-4F09-84B7-8E79E8BA5D3E}" type="slidenum">
               <a:t>&lt;#&gt;</a:t>
             </a:fld>
           </a:p>
@@ -13338,7 +13338,7 @@
         <p:txBody>
           <a:bodyPr/>
           <a:p>
-            <a:fld id="{D68B6031-CDC8-47C1-8D87-89C66251596D}" type="slidenum">
+            <a:fld id="{14E765D3-AB14-44E8-9132-6908B891D3C9}" type="slidenum">
               <a:t>&lt;#&gt;</a:t>
             </a:fld>
           </a:p>
@@ -13678,7 +13678,7 @@
         <p:txBody>
           <a:bodyPr/>
           <a:p>
-            <a:fld id="{A5B2B6F6-05A9-4063-A6C6-68A74F8731A9}" type="slidenum">
+            <a:fld id="{C3425814-2521-49BD-96AC-EEF5FA4977ED}" type="slidenum">
               <a:t>&lt;#&gt;</a:t>
             </a:fld>
           </a:p>
@@ -13889,7 +13889,7 @@
         <p:txBody>
           <a:bodyPr/>
           <a:p>
-            <a:fld id="{88758595-B35B-46F3-B2E3-86CDA8294670}" type="slidenum">
+            <a:fld id="{8383EFEF-7561-4C82-8BA1-F0798957C374}" type="slidenum">
               <a:t>&lt;#&gt;</a:t>
             </a:fld>
           </a:p>
@@ -13962,16 +13962,7 @@
                 </a:solidFill>
                 <a:latin typeface="Arial"/>
               </a:rPr>
-              <a:t>Click to edit the title </a:t>
-            </a:r>
-            <a:r>
-              <a:rPr b="0" lang="en-US" sz="5200" spc="-1" strike="noStrike">
-                <a:solidFill>
-                  <a:srgbClr val="000000"/>
-                </a:solidFill>
-                <a:latin typeface="Arial"/>
-              </a:rPr>
-              <a:t>text format</a:t>
+              <a:t>Click to edit the title text format</a:t>
             </a:r>
             <a:endParaRPr b="0" lang="en-US" sz="5200" spc="-1" strike="noStrike">
               <a:solidFill>
@@ -14037,7 +14028,7 @@
                 <a:tab algn="l" pos="0"/>
               </a:tabLst>
             </a:pPr>
-            <a:fld id="{2F67D7A3-8A24-4E94-A03F-AC59B56BE9DE}" type="slidenum">
+            <a:fld id="{B1FF0670-C6EB-4B1A-949F-ED0081932BB0}" type="slidenum">
               <a:rPr b="0" lang="en" sz="1000" spc="-1" strike="noStrike">
                 <a:solidFill>
                   <a:schemeClr val="dk2"/>
@@ -14816,7 +14807,7 @@
                 <a:tab algn="l" pos="0"/>
               </a:tabLst>
             </a:pPr>
-            <a:fld id="{06534216-2CD0-4E47-8994-589F185D9C9A}" type="slidenum">
+            <a:fld id="{38EA7269-865C-40A9-A4B3-64C07B79E34E}" type="slidenum">
               <a:rPr b="0" lang="en" sz="1000" spc="-1" strike="noStrike">
                 <a:solidFill>
                   <a:schemeClr val="dk2"/>
@@ -15280,7 +15271,7 @@
                 <a:tab algn="l" pos="0"/>
               </a:tabLst>
             </a:pPr>
-            <a:fld id="{61458350-66CF-456D-B055-AF2843CD1FB4}" type="slidenum">
+            <a:fld id="{9B9C6417-DA90-4DAE-A67E-0CDBA71EFD89}" type="slidenum">
               <a:rPr b="0" lang="en" sz="1000" spc="-1" strike="noStrike">
                 <a:solidFill>
                   <a:schemeClr val="dk2"/>
@@ -15744,7 +15735,7 @@
                 <a:tab algn="l" pos="0"/>
               </a:tabLst>
             </a:pPr>
-            <a:fld id="{9659DCAF-3F66-4FD1-9D7A-6293DCE50DCE}" type="slidenum">
+            <a:fld id="{B4E4D15F-E4FD-4E6F-ACBE-67B716CCC8B0}" type="slidenum">
               <a:rPr b="0" lang="en" sz="1000" spc="-1" strike="noStrike">
                 <a:solidFill>
                   <a:schemeClr val="dk2"/>
@@ -16208,7 +16199,7 @@
                 <a:tab algn="l" pos="0"/>
               </a:tabLst>
             </a:pPr>
-            <a:fld id="{11FDCA47-71C5-4FF7-BBD2-7D3F5D07C2FD}" type="slidenum">
+            <a:fld id="{BC7E1BD6-4DA2-4E52-8604-6B0DD00FD79E}" type="slidenum">
               <a:rPr b="0" lang="en" sz="1000" spc="-1" strike="noStrike">
                 <a:solidFill>
                   <a:schemeClr val="dk2"/>
@@ -16672,7 +16663,7 @@
                 <a:tab algn="l" pos="0"/>
               </a:tabLst>
             </a:pPr>
-            <a:fld id="{D09517EF-D038-4E03-8F22-0F25DAB83EF1}" type="slidenum">
+            <a:fld id="{A9E0DF99-086F-4334-B5A3-A8568CEF9C0F}" type="slidenum">
               <a:rPr b="0" lang="en" sz="1000" spc="-1" strike="noStrike">
                 <a:solidFill>
                   <a:schemeClr val="dk2"/>

--- a/02-ux-design-process/Case-study-slide-deck-Portfolio-Project1.pptx
+++ b/02-ux-design-process/Case-study-slide-deck-Portfolio-Project1.pptx
@@ -38,7 +38,7 @@
     <p:sldId id="280" r:id="rId33"/>
   </p:sldIdLst>
   <p:sldSz cx="9144000" cy="5143500"/>
-  <p:notesSz cx="6858000" cy="9144000"/>
+  <p:notesSz cx="7559675" cy="10691813"/>
 </p:presentation>
 </file>
 
@@ -73,7 +73,7 @@
         <p:txBody>
           <a:bodyPr/>
           <a:p>
-            <a:fld id="{792ED7F1-2C09-408F-B96B-7A641B43ABB1}" type="slidenum">
+            <a:fld id="{CC7322BA-E68D-408A-8C1F-C161A6BC1F4C}" type="slidenum">
               <a:t>&lt;#&gt;</a:t>
             </a:fld>
           </a:p>
@@ -129,10 +129,10 @@
             <a:noAutofit/>
           </a:bodyPr>
           <a:p>
-            <a:pPr indent="0">
+            <a:pPr indent="0" algn="ctr">
               <a:buNone/>
             </a:pPr>
-            <a:endParaRPr b="0" lang="en-US" sz="1400" spc="-1" strike="noStrike">
+            <a:endParaRPr b="0" lang="en-US" sz="4400" spc="-1" strike="noStrike">
               <a:solidFill>
                 <a:srgbClr val="000000"/>
               </a:solidFill>
@@ -175,7 +175,7 @@
               </a:spcBef>
               <a:buNone/>
             </a:pPr>
-            <a:endParaRPr b="0" lang="en-US" sz="1400" spc="-1" strike="noStrike">
+            <a:endParaRPr b="0" lang="en-US" sz="3200" spc="-1" strike="noStrike">
               <a:solidFill>
                 <a:srgbClr val="000000"/>
               </a:solidFill>
@@ -218,7 +218,7 @@
               </a:spcBef>
               <a:buNone/>
             </a:pPr>
-            <a:endParaRPr b="0" lang="en-US" sz="1400" spc="-1" strike="noStrike">
+            <a:endParaRPr b="0" lang="en-US" sz="3200" spc="-1" strike="noStrike">
               <a:solidFill>
                 <a:srgbClr val="000000"/>
               </a:solidFill>
@@ -241,7 +241,7 @@
         <p:txBody>
           <a:bodyPr/>
           <a:p>
-            <a:fld id="{E2F18FDF-407F-4FAF-AB77-870B3A369FD6}" type="slidenum">
+            <a:fld id="{F322A77B-1A43-49A9-A58F-473E7850D63C}" type="slidenum">
               <a:t>&lt;#&gt;</a:t>
             </a:fld>
           </a:p>
@@ -297,10 +297,10 @@
             <a:noAutofit/>
           </a:bodyPr>
           <a:p>
-            <a:pPr indent="0">
+            <a:pPr indent="0" algn="ctr">
               <a:buNone/>
             </a:pPr>
-            <a:endParaRPr b="0" lang="en-US" sz="1400" spc="-1" strike="noStrike">
+            <a:endParaRPr b="0" lang="en-US" sz="4400" spc="-1" strike="noStrike">
               <a:solidFill>
                 <a:srgbClr val="000000"/>
               </a:solidFill>
@@ -343,7 +343,7 @@
               </a:spcBef>
               <a:buNone/>
             </a:pPr>
-            <a:endParaRPr b="0" lang="en-US" sz="1400" spc="-1" strike="noStrike">
+            <a:endParaRPr b="0" lang="en-US" sz="3200" spc="-1" strike="noStrike">
               <a:solidFill>
                 <a:srgbClr val="000000"/>
               </a:solidFill>
@@ -386,7 +386,7 @@
               </a:spcBef>
               <a:buNone/>
             </a:pPr>
-            <a:endParaRPr b="0" lang="en-US" sz="1400" spc="-1" strike="noStrike">
+            <a:endParaRPr b="0" lang="en-US" sz="3200" spc="-1" strike="noStrike">
               <a:solidFill>
                 <a:srgbClr val="000000"/>
               </a:solidFill>
@@ -429,7 +429,7 @@
               </a:spcBef>
               <a:buNone/>
             </a:pPr>
-            <a:endParaRPr b="0" lang="en-US" sz="1400" spc="-1" strike="noStrike">
+            <a:endParaRPr b="0" lang="en-US" sz="3200" spc="-1" strike="noStrike">
               <a:solidFill>
                 <a:srgbClr val="000000"/>
               </a:solidFill>
@@ -472,7 +472,7 @@
               </a:spcBef>
               <a:buNone/>
             </a:pPr>
-            <a:endParaRPr b="0" lang="en-US" sz="1400" spc="-1" strike="noStrike">
+            <a:endParaRPr b="0" lang="en-US" sz="3200" spc="-1" strike="noStrike">
               <a:solidFill>
                 <a:srgbClr val="000000"/>
               </a:solidFill>
@@ -495,7 +495,7 @@
         <p:txBody>
           <a:bodyPr/>
           <a:p>
-            <a:fld id="{7ED0EC0D-B97C-4857-B9CC-991B1CC954D7}" type="slidenum">
+            <a:fld id="{7EF170FD-ABDE-4A19-92B2-1579B0351DE3}" type="slidenum">
               <a:t>&lt;#&gt;</a:t>
             </a:fld>
           </a:p>
@@ -551,10 +551,10 @@
             <a:noAutofit/>
           </a:bodyPr>
           <a:p>
-            <a:pPr indent="0">
+            <a:pPr indent="0" algn="ctr">
               <a:buNone/>
             </a:pPr>
-            <a:endParaRPr b="0" lang="en-US" sz="1400" spc="-1" strike="noStrike">
+            <a:endParaRPr b="0" lang="en-US" sz="4400" spc="-1" strike="noStrike">
               <a:solidFill>
                 <a:srgbClr val="000000"/>
               </a:solidFill>
@@ -597,7 +597,7 @@
               </a:spcBef>
               <a:buNone/>
             </a:pPr>
-            <a:endParaRPr b="0" lang="en-US" sz="1400" spc="-1" strike="noStrike">
+            <a:endParaRPr b="0" lang="en-US" sz="3200" spc="-1" strike="noStrike">
               <a:solidFill>
                 <a:srgbClr val="000000"/>
               </a:solidFill>
@@ -640,7 +640,7 @@
               </a:spcBef>
               <a:buNone/>
             </a:pPr>
-            <a:endParaRPr b="0" lang="en-US" sz="1400" spc="-1" strike="noStrike">
+            <a:endParaRPr b="0" lang="en-US" sz="3200" spc="-1" strike="noStrike">
               <a:solidFill>
                 <a:srgbClr val="000000"/>
               </a:solidFill>
@@ -683,7 +683,7 @@
               </a:spcBef>
               <a:buNone/>
             </a:pPr>
-            <a:endParaRPr b="0" lang="en-US" sz="1400" spc="-1" strike="noStrike">
+            <a:endParaRPr b="0" lang="en-US" sz="3200" spc="-1" strike="noStrike">
               <a:solidFill>
                 <a:srgbClr val="000000"/>
               </a:solidFill>
@@ -726,7 +726,7 @@
               </a:spcBef>
               <a:buNone/>
             </a:pPr>
-            <a:endParaRPr b="0" lang="en-US" sz="1400" spc="-1" strike="noStrike">
+            <a:endParaRPr b="0" lang="en-US" sz="3200" spc="-1" strike="noStrike">
               <a:solidFill>
                 <a:srgbClr val="000000"/>
               </a:solidFill>
@@ -769,7 +769,7 @@
               </a:spcBef>
               <a:buNone/>
             </a:pPr>
-            <a:endParaRPr b="0" lang="en-US" sz="1400" spc="-1" strike="noStrike">
+            <a:endParaRPr b="0" lang="en-US" sz="3200" spc="-1" strike="noStrike">
               <a:solidFill>
                 <a:srgbClr val="000000"/>
               </a:solidFill>
@@ -812,7 +812,7 @@
               </a:spcBef>
               <a:buNone/>
             </a:pPr>
-            <a:endParaRPr b="0" lang="en-US" sz="1400" spc="-1" strike="noStrike">
+            <a:endParaRPr b="0" lang="en-US" sz="3200" spc="-1" strike="noStrike">
               <a:solidFill>
                 <a:srgbClr val="000000"/>
               </a:solidFill>
@@ -835,7 +835,7 @@
         <p:txBody>
           <a:bodyPr/>
           <a:p>
-            <a:fld id="{BF4B8B30-FEC7-432E-A1F3-12B6711FDC66}" type="slidenum">
+            <a:fld id="{83468593-B3CB-428D-9BD5-56FCE5F02781}" type="slidenum">
               <a:t>&lt;#&gt;</a:t>
             </a:fld>
           </a:p>
@@ -913,10 +913,10 @@
             <a:noAutofit/>
           </a:bodyPr>
           <a:p>
-            <a:pPr indent="0">
+            <a:pPr indent="0" algn="ctr">
               <a:buNone/>
             </a:pPr>
-            <a:endParaRPr b="0" lang="en-US" sz="1400" spc="-1" strike="noStrike">
+            <a:endParaRPr b="0" lang="en-US" sz="4400" spc="-1" strike="noStrike">
               <a:solidFill>
                 <a:srgbClr val="000000"/>
               </a:solidFill>
@@ -1015,10 +1015,10 @@
             <a:noAutofit/>
           </a:bodyPr>
           <a:p>
-            <a:pPr indent="0">
+            <a:pPr indent="0" algn="ctr">
               <a:buNone/>
             </a:pPr>
-            <a:endParaRPr b="0" lang="en-US" sz="1400" spc="-1" strike="noStrike">
+            <a:endParaRPr b="0" lang="en-US" sz="4400" spc="-1" strike="noStrike">
               <a:solidFill>
                 <a:srgbClr val="000000"/>
               </a:solidFill>
@@ -1061,7 +1061,7 @@
               </a:spcBef>
               <a:buNone/>
             </a:pPr>
-            <a:endParaRPr b="0" lang="en-US" sz="1400" spc="-1" strike="noStrike">
+            <a:endParaRPr b="0" lang="en-US" sz="3200" spc="-1" strike="noStrike">
               <a:solidFill>
                 <a:srgbClr val="000000"/>
               </a:solidFill>
@@ -1120,10 +1120,10 @@
             <a:noAutofit/>
           </a:bodyPr>
           <a:p>
-            <a:pPr indent="0">
+            <a:pPr indent="0" algn="ctr">
               <a:buNone/>
             </a:pPr>
-            <a:endParaRPr b="0" lang="en-US" sz="1400" spc="-1" strike="noStrike">
+            <a:endParaRPr b="0" lang="en-US" sz="4400" spc="-1" strike="noStrike">
               <a:solidFill>
                 <a:srgbClr val="000000"/>
               </a:solidFill>
@@ -1166,7 +1166,7 @@
               </a:spcBef>
               <a:buNone/>
             </a:pPr>
-            <a:endParaRPr b="0" lang="en-US" sz="1400" spc="-1" strike="noStrike">
+            <a:endParaRPr b="0" lang="en-US" sz="3200" spc="-1" strike="noStrike">
               <a:solidFill>
                 <a:srgbClr val="000000"/>
               </a:solidFill>
@@ -1209,7 +1209,7 @@
               </a:spcBef>
               <a:buNone/>
             </a:pPr>
-            <a:endParaRPr b="0" lang="en-US" sz="1400" spc="-1" strike="noStrike">
+            <a:endParaRPr b="0" lang="en-US" sz="3200" spc="-1" strike="noStrike">
               <a:solidFill>
                 <a:srgbClr val="000000"/>
               </a:solidFill>
@@ -1268,10 +1268,10 @@
             <a:noAutofit/>
           </a:bodyPr>
           <a:p>
-            <a:pPr indent="0">
+            <a:pPr indent="0" algn="ctr">
               <a:buNone/>
             </a:pPr>
-            <a:endParaRPr b="0" lang="en-US" sz="1400" spc="-1" strike="noStrike">
+            <a:endParaRPr b="0" lang="en-US" sz="4400" spc="-1" strike="noStrike">
               <a:solidFill>
                 <a:srgbClr val="000000"/>
               </a:solidFill>
@@ -1390,10 +1390,10 @@
             <a:noAutofit/>
           </a:bodyPr>
           <a:p>
-            <a:pPr indent="0">
+            <a:pPr indent="0" algn="ctr">
               <a:buNone/>
             </a:pPr>
-            <a:endParaRPr b="0" lang="en-US" sz="1400" spc="-1" strike="noStrike">
+            <a:endParaRPr b="0" lang="en-US" sz="4400" spc="-1" strike="noStrike">
               <a:solidFill>
                 <a:srgbClr val="000000"/>
               </a:solidFill>
@@ -1436,7 +1436,7 @@
               </a:spcBef>
               <a:buNone/>
             </a:pPr>
-            <a:endParaRPr b="0" lang="en-US" sz="1400" spc="-1" strike="noStrike">
+            <a:endParaRPr b="0" lang="en-US" sz="3200" spc="-1" strike="noStrike">
               <a:solidFill>
                 <a:srgbClr val="000000"/>
               </a:solidFill>
@@ -1479,7 +1479,7 @@
               </a:spcBef>
               <a:buNone/>
             </a:pPr>
-            <a:endParaRPr b="0" lang="en-US" sz="1400" spc="-1" strike="noStrike">
+            <a:endParaRPr b="0" lang="en-US" sz="3200" spc="-1" strike="noStrike">
               <a:solidFill>
                 <a:srgbClr val="000000"/>
               </a:solidFill>
@@ -1522,7 +1522,7 @@
               </a:spcBef>
               <a:buNone/>
             </a:pPr>
-            <a:endParaRPr b="0" lang="en-US" sz="1400" spc="-1" strike="noStrike">
+            <a:endParaRPr b="0" lang="en-US" sz="3200" spc="-1" strike="noStrike">
               <a:solidFill>
                 <a:srgbClr val="000000"/>
               </a:solidFill>
@@ -1581,10 +1581,10 @@
             <a:noAutofit/>
           </a:bodyPr>
           <a:p>
-            <a:pPr indent="0">
+            <a:pPr indent="0" algn="ctr">
               <a:buNone/>
             </a:pPr>
-            <a:endParaRPr b="0" lang="en-US" sz="1400" spc="-1" strike="noStrike">
+            <a:endParaRPr b="0" lang="en-US" sz="4400" spc="-1" strike="noStrike">
               <a:solidFill>
                 <a:srgbClr val="000000"/>
               </a:solidFill>
@@ -1647,7 +1647,7 @@
         <p:txBody>
           <a:bodyPr/>
           <a:p>
-            <a:fld id="{DEAA7B14-00FC-4E9A-91F2-6FEA3A8F06A3}" type="slidenum">
+            <a:fld id="{F0387D37-4C31-450F-8C1B-0755C289165B}" type="slidenum">
               <a:t>&lt;#&gt;</a:t>
             </a:fld>
           </a:p>
@@ -1703,10 +1703,10 @@
             <a:noAutofit/>
           </a:bodyPr>
           <a:p>
-            <a:pPr indent="0">
+            <a:pPr indent="0" algn="ctr">
               <a:buNone/>
             </a:pPr>
-            <a:endParaRPr b="0" lang="en-US" sz="1400" spc="-1" strike="noStrike">
+            <a:endParaRPr b="0" lang="en-US" sz="4400" spc="-1" strike="noStrike">
               <a:solidFill>
                 <a:srgbClr val="000000"/>
               </a:solidFill>
@@ -1749,7 +1749,7 @@
               </a:spcBef>
               <a:buNone/>
             </a:pPr>
-            <a:endParaRPr b="0" lang="en-US" sz="1400" spc="-1" strike="noStrike">
+            <a:endParaRPr b="0" lang="en-US" sz="3200" spc="-1" strike="noStrike">
               <a:solidFill>
                 <a:srgbClr val="000000"/>
               </a:solidFill>
@@ -1792,7 +1792,7 @@
               </a:spcBef>
               <a:buNone/>
             </a:pPr>
-            <a:endParaRPr b="0" lang="en-US" sz="1400" spc="-1" strike="noStrike">
+            <a:endParaRPr b="0" lang="en-US" sz="3200" spc="-1" strike="noStrike">
               <a:solidFill>
                 <a:srgbClr val="000000"/>
               </a:solidFill>
@@ -1835,7 +1835,7 @@
               </a:spcBef>
               <a:buNone/>
             </a:pPr>
-            <a:endParaRPr b="0" lang="en-US" sz="1400" spc="-1" strike="noStrike">
+            <a:endParaRPr b="0" lang="en-US" sz="3200" spc="-1" strike="noStrike">
               <a:solidFill>
                 <a:srgbClr val="000000"/>
               </a:solidFill>
@@ -1894,10 +1894,10 @@
             <a:noAutofit/>
           </a:bodyPr>
           <a:p>
-            <a:pPr indent="0">
+            <a:pPr indent="0" algn="ctr">
               <a:buNone/>
             </a:pPr>
-            <a:endParaRPr b="0" lang="en-US" sz="1400" spc="-1" strike="noStrike">
+            <a:endParaRPr b="0" lang="en-US" sz="4400" spc="-1" strike="noStrike">
               <a:solidFill>
                 <a:srgbClr val="000000"/>
               </a:solidFill>
@@ -1940,7 +1940,7 @@
               </a:spcBef>
               <a:buNone/>
             </a:pPr>
-            <a:endParaRPr b="0" lang="en-US" sz="1400" spc="-1" strike="noStrike">
+            <a:endParaRPr b="0" lang="en-US" sz="3200" spc="-1" strike="noStrike">
               <a:solidFill>
                 <a:srgbClr val="000000"/>
               </a:solidFill>
@@ -1983,7 +1983,7 @@
               </a:spcBef>
               <a:buNone/>
             </a:pPr>
-            <a:endParaRPr b="0" lang="en-US" sz="1400" spc="-1" strike="noStrike">
+            <a:endParaRPr b="0" lang="en-US" sz="3200" spc="-1" strike="noStrike">
               <a:solidFill>
                 <a:srgbClr val="000000"/>
               </a:solidFill>
@@ -2026,7 +2026,7 @@
               </a:spcBef>
               <a:buNone/>
             </a:pPr>
-            <a:endParaRPr b="0" lang="en-US" sz="1400" spc="-1" strike="noStrike">
+            <a:endParaRPr b="0" lang="en-US" sz="3200" spc="-1" strike="noStrike">
               <a:solidFill>
                 <a:srgbClr val="000000"/>
               </a:solidFill>
@@ -2085,10 +2085,10 @@
             <a:noAutofit/>
           </a:bodyPr>
           <a:p>
-            <a:pPr indent="0">
+            <a:pPr indent="0" algn="ctr">
               <a:buNone/>
             </a:pPr>
-            <a:endParaRPr b="0" lang="en-US" sz="1400" spc="-1" strike="noStrike">
+            <a:endParaRPr b="0" lang="en-US" sz="4400" spc="-1" strike="noStrike">
               <a:solidFill>
                 <a:srgbClr val="000000"/>
               </a:solidFill>
@@ -2131,7 +2131,7 @@
               </a:spcBef>
               <a:buNone/>
             </a:pPr>
-            <a:endParaRPr b="0" lang="en-US" sz="1400" spc="-1" strike="noStrike">
+            <a:endParaRPr b="0" lang="en-US" sz="3200" spc="-1" strike="noStrike">
               <a:solidFill>
                 <a:srgbClr val="000000"/>
               </a:solidFill>
@@ -2174,7 +2174,7 @@
               </a:spcBef>
               <a:buNone/>
             </a:pPr>
-            <a:endParaRPr b="0" lang="en-US" sz="1400" spc="-1" strike="noStrike">
+            <a:endParaRPr b="0" lang="en-US" sz="3200" spc="-1" strike="noStrike">
               <a:solidFill>
                 <a:srgbClr val="000000"/>
               </a:solidFill>
@@ -2233,10 +2233,10 @@
             <a:noAutofit/>
           </a:bodyPr>
           <a:p>
-            <a:pPr indent="0">
+            <a:pPr indent="0" algn="ctr">
               <a:buNone/>
             </a:pPr>
-            <a:endParaRPr b="0" lang="en-US" sz="1400" spc="-1" strike="noStrike">
+            <a:endParaRPr b="0" lang="en-US" sz="4400" spc="-1" strike="noStrike">
               <a:solidFill>
                 <a:srgbClr val="000000"/>
               </a:solidFill>
@@ -2279,7 +2279,7 @@
               </a:spcBef>
               <a:buNone/>
             </a:pPr>
-            <a:endParaRPr b="0" lang="en-US" sz="1400" spc="-1" strike="noStrike">
+            <a:endParaRPr b="0" lang="en-US" sz="3200" spc="-1" strike="noStrike">
               <a:solidFill>
                 <a:srgbClr val="000000"/>
               </a:solidFill>
@@ -2322,7 +2322,7 @@
               </a:spcBef>
               <a:buNone/>
             </a:pPr>
-            <a:endParaRPr b="0" lang="en-US" sz="1400" spc="-1" strike="noStrike">
+            <a:endParaRPr b="0" lang="en-US" sz="3200" spc="-1" strike="noStrike">
               <a:solidFill>
                 <a:srgbClr val="000000"/>
               </a:solidFill>
@@ -2365,7 +2365,7 @@
               </a:spcBef>
               <a:buNone/>
             </a:pPr>
-            <a:endParaRPr b="0" lang="en-US" sz="1400" spc="-1" strike="noStrike">
+            <a:endParaRPr b="0" lang="en-US" sz="3200" spc="-1" strike="noStrike">
               <a:solidFill>
                 <a:srgbClr val="000000"/>
               </a:solidFill>
@@ -2408,7 +2408,7 @@
               </a:spcBef>
               <a:buNone/>
             </a:pPr>
-            <a:endParaRPr b="0" lang="en-US" sz="1400" spc="-1" strike="noStrike">
+            <a:endParaRPr b="0" lang="en-US" sz="3200" spc="-1" strike="noStrike">
               <a:solidFill>
                 <a:srgbClr val="000000"/>
               </a:solidFill>
@@ -2467,10 +2467,10 @@
             <a:noAutofit/>
           </a:bodyPr>
           <a:p>
-            <a:pPr indent="0">
+            <a:pPr indent="0" algn="ctr">
               <a:buNone/>
             </a:pPr>
-            <a:endParaRPr b="0" lang="en-US" sz="1400" spc="-1" strike="noStrike">
+            <a:endParaRPr b="0" lang="en-US" sz="4400" spc="-1" strike="noStrike">
               <a:solidFill>
                 <a:srgbClr val="000000"/>
               </a:solidFill>
@@ -2513,7 +2513,7 @@
               </a:spcBef>
               <a:buNone/>
             </a:pPr>
-            <a:endParaRPr b="0" lang="en-US" sz="1400" spc="-1" strike="noStrike">
+            <a:endParaRPr b="0" lang="en-US" sz="3200" spc="-1" strike="noStrike">
               <a:solidFill>
                 <a:srgbClr val="000000"/>
               </a:solidFill>
@@ -2556,7 +2556,7 @@
               </a:spcBef>
               <a:buNone/>
             </a:pPr>
-            <a:endParaRPr b="0" lang="en-US" sz="1400" spc="-1" strike="noStrike">
+            <a:endParaRPr b="0" lang="en-US" sz="3200" spc="-1" strike="noStrike">
               <a:solidFill>
                 <a:srgbClr val="000000"/>
               </a:solidFill>
@@ -2599,7 +2599,7 @@
               </a:spcBef>
               <a:buNone/>
             </a:pPr>
-            <a:endParaRPr b="0" lang="en-US" sz="1400" spc="-1" strike="noStrike">
+            <a:endParaRPr b="0" lang="en-US" sz="3200" spc="-1" strike="noStrike">
               <a:solidFill>
                 <a:srgbClr val="000000"/>
               </a:solidFill>
@@ -2642,7 +2642,7 @@
               </a:spcBef>
               <a:buNone/>
             </a:pPr>
-            <a:endParaRPr b="0" lang="en-US" sz="1400" spc="-1" strike="noStrike">
+            <a:endParaRPr b="0" lang="en-US" sz="3200" spc="-1" strike="noStrike">
               <a:solidFill>
                 <a:srgbClr val="000000"/>
               </a:solidFill>
@@ -2685,7 +2685,7 @@
               </a:spcBef>
               <a:buNone/>
             </a:pPr>
-            <a:endParaRPr b="0" lang="en-US" sz="1400" spc="-1" strike="noStrike">
+            <a:endParaRPr b="0" lang="en-US" sz="3200" spc="-1" strike="noStrike">
               <a:solidFill>
                 <a:srgbClr val="000000"/>
               </a:solidFill>
@@ -2728,7 +2728,7 @@
               </a:spcBef>
               <a:buNone/>
             </a:pPr>
-            <a:endParaRPr b="0" lang="en-US" sz="1400" spc="-1" strike="noStrike">
+            <a:endParaRPr b="0" lang="en-US" sz="3200" spc="-1" strike="noStrike">
               <a:solidFill>
                 <a:srgbClr val="000000"/>
               </a:solidFill>
@@ -2773,7 +2773,7 @@
         <p:txBody>
           <a:bodyPr/>
           <a:p>
-            <a:fld id="{AC71908D-6E4A-47A6-BB49-345D12A10570}" type="slidenum">
+            <a:fld id="{F16D17AF-1399-4397-B875-600AC1F43B96}" type="slidenum">
               <a:t>&lt;#&gt;</a:t>
             </a:fld>
           </a:p>
@@ -2829,10 +2829,10 @@
             <a:noAutofit/>
           </a:bodyPr>
           <a:p>
-            <a:pPr indent="0">
+            <a:pPr indent="0" algn="ctr">
               <a:buNone/>
             </a:pPr>
-            <a:endParaRPr b="0" lang="en-US" sz="1400" spc="-1" strike="noStrike">
+            <a:endParaRPr b="0" lang="en-US" sz="4400" spc="-1" strike="noStrike">
               <a:solidFill>
                 <a:srgbClr val="000000"/>
               </a:solidFill>
@@ -2895,7 +2895,7 @@
         <p:txBody>
           <a:bodyPr/>
           <a:p>
-            <a:fld id="{28CEB85A-2D3A-497D-92AD-5A411EF838FD}" type="slidenum">
+            <a:fld id="{CA448DAF-A2C5-41E6-BF02-DEBC5D82C910}" type="slidenum">
               <a:t>&lt;#&gt;</a:t>
             </a:fld>
           </a:p>
@@ -2951,10 +2951,10 @@
             <a:noAutofit/>
           </a:bodyPr>
           <a:p>
-            <a:pPr indent="0">
+            <a:pPr indent="0" algn="ctr">
               <a:buNone/>
             </a:pPr>
-            <a:endParaRPr b="0" lang="en-US" sz="1400" spc="-1" strike="noStrike">
+            <a:endParaRPr b="0" lang="en-US" sz="4400" spc="-1" strike="noStrike">
               <a:solidFill>
                 <a:srgbClr val="000000"/>
               </a:solidFill>
@@ -2997,7 +2997,7 @@
               </a:spcBef>
               <a:buNone/>
             </a:pPr>
-            <a:endParaRPr b="0" lang="en-US" sz="1400" spc="-1" strike="noStrike">
+            <a:endParaRPr b="0" lang="en-US" sz="3200" spc="-1" strike="noStrike">
               <a:solidFill>
                 <a:srgbClr val="000000"/>
               </a:solidFill>
@@ -3020,7 +3020,7 @@
         <p:txBody>
           <a:bodyPr/>
           <a:p>
-            <a:fld id="{6BAD6608-D82C-47EA-89F3-6B9BBA80DADF}" type="slidenum">
+            <a:fld id="{A723F6A9-F664-41AC-A34C-ABDADB5A1A3D}" type="slidenum">
               <a:t>&lt;#&gt;</a:t>
             </a:fld>
           </a:p>
@@ -3076,10 +3076,10 @@
             <a:noAutofit/>
           </a:bodyPr>
           <a:p>
-            <a:pPr indent="0">
+            <a:pPr indent="0" algn="ctr">
               <a:buNone/>
             </a:pPr>
-            <a:endParaRPr b="0" lang="en-US" sz="1400" spc="-1" strike="noStrike">
+            <a:endParaRPr b="0" lang="en-US" sz="4400" spc="-1" strike="noStrike">
               <a:solidFill>
                 <a:srgbClr val="000000"/>
               </a:solidFill>
@@ -3122,7 +3122,7 @@
               </a:spcBef>
               <a:buNone/>
             </a:pPr>
-            <a:endParaRPr b="0" lang="en-US" sz="1400" spc="-1" strike="noStrike">
+            <a:endParaRPr b="0" lang="en-US" sz="3200" spc="-1" strike="noStrike">
               <a:solidFill>
                 <a:srgbClr val="000000"/>
               </a:solidFill>
@@ -3165,7 +3165,7 @@
               </a:spcBef>
               <a:buNone/>
             </a:pPr>
-            <a:endParaRPr b="0" lang="en-US" sz="1400" spc="-1" strike="noStrike">
+            <a:endParaRPr b="0" lang="en-US" sz="3200" spc="-1" strike="noStrike">
               <a:solidFill>
                 <a:srgbClr val="000000"/>
               </a:solidFill>
@@ -3188,7 +3188,7 @@
         <p:txBody>
           <a:bodyPr/>
           <a:p>
-            <a:fld id="{490FDF32-A457-4CDF-90D8-CFA6A6A53A7E}" type="slidenum">
+            <a:fld id="{D1EC4473-F6FE-4BE9-8A3B-307DF9B1B6F9}" type="slidenum">
               <a:t>&lt;#&gt;</a:t>
             </a:fld>
           </a:p>
@@ -3244,10 +3244,10 @@
             <a:noAutofit/>
           </a:bodyPr>
           <a:p>
-            <a:pPr indent="0">
+            <a:pPr indent="0" algn="ctr">
               <a:buNone/>
             </a:pPr>
-            <a:endParaRPr b="0" lang="en-US" sz="1400" spc="-1" strike="noStrike">
+            <a:endParaRPr b="0" lang="en-US" sz="4400" spc="-1" strike="noStrike">
               <a:solidFill>
                 <a:srgbClr val="000000"/>
               </a:solidFill>
@@ -3270,7 +3270,7 @@
         <p:txBody>
           <a:bodyPr/>
           <a:p>
-            <a:fld id="{52E032CE-FA5C-4DE1-B718-565ABC772C2F}" type="slidenum">
+            <a:fld id="{11AB8C95-A0E1-4E2E-B6F0-9768ADAD3C03}" type="slidenum">
               <a:t>&lt;#&gt;</a:t>
             </a:fld>
           </a:p>
@@ -3326,10 +3326,10 @@
             <a:noAutofit/>
           </a:bodyPr>
           <a:p>
-            <a:pPr indent="0">
+            <a:pPr indent="0" algn="ctr">
               <a:buNone/>
             </a:pPr>
-            <a:endParaRPr b="0" lang="en-US" sz="1400" spc="-1" strike="noStrike">
+            <a:endParaRPr b="0" lang="en-US" sz="4400" spc="-1" strike="noStrike">
               <a:solidFill>
                 <a:srgbClr val="000000"/>
               </a:solidFill>
@@ -3372,7 +3372,7 @@
               </a:spcBef>
               <a:buNone/>
             </a:pPr>
-            <a:endParaRPr b="0" lang="en-US" sz="1400" spc="-1" strike="noStrike">
+            <a:endParaRPr b="0" lang="en-US" sz="3200" spc="-1" strike="noStrike">
               <a:solidFill>
                 <a:srgbClr val="000000"/>
               </a:solidFill>
@@ -3395,7 +3395,7 @@
         <p:txBody>
           <a:bodyPr/>
           <a:p>
-            <a:fld id="{A030CD2B-B324-4DE8-9FB5-5E3C305D1E2A}" type="slidenum">
+            <a:fld id="{7DC2030B-DA4A-4DA3-B8BE-E557BB0F0F86}" type="slidenum">
               <a:t>&lt;#&gt;</a:t>
             </a:fld>
           </a:p>
@@ -3475,7 +3475,7 @@
         <p:txBody>
           <a:bodyPr/>
           <a:p>
-            <a:fld id="{C95AE1C7-0F04-47E7-81BD-93831C3A06DC}" type="slidenum">
+            <a:fld id="{E236CC4A-D043-4FD0-87F6-BF824E865862}" type="slidenum">
               <a:t>&lt;#&gt;</a:t>
             </a:fld>
           </a:p>
@@ -3531,10 +3531,10 @@
             <a:noAutofit/>
           </a:bodyPr>
           <a:p>
-            <a:pPr indent="0">
+            <a:pPr indent="0" algn="ctr">
               <a:buNone/>
             </a:pPr>
-            <a:endParaRPr b="0" lang="en-US" sz="1400" spc="-1" strike="noStrike">
+            <a:endParaRPr b="0" lang="en-US" sz="4400" spc="-1" strike="noStrike">
               <a:solidFill>
                 <a:srgbClr val="000000"/>
               </a:solidFill>
@@ -3577,7 +3577,7 @@
               </a:spcBef>
               <a:buNone/>
             </a:pPr>
-            <a:endParaRPr b="0" lang="en-US" sz="1400" spc="-1" strike="noStrike">
+            <a:endParaRPr b="0" lang="en-US" sz="3200" spc="-1" strike="noStrike">
               <a:solidFill>
                 <a:srgbClr val="000000"/>
               </a:solidFill>
@@ -3620,7 +3620,7 @@
               </a:spcBef>
               <a:buNone/>
             </a:pPr>
-            <a:endParaRPr b="0" lang="en-US" sz="1400" spc="-1" strike="noStrike">
+            <a:endParaRPr b="0" lang="en-US" sz="3200" spc="-1" strike="noStrike">
               <a:solidFill>
                 <a:srgbClr val="000000"/>
               </a:solidFill>
@@ -3663,7 +3663,7 @@
               </a:spcBef>
               <a:buNone/>
             </a:pPr>
-            <a:endParaRPr b="0" lang="en-US" sz="1400" spc="-1" strike="noStrike">
+            <a:endParaRPr b="0" lang="en-US" sz="3200" spc="-1" strike="noStrike">
               <a:solidFill>
                 <a:srgbClr val="000000"/>
               </a:solidFill>
@@ -3686,7 +3686,7 @@
         <p:txBody>
           <a:bodyPr/>
           <a:p>
-            <a:fld id="{29A44257-8276-46C7-93E3-817648996228}" type="slidenum">
+            <a:fld id="{45D904DB-E9D1-44E5-A2F5-9D647C6E3016}" type="slidenum">
               <a:t>&lt;#&gt;</a:t>
             </a:fld>
           </a:p>
@@ -3742,10 +3742,10 @@
             <a:noAutofit/>
           </a:bodyPr>
           <a:p>
-            <a:pPr indent="0">
+            <a:pPr indent="0" algn="ctr">
               <a:buNone/>
             </a:pPr>
-            <a:endParaRPr b="0" lang="en-US" sz="1400" spc="-1" strike="noStrike">
+            <a:endParaRPr b="0" lang="en-US" sz="4400" spc="-1" strike="noStrike">
               <a:solidFill>
                 <a:srgbClr val="000000"/>
               </a:solidFill>
@@ -3788,7 +3788,7 @@
               </a:spcBef>
               <a:buNone/>
             </a:pPr>
-            <a:endParaRPr b="0" lang="en-US" sz="1400" spc="-1" strike="noStrike">
+            <a:endParaRPr b="0" lang="en-US" sz="3200" spc="-1" strike="noStrike">
               <a:solidFill>
                 <a:srgbClr val="000000"/>
               </a:solidFill>
@@ -3831,7 +3831,7 @@
               </a:spcBef>
               <a:buNone/>
             </a:pPr>
-            <a:endParaRPr b="0" lang="en-US" sz="1400" spc="-1" strike="noStrike">
+            <a:endParaRPr b="0" lang="en-US" sz="3200" spc="-1" strike="noStrike">
               <a:solidFill>
                 <a:srgbClr val="000000"/>
               </a:solidFill>
@@ -3874,7 +3874,7 @@
               </a:spcBef>
               <a:buNone/>
             </a:pPr>
-            <a:endParaRPr b="0" lang="en-US" sz="1400" spc="-1" strike="noStrike">
+            <a:endParaRPr b="0" lang="en-US" sz="3200" spc="-1" strike="noStrike">
               <a:solidFill>
                 <a:srgbClr val="000000"/>
               </a:solidFill>
@@ -3897,7 +3897,7 @@
         <p:txBody>
           <a:bodyPr/>
           <a:p>
-            <a:fld id="{7F16FE08-1A57-4D4B-AD24-8CCF3AE75943}" type="slidenum">
+            <a:fld id="{9C299769-7A45-4334-A2A3-D6C668774162}" type="slidenum">
               <a:t>&lt;#&gt;</a:t>
             </a:fld>
           </a:p>
@@ -3953,10 +3953,10 @@
             <a:noAutofit/>
           </a:bodyPr>
           <a:p>
-            <a:pPr indent="0">
+            <a:pPr indent="0" algn="ctr">
               <a:buNone/>
             </a:pPr>
-            <a:endParaRPr b="0" lang="en-US" sz="1400" spc="-1" strike="noStrike">
+            <a:endParaRPr b="0" lang="en-US" sz="4400" spc="-1" strike="noStrike">
               <a:solidFill>
                 <a:srgbClr val="000000"/>
               </a:solidFill>
@@ -3999,7 +3999,7 @@
               </a:spcBef>
               <a:buNone/>
             </a:pPr>
-            <a:endParaRPr b="0" lang="en-US" sz="1400" spc="-1" strike="noStrike">
+            <a:endParaRPr b="0" lang="en-US" sz="3200" spc="-1" strike="noStrike">
               <a:solidFill>
                 <a:srgbClr val="000000"/>
               </a:solidFill>
@@ -4042,7 +4042,7 @@
               </a:spcBef>
               <a:buNone/>
             </a:pPr>
-            <a:endParaRPr b="0" lang="en-US" sz="1400" spc="-1" strike="noStrike">
+            <a:endParaRPr b="0" lang="en-US" sz="3200" spc="-1" strike="noStrike">
               <a:solidFill>
                 <a:srgbClr val="000000"/>
               </a:solidFill>
@@ -4085,7 +4085,7 @@
               </a:spcBef>
               <a:buNone/>
             </a:pPr>
-            <a:endParaRPr b="0" lang="en-US" sz="1400" spc="-1" strike="noStrike">
+            <a:endParaRPr b="0" lang="en-US" sz="3200" spc="-1" strike="noStrike">
               <a:solidFill>
                 <a:srgbClr val="000000"/>
               </a:solidFill>
@@ -4108,7 +4108,7 @@
         <p:txBody>
           <a:bodyPr/>
           <a:p>
-            <a:fld id="{723D7F52-EEE3-4D40-8F89-E70AE25B0BCF}" type="slidenum">
+            <a:fld id="{E53BAA43-8B26-49B3-9930-3BB11EC1B92C}" type="slidenum">
               <a:t>&lt;#&gt;</a:t>
             </a:fld>
           </a:p>
@@ -4164,10 +4164,10 @@
             <a:noAutofit/>
           </a:bodyPr>
           <a:p>
-            <a:pPr indent="0">
+            <a:pPr indent="0" algn="ctr">
               <a:buNone/>
             </a:pPr>
-            <a:endParaRPr b="0" lang="en-US" sz="1400" spc="-1" strike="noStrike">
+            <a:endParaRPr b="0" lang="en-US" sz="4400" spc="-1" strike="noStrike">
               <a:solidFill>
                 <a:srgbClr val="000000"/>
               </a:solidFill>
@@ -4210,7 +4210,7 @@
               </a:spcBef>
               <a:buNone/>
             </a:pPr>
-            <a:endParaRPr b="0" lang="en-US" sz="1400" spc="-1" strike="noStrike">
+            <a:endParaRPr b="0" lang="en-US" sz="3200" spc="-1" strike="noStrike">
               <a:solidFill>
                 <a:srgbClr val="000000"/>
               </a:solidFill>
@@ -4253,7 +4253,7 @@
               </a:spcBef>
               <a:buNone/>
             </a:pPr>
-            <a:endParaRPr b="0" lang="en-US" sz="1400" spc="-1" strike="noStrike">
+            <a:endParaRPr b="0" lang="en-US" sz="3200" spc="-1" strike="noStrike">
               <a:solidFill>
                 <a:srgbClr val="000000"/>
               </a:solidFill>
@@ -4276,7 +4276,7 @@
         <p:txBody>
           <a:bodyPr/>
           <a:p>
-            <a:fld id="{11F194CF-EA1E-48A4-90E5-6CA208EA115D}" type="slidenum">
+            <a:fld id="{8A72E20A-8263-4ED7-AA15-40E946DDDE02}" type="slidenum">
               <a:t>&lt;#&gt;</a:t>
             </a:fld>
           </a:p>
@@ -4332,10 +4332,10 @@
             <a:noAutofit/>
           </a:bodyPr>
           <a:p>
-            <a:pPr indent="0">
+            <a:pPr indent="0" algn="ctr">
               <a:buNone/>
             </a:pPr>
-            <a:endParaRPr b="0" lang="en-US" sz="1400" spc="-1" strike="noStrike">
+            <a:endParaRPr b="0" lang="en-US" sz="4400" spc="-1" strike="noStrike">
               <a:solidFill>
                 <a:srgbClr val="000000"/>
               </a:solidFill>
@@ -4378,7 +4378,7 @@
               </a:spcBef>
               <a:buNone/>
             </a:pPr>
-            <a:endParaRPr b="0" lang="en-US" sz="1400" spc="-1" strike="noStrike">
+            <a:endParaRPr b="0" lang="en-US" sz="3200" spc="-1" strike="noStrike">
               <a:solidFill>
                 <a:srgbClr val="000000"/>
               </a:solidFill>
@@ -4421,7 +4421,7 @@
               </a:spcBef>
               <a:buNone/>
             </a:pPr>
-            <a:endParaRPr b="0" lang="en-US" sz="1400" spc="-1" strike="noStrike">
+            <a:endParaRPr b="0" lang="en-US" sz="3200" spc="-1" strike="noStrike">
               <a:solidFill>
                 <a:srgbClr val="000000"/>
               </a:solidFill>
@@ -4464,7 +4464,7 @@
               </a:spcBef>
               <a:buNone/>
             </a:pPr>
-            <a:endParaRPr b="0" lang="en-US" sz="1400" spc="-1" strike="noStrike">
+            <a:endParaRPr b="0" lang="en-US" sz="3200" spc="-1" strike="noStrike">
               <a:solidFill>
                 <a:srgbClr val="000000"/>
               </a:solidFill>
@@ -4507,7 +4507,7 @@
               </a:spcBef>
               <a:buNone/>
             </a:pPr>
-            <a:endParaRPr b="0" lang="en-US" sz="1400" spc="-1" strike="noStrike">
+            <a:endParaRPr b="0" lang="en-US" sz="3200" spc="-1" strike="noStrike">
               <a:solidFill>
                 <a:srgbClr val="000000"/>
               </a:solidFill>
@@ -4530,7 +4530,7 @@
         <p:txBody>
           <a:bodyPr/>
           <a:p>
-            <a:fld id="{458B4757-9152-4E0B-AA20-150501273B37}" type="slidenum">
+            <a:fld id="{58062038-9D2F-4515-8984-A6C90FE0A343}" type="slidenum">
               <a:t>&lt;#&gt;</a:t>
             </a:fld>
           </a:p>
@@ -4586,10 +4586,10 @@
             <a:noAutofit/>
           </a:bodyPr>
           <a:p>
-            <a:pPr indent="0">
+            <a:pPr indent="0" algn="ctr">
               <a:buNone/>
             </a:pPr>
-            <a:endParaRPr b="0" lang="en-US" sz="1400" spc="-1" strike="noStrike">
+            <a:endParaRPr b="0" lang="en-US" sz="4400" spc="-1" strike="noStrike">
               <a:solidFill>
                 <a:srgbClr val="000000"/>
               </a:solidFill>
@@ -4632,7 +4632,7 @@
               </a:spcBef>
               <a:buNone/>
             </a:pPr>
-            <a:endParaRPr b="0" lang="en-US" sz="1400" spc="-1" strike="noStrike">
+            <a:endParaRPr b="0" lang="en-US" sz="3200" spc="-1" strike="noStrike">
               <a:solidFill>
                 <a:srgbClr val="000000"/>
               </a:solidFill>
@@ -4675,7 +4675,7 @@
               </a:spcBef>
               <a:buNone/>
             </a:pPr>
-            <a:endParaRPr b="0" lang="en-US" sz="1400" spc="-1" strike="noStrike">
+            <a:endParaRPr b="0" lang="en-US" sz="3200" spc="-1" strike="noStrike">
               <a:solidFill>
                 <a:srgbClr val="000000"/>
               </a:solidFill>
@@ -4718,7 +4718,7 @@
               </a:spcBef>
               <a:buNone/>
             </a:pPr>
-            <a:endParaRPr b="0" lang="en-US" sz="1400" spc="-1" strike="noStrike">
+            <a:endParaRPr b="0" lang="en-US" sz="3200" spc="-1" strike="noStrike">
               <a:solidFill>
                 <a:srgbClr val="000000"/>
               </a:solidFill>
@@ -4761,7 +4761,7 @@
               </a:spcBef>
               <a:buNone/>
             </a:pPr>
-            <a:endParaRPr b="0" lang="en-US" sz="1400" spc="-1" strike="noStrike">
+            <a:endParaRPr b="0" lang="en-US" sz="3200" spc="-1" strike="noStrike">
               <a:solidFill>
                 <a:srgbClr val="000000"/>
               </a:solidFill>
@@ -4804,7 +4804,7 @@
               </a:spcBef>
               <a:buNone/>
             </a:pPr>
-            <a:endParaRPr b="0" lang="en-US" sz="1400" spc="-1" strike="noStrike">
+            <a:endParaRPr b="0" lang="en-US" sz="3200" spc="-1" strike="noStrike">
               <a:solidFill>
                 <a:srgbClr val="000000"/>
               </a:solidFill>
@@ -4847,7 +4847,7 @@
               </a:spcBef>
               <a:buNone/>
             </a:pPr>
-            <a:endParaRPr b="0" lang="en-US" sz="1400" spc="-1" strike="noStrike">
+            <a:endParaRPr b="0" lang="en-US" sz="3200" spc="-1" strike="noStrike">
               <a:solidFill>
                 <a:srgbClr val="000000"/>
               </a:solidFill>
@@ -4870,7 +4870,7 @@
         <p:txBody>
           <a:bodyPr/>
           <a:p>
-            <a:fld id="{DCCA32EA-C37A-44DA-90B2-62B3AA342876}" type="slidenum">
+            <a:fld id="{EEA73805-3E50-4136-96E5-0BF860B08275}" type="slidenum">
               <a:t>&lt;#&gt;</a:t>
             </a:fld>
           </a:p>
@@ -4912,7 +4912,7 @@
         <p:txBody>
           <a:bodyPr/>
           <a:p>
-            <a:fld id="{02B16174-BF9E-4F66-8629-AA136A344362}" type="slidenum">
+            <a:fld id="{F598D6B2-C651-4515-92BE-E43CF3600B0F}" type="slidenum">
               <a:t>&lt;#&gt;</a:t>
             </a:fld>
           </a:p>
@@ -4968,10 +4968,10 @@
             <a:noAutofit/>
           </a:bodyPr>
           <a:p>
-            <a:pPr indent="0">
+            <a:pPr indent="0" algn="ctr">
               <a:buNone/>
             </a:pPr>
-            <a:endParaRPr b="0" lang="en-US" sz="1400" spc="-1" strike="noStrike">
+            <a:endParaRPr b="0" lang="en-US" sz="4400" spc="-1" strike="noStrike">
               <a:solidFill>
                 <a:srgbClr val="000000"/>
               </a:solidFill>
@@ -5034,7 +5034,7 @@
         <p:txBody>
           <a:bodyPr/>
           <a:p>
-            <a:fld id="{88E21B3C-05B3-4C7A-ADBA-26987A828ECB}" type="slidenum">
+            <a:fld id="{36635DA6-3E33-4C19-B21E-09807964244F}" type="slidenum">
               <a:t>&lt;#&gt;</a:t>
             </a:fld>
           </a:p>
@@ -5090,10 +5090,10 @@
             <a:noAutofit/>
           </a:bodyPr>
           <a:p>
-            <a:pPr indent="0">
+            <a:pPr indent="0" algn="ctr">
               <a:buNone/>
             </a:pPr>
-            <a:endParaRPr b="0" lang="en-US" sz="1400" spc="-1" strike="noStrike">
+            <a:endParaRPr b="0" lang="en-US" sz="4400" spc="-1" strike="noStrike">
               <a:solidFill>
                 <a:srgbClr val="000000"/>
               </a:solidFill>
@@ -5136,7 +5136,7 @@
               </a:spcBef>
               <a:buNone/>
             </a:pPr>
-            <a:endParaRPr b="0" lang="en-US" sz="1400" spc="-1" strike="noStrike">
+            <a:endParaRPr b="0" lang="en-US" sz="3200" spc="-1" strike="noStrike">
               <a:solidFill>
                 <a:srgbClr val="000000"/>
               </a:solidFill>
@@ -5159,7 +5159,7 @@
         <p:txBody>
           <a:bodyPr/>
           <a:p>
-            <a:fld id="{202FB85B-F115-4CA1-971D-947DCCE907AD}" type="slidenum">
+            <a:fld id="{9FA9D7C1-5522-4F8A-BD34-E76A0A740B37}" type="slidenum">
               <a:t>&lt;#&gt;</a:t>
             </a:fld>
           </a:p>
@@ -5215,10 +5215,10 @@
             <a:noAutofit/>
           </a:bodyPr>
           <a:p>
-            <a:pPr indent="0">
+            <a:pPr indent="0" algn="ctr">
               <a:buNone/>
             </a:pPr>
-            <a:endParaRPr b="0" lang="en-US" sz="1400" spc="-1" strike="noStrike">
+            <a:endParaRPr b="0" lang="en-US" sz="4400" spc="-1" strike="noStrike">
               <a:solidFill>
                 <a:srgbClr val="000000"/>
               </a:solidFill>
@@ -5261,7 +5261,7 @@
               </a:spcBef>
               <a:buNone/>
             </a:pPr>
-            <a:endParaRPr b="0" lang="en-US" sz="1400" spc="-1" strike="noStrike">
+            <a:endParaRPr b="0" lang="en-US" sz="3200" spc="-1" strike="noStrike">
               <a:solidFill>
                 <a:srgbClr val="000000"/>
               </a:solidFill>
@@ -5304,7 +5304,7 @@
               </a:spcBef>
               <a:buNone/>
             </a:pPr>
-            <a:endParaRPr b="0" lang="en-US" sz="1400" spc="-1" strike="noStrike">
+            <a:endParaRPr b="0" lang="en-US" sz="3200" spc="-1" strike="noStrike">
               <a:solidFill>
                 <a:srgbClr val="000000"/>
               </a:solidFill>
@@ -5327,7 +5327,7 @@
         <p:txBody>
           <a:bodyPr/>
           <a:p>
-            <a:fld id="{DE03A768-BBB7-4E84-88F8-4DBA81A95FFB}" type="slidenum">
+            <a:fld id="{28D9743B-0F99-4426-94E3-C57AC838F9C4}" type="slidenum">
               <a:t>&lt;#&gt;</a:t>
             </a:fld>
           </a:p>
@@ -5383,10 +5383,10 @@
             <a:noAutofit/>
           </a:bodyPr>
           <a:p>
-            <a:pPr indent="0">
+            <a:pPr indent="0" algn="ctr">
               <a:buNone/>
             </a:pPr>
-            <a:endParaRPr b="0" lang="en-US" sz="1400" spc="-1" strike="noStrike">
+            <a:endParaRPr b="0" lang="en-US" sz="4400" spc="-1" strike="noStrike">
               <a:solidFill>
                 <a:srgbClr val="000000"/>
               </a:solidFill>
@@ -5429,7 +5429,7 @@
               </a:spcBef>
               <a:buNone/>
             </a:pPr>
-            <a:endParaRPr b="0" lang="en-US" sz="1400" spc="-1" strike="noStrike">
+            <a:endParaRPr b="0" lang="en-US" sz="3200" spc="-1" strike="noStrike">
               <a:solidFill>
                 <a:srgbClr val="000000"/>
               </a:solidFill>
@@ -5472,7 +5472,7 @@
               </a:spcBef>
               <a:buNone/>
             </a:pPr>
-            <a:endParaRPr b="0" lang="en-US" sz="1400" spc="-1" strike="noStrike">
+            <a:endParaRPr b="0" lang="en-US" sz="3200" spc="-1" strike="noStrike">
               <a:solidFill>
                 <a:srgbClr val="000000"/>
               </a:solidFill>
@@ -5495,7 +5495,7 @@
         <p:txBody>
           <a:bodyPr/>
           <a:p>
-            <a:fld id="{83914056-16E0-4AE3-BE2D-1A4366208667}" type="slidenum">
+            <a:fld id="{C4402E41-6052-479D-8525-8BDCC5C946AD}" type="slidenum">
               <a:t>&lt;#&gt;</a:t>
             </a:fld>
           </a:p>
@@ -5551,10 +5551,10 @@
             <a:noAutofit/>
           </a:bodyPr>
           <a:p>
-            <a:pPr indent="0">
+            <a:pPr indent="0" algn="ctr">
               <a:buNone/>
             </a:pPr>
-            <a:endParaRPr b="0" lang="en-US" sz="1400" spc="-1" strike="noStrike">
+            <a:endParaRPr b="0" lang="en-US" sz="4400" spc="-1" strike="noStrike">
               <a:solidFill>
                 <a:srgbClr val="000000"/>
               </a:solidFill>
@@ -5577,7 +5577,7 @@
         <p:txBody>
           <a:bodyPr/>
           <a:p>
-            <a:fld id="{12D7A88D-6E78-4C06-B434-82219D42647F}" type="slidenum">
+            <a:fld id="{2CD9410D-C399-480B-9922-EA17D0603E47}" type="slidenum">
               <a:t>&lt;#&gt;</a:t>
             </a:fld>
           </a:p>
@@ -5657,7 +5657,7 @@
         <p:txBody>
           <a:bodyPr/>
           <a:p>
-            <a:fld id="{290341EA-E968-40B2-BB20-E85CAEE210E9}" type="slidenum">
+            <a:fld id="{4BB8BDE4-F167-498E-9014-66A78A898AF8}" type="slidenum">
               <a:t>&lt;#&gt;</a:t>
             </a:fld>
           </a:p>
@@ -5713,10 +5713,10 @@
             <a:noAutofit/>
           </a:bodyPr>
           <a:p>
-            <a:pPr indent="0">
+            <a:pPr indent="0" algn="ctr">
               <a:buNone/>
             </a:pPr>
-            <a:endParaRPr b="0" lang="en-US" sz="1400" spc="-1" strike="noStrike">
+            <a:endParaRPr b="0" lang="en-US" sz="4400" spc="-1" strike="noStrike">
               <a:solidFill>
                 <a:srgbClr val="000000"/>
               </a:solidFill>
@@ -5759,7 +5759,7 @@
               </a:spcBef>
               <a:buNone/>
             </a:pPr>
-            <a:endParaRPr b="0" lang="en-US" sz="1400" spc="-1" strike="noStrike">
+            <a:endParaRPr b="0" lang="en-US" sz="3200" spc="-1" strike="noStrike">
               <a:solidFill>
                 <a:srgbClr val="000000"/>
               </a:solidFill>
@@ -5802,7 +5802,7 @@
               </a:spcBef>
               <a:buNone/>
             </a:pPr>
-            <a:endParaRPr b="0" lang="en-US" sz="1400" spc="-1" strike="noStrike">
+            <a:endParaRPr b="0" lang="en-US" sz="3200" spc="-1" strike="noStrike">
               <a:solidFill>
                 <a:srgbClr val="000000"/>
               </a:solidFill>
@@ -5845,7 +5845,7 @@
               </a:spcBef>
               <a:buNone/>
             </a:pPr>
-            <a:endParaRPr b="0" lang="en-US" sz="1400" spc="-1" strike="noStrike">
+            <a:endParaRPr b="0" lang="en-US" sz="3200" spc="-1" strike="noStrike">
               <a:solidFill>
                 <a:srgbClr val="000000"/>
               </a:solidFill>
@@ -5868,7 +5868,7 @@
         <p:txBody>
           <a:bodyPr/>
           <a:p>
-            <a:fld id="{6211F0AB-AF1C-49AE-BF56-446CE9A54913}" type="slidenum">
+            <a:fld id="{3431B846-6832-4DF9-A669-4A913F4E5C62}" type="slidenum">
               <a:t>&lt;#&gt;</a:t>
             </a:fld>
           </a:p>
@@ -5924,10 +5924,10 @@
             <a:noAutofit/>
           </a:bodyPr>
           <a:p>
-            <a:pPr indent="0">
+            <a:pPr indent="0" algn="ctr">
               <a:buNone/>
             </a:pPr>
-            <a:endParaRPr b="0" lang="en-US" sz="1400" spc="-1" strike="noStrike">
+            <a:endParaRPr b="0" lang="en-US" sz="4400" spc="-1" strike="noStrike">
               <a:solidFill>
                 <a:srgbClr val="000000"/>
               </a:solidFill>
@@ -5970,7 +5970,7 @@
               </a:spcBef>
               <a:buNone/>
             </a:pPr>
-            <a:endParaRPr b="0" lang="en-US" sz="1400" spc="-1" strike="noStrike">
+            <a:endParaRPr b="0" lang="en-US" sz="3200" spc="-1" strike="noStrike">
               <a:solidFill>
                 <a:srgbClr val="000000"/>
               </a:solidFill>
@@ -6013,7 +6013,7 @@
               </a:spcBef>
               <a:buNone/>
             </a:pPr>
-            <a:endParaRPr b="0" lang="en-US" sz="1400" spc="-1" strike="noStrike">
+            <a:endParaRPr b="0" lang="en-US" sz="3200" spc="-1" strike="noStrike">
               <a:solidFill>
                 <a:srgbClr val="000000"/>
               </a:solidFill>
@@ -6056,7 +6056,7 @@
               </a:spcBef>
               <a:buNone/>
             </a:pPr>
-            <a:endParaRPr b="0" lang="en-US" sz="1400" spc="-1" strike="noStrike">
+            <a:endParaRPr b="0" lang="en-US" sz="3200" spc="-1" strike="noStrike">
               <a:solidFill>
                 <a:srgbClr val="000000"/>
               </a:solidFill>
@@ -6079,7 +6079,7 @@
         <p:txBody>
           <a:bodyPr/>
           <a:p>
-            <a:fld id="{8CFA55B8-209F-46F0-A7FC-7609597ED777}" type="slidenum">
+            <a:fld id="{B800E97A-E4A5-47CE-B84B-66D3D158B0B5}" type="slidenum">
               <a:t>&lt;#&gt;</a:t>
             </a:fld>
           </a:p>
@@ -6135,10 +6135,10 @@
             <a:noAutofit/>
           </a:bodyPr>
           <a:p>
-            <a:pPr indent="0">
+            <a:pPr indent="0" algn="ctr">
               <a:buNone/>
             </a:pPr>
-            <a:endParaRPr b="0" lang="en-US" sz="1400" spc="-1" strike="noStrike">
+            <a:endParaRPr b="0" lang="en-US" sz="4400" spc="-1" strike="noStrike">
               <a:solidFill>
                 <a:srgbClr val="000000"/>
               </a:solidFill>
@@ -6181,7 +6181,7 @@
               </a:spcBef>
               <a:buNone/>
             </a:pPr>
-            <a:endParaRPr b="0" lang="en-US" sz="1400" spc="-1" strike="noStrike">
+            <a:endParaRPr b="0" lang="en-US" sz="3200" spc="-1" strike="noStrike">
               <a:solidFill>
                 <a:srgbClr val="000000"/>
               </a:solidFill>
@@ -6224,7 +6224,7 @@
               </a:spcBef>
               <a:buNone/>
             </a:pPr>
-            <a:endParaRPr b="0" lang="en-US" sz="1400" spc="-1" strike="noStrike">
+            <a:endParaRPr b="0" lang="en-US" sz="3200" spc="-1" strike="noStrike">
               <a:solidFill>
                 <a:srgbClr val="000000"/>
               </a:solidFill>
@@ -6267,7 +6267,7 @@
               </a:spcBef>
               <a:buNone/>
             </a:pPr>
-            <a:endParaRPr b="0" lang="en-US" sz="1400" spc="-1" strike="noStrike">
+            <a:endParaRPr b="0" lang="en-US" sz="3200" spc="-1" strike="noStrike">
               <a:solidFill>
                 <a:srgbClr val="000000"/>
               </a:solidFill>
@@ -6290,7 +6290,7 @@
         <p:txBody>
           <a:bodyPr/>
           <a:p>
-            <a:fld id="{71C37718-7B30-4998-807B-AC066A8CF696}" type="slidenum">
+            <a:fld id="{E17C6677-A5C0-4FF8-B1F3-CC02E64ADA2D}" type="slidenum">
               <a:t>&lt;#&gt;</a:t>
             </a:fld>
           </a:p>
@@ -6346,10 +6346,10 @@
             <a:noAutofit/>
           </a:bodyPr>
           <a:p>
-            <a:pPr indent="0">
+            <a:pPr indent="0" algn="ctr">
               <a:buNone/>
             </a:pPr>
-            <a:endParaRPr b="0" lang="en-US" sz="1400" spc="-1" strike="noStrike">
+            <a:endParaRPr b="0" lang="en-US" sz="4400" spc="-1" strike="noStrike">
               <a:solidFill>
                 <a:srgbClr val="000000"/>
               </a:solidFill>
@@ -6392,7 +6392,7 @@
               </a:spcBef>
               <a:buNone/>
             </a:pPr>
-            <a:endParaRPr b="0" lang="en-US" sz="1400" spc="-1" strike="noStrike">
+            <a:endParaRPr b="0" lang="en-US" sz="3200" spc="-1" strike="noStrike">
               <a:solidFill>
                 <a:srgbClr val="000000"/>
               </a:solidFill>
@@ -6435,7 +6435,7 @@
               </a:spcBef>
               <a:buNone/>
             </a:pPr>
-            <a:endParaRPr b="0" lang="en-US" sz="1400" spc="-1" strike="noStrike">
+            <a:endParaRPr b="0" lang="en-US" sz="3200" spc="-1" strike="noStrike">
               <a:solidFill>
                 <a:srgbClr val="000000"/>
               </a:solidFill>
@@ -6458,7 +6458,7 @@
         <p:txBody>
           <a:bodyPr/>
           <a:p>
-            <a:fld id="{4EDE3590-810F-43F3-8988-0A5F75CDFDE4}" type="slidenum">
+            <a:fld id="{8D979CF7-1DAE-4BB6-87FF-73A48C567721}" type="slidenum">
               <a:t>&lt;#&gt;</a:t>
             </a:fld>
           </a:p>
@@ -6514,10 +6514,10 @@
             <a:noAutofit/>
           </a:bodyPr>
           <a:p>
-            <a:pPr indent="0">
+            <a:pPr indent="0" algn="ctr">
               <a:buNone/>
             </a:pPr>
-            <a:endParaRPr b="0" lang="en-US" sz="1400" spc="-1" strike="noStrike">
+            <a:endParaRPr b="0" lang="en-US" sz="4400" spc="-1" strike="noStrike">
               <a:solidFill>
                 <a:srgbClr val="000000"/>
               </a:solidFill>
@@ -6560,7 +6560,7 @@
               </a:spcBef>
               <a:buNone/>
             </a:pPr>
-            <a:endParaRPr b="0" lang="en-US" sz="1400" spc="-1" strike="noStrike">
+            <a:endParaRPr b="0" lang="en-US" sz="3200" spc="-1" strike="noStrike">
               <a:solidFill>
                 <a:srgbClr val="000000"/>
               </a:solidFill>
@@ -6603,7 +6603,7 @@
               </a:spcBef>
               <a:buNone/>
             </a:pPr>
-            <a:endParaRPr b="0" lang="en-US" sz="1400" spc="-1" strike="noStrike">
+            <a:endParaRPr b="0" lang="en-US" sz="3200" spc="-1" strike="noStrike">
               <a:solidFill>
                 <a:srgbClr val="000000"/>
               </a:solidFill>
@@ -6646,7 +6646,7 @@
               </a:spcBef>
               <a:buNone/>
             </a:pPr>
-            <a:endParaRPr b="0" lang="en-US" sz="1400" spc="-1" strike="noStrike">
+            <a:endParaRPr b="0" lang="en-US" sz="3200" spc="-1" strike="noStrike">
               <a:solidFill>
                 <a:srgbClr val="000000"/>
               </a:solidFill>
@@ -6689,7 +6689,7 @@
               </a:spcBef>
               <a:buNone/>
             </a:pPr>
-            <a:endParaRPr b="0" lang="en-US" sz="1400" spc="-1" strike="noStrike">
+            <a:endParaRPr b="0" lang="en-US" sz="3200" spc="-1" strike="noStrike">
               <a:solidFill>
                 <a:srgbClr val="000000"/>
               </a:solidFill>
@@ -6712,7 +6712,7 @@
         <p:txBody>
           <a:bodyPr/>
           <a:p>
-            <a:fld id="{A177B33F-4B24-4A41-9DC9-C441BA466146}" type="slidenum">
+            <a:fld id="{105539F0-1729-4544-8EAB-16A3043F3212}" type="slidenum">
               <a:t>&lt;#&gt;</a:t>
             </a:fld>
           </a:p>
@@ -6768,10 +6768,10 @@
             <a:noAutofit/>
           </a:bodyPr>
           <a:p>
-            <a:pPr indent="0">
+            <a:pPr indent="0" algn="ctr">
               <a:buNone/>
             </a:pPr>
-            <a:endParaRPr b="0" lang="en-US" sz="1400" spc="-1" strike="noStrike">
+            <a:endParaRPr b="0" lang="en-US" sz="4400" spc="-1" strike="noStrike">
               <a:solidFill>
                 <a:srgbClr val="000000"/>
               </a:solidFill>
@@ -6814,7 +6814,7 @@
               </a:spcBef>
               <a:buNone/>
             </a:pPr>
-            <a:endParaRPr b="0" lang="en-US" sz="1400" spc="-1" strike="noStrike">
+            <a:endParaRPr b="0" lang="en-US" sz="3200" spc="-1" strike="noStrike">
               <a:solidFill>
                 <a:srgbClr val="000000"/>
               </a:solidFill>
@@ -6857,7 +6857,7 @@
               </a:spcBef>
               <a:buNone/>
             </a:pPr>
-            <a:endParaRPr b="0" lang="en-US" sz="1400" spc="-1" strike="noStrike">
+            <a:endParaRPr b="0" lang="en-US" sz="3200" spc="-1" strike="noStrike">
               <a:solidFill>
                 <a:srgbClr val="000000"/>
               </a:solidFill>
@@ -6900,7 +6900,7 @@
               </a:spcBef>
               <a:buNone/>
             </a:pPr>
-            <a:endParaRPr b="0" lang="en-US" sz="1400" spc="-1" strike="noStrike">
+            <a:endParaRPr b="0" lang="en-US" sz="3200" spc="-1" strike="noStrike">
               <a:solidFill>
                 <a:srgbClr val="000000"/>
               </a:solidFill>
@@ -6943,7 +6943,7 @@
               </a:spcBef>
               <a:buNone/>
             </a:pPr>
-            <a:endParaRPr b="0" lang="en-US" sz="1400" spc="-1" strike="noStrike">
+            <a:endParaRPr b="0" lang="en-US" sz="3200" spc="-1" strike="noStrike">
               <a:solidFill>
                 <a:srgbClr val="000000"/>
               </a:solidFill>
@@ -6986,7 +6986,7 @@
               </a:spcBef>
               <a:buNone/>
             </a:pPr>
-            <a:endParaRPr b="0" lang="en-US" sz="1400" spc="-1" strike="noStrike">
+            <a:endParaRPr b="0" lang="en-US" sz="3200" spc="-1" strike="noStrike">
               <a:solidFill>
                 <a:srgbClr val="000000"/>
               </a:solidFill>
@@ -7029,7 +7029,7 @@
               </a:spcBef>
               <a:buNone/>
             </a:pPr>
-            <a:endParaRPr b="0" lang="en-US" sz="1400" spc="-1" strike="noStrike">
+            <a:endParaRPr b="0" lang="en-US" sz="3200" spc="-1" strike="noStrike">
               <a:solidFill>
                 <a:srgbClr val="000000"/>
               </a:solidFill>
@@ -7052,7 +7052,7 @@
         <p:txBody>
           <a:bodyPr/>
           <a:p>
-            <a:fld id="{B5729397-0FDA-4084-9ACF-62EE35E42F3A}" type="slidenum">
+            <a:fld id="{D8BB92CB-1C80-4048-BBF9-03016AE8E769}" type="slidenum">
               <a:t>&lt;#&gt;</a:t>
             </a:fld>
           </a:p>
@@ -7094,7 +7094,7 @@
         <p:txBody>
           <a:bodyPr/>
           <a:p>
-            <a:fld id="{DD979E1D-1924-4EA3-88C3-77C688AB2454}" type="slidenum">
+            <a:fld id="{74A5FBEE-C071-4211-9D28-F32D3374B67D}" type="slidenum">
               <a:t>&lt;#&gt;</a:t>
             </a:fld>
           </a:p>
@@ -7150,10 +7150,10 @@
             <a:noAutofit/>
           </a:bodyPr>
           <a:p>
-            <a:pPr indent="0">
+            <a:pPr indent="0" algn="ctr">
               <a:buNone/>
             </a:pPr>
-            <a:endParaRPr b="0" lang="en-US" sz="1400" spc="-1" strike="noStrike">
+            <a:endParaRPr b="0" lang="en-US" sz="4400" spc="-1" strike="noStrike">
               <a:solidFill>
                 <a:srgbClr val="000000"/>
               </a:solidFill>
@@ -7176,7 +7176,7 @@
         <p:txBody>
           <a:bodyPr/>
           <a:p>
-            <a:fld id="{65FA2D86-287C-482C-A30A-EEF2BC5E5F51}" type="slidenum">
+            <a:fld id="{5D277127-4E86-4AA3-910F-A6C34F966BE4}" type="slidenum">
               <a:t>&lt;#&gt;</a:t>
             </a:fld>
           </a:p>
@@ -7232,10 +7232,10 @@
             <a:noAutofit/>
           </a:bodyPr>
           <a:p>
-            <a:pPr indent="0">
+            <a:pPr indent="0" algn="ctr">
               <a:buNone/>
             </a:pPr>
-            <a:endParaRPr b="0" lang="en-US" sz="1400" spc="-1" strike="noStrike">
+            <a:endParaRPr b="0" lang="en-US" sz="4400" spc="-1" strike="noStrike">
               <a:solidFill>
                 <a:srgbClr val="000000"/>
               </a:solidFill>
@@ -7298,7 +7298,7 @@
         <p:txBody>
           <a:bodyPr/>
           <a:p>
-            <a:fld id="{910F534D-4244-4609-B12B-17DE29A262FE}" type="slidenum">
+            <a:fld id="{E48A63AB-D5D7-4488-9793-194B259713A8}" type="slidenum">
               <a:t>&lt;#&gt;</a:t>
             </a:fld>
           </a:p>
@@ -7354,10 +7354,10 @@
             <a:noAutofit/>
           </a:bodyPr>
           <a:p>
-            <a:pPr indent="0">
+            <a:pPr indent="0" algn="ctr">
               <a:buNone/>
             </a:pPr>
-            <a:endParaRPr b="0" lang="en-US" sz="1400" spc="-1" strike="noStrike">
+            <a:endParaRPr b="0" lang="en-US" sz="4400" spc="-1" strike="noStrike">
               <a:solidFill>
                 <a:srgbClr val="000000"/>
               </a:solidFill>
@@ -7400,7 +7400,7 @@
               </a:spcBef>
               <a:buNone/>
             </a:pPr>
-            <a:endParaRPr b="0" lang="en-US" sz="1400" spc="-1" strike="noStrike">
+            <a:endParaRPr b="0" lang="en-US" sz="3200" spc="-1" strike="noStrike">
               <a:solidFill>
                 <a:srgbClr val="000000"/>
               </a:solidFill>
@@ -7423,7 +7423,7 @@
         <p:txBody>
           <a:bodyPr/>
           <a:p>
-            <a:fld id="{8F9F7BC9-59B9-4B73-8720-A7CC3CF261AE}" type="slidenum">
+            <a:fld id="{DB5CB83A-4ADD-4E9C-AD52-71E5C37D121A}" type="slidenum">
               <a:t>&lt;#&gt;</a:t>
             </a:fld>
           </a:p>
@@ -7479,10 +7479,10 @@
             <a:noAutofit/>
           </a:bodyPr>
           <a:p>
-            <a:pPr indent="0">
+            <a:pPr indent="0" algn="ctr">
               <a:buNone/>
             </a:pPr>
-            <a:endParaRPr b="0" lang="en-US" sz="1400" spc="-1" strike="noStrike">
+            <a:endParaRPr b="0" lang="en-US" sz="4400" spc="-1" strike="noStrike">
               <a:solidFill>
                 <a:srgbClr val="000000"/>
               </a:solidFill>
@@ -7525,7 +7525,7 @@
               </a:spcBef>
               <a:buNone/>
             </a:pPr>
-            <a:endParaRPr b="0" lang="en-US" sz="1400" spc="-1" strike="noStrike">
+            <a:endParaRPr b="0" lang="en-US" sz="3200" spc="-1" strike="noStrike">
               <a:solidFill>
                 <a:srgbClr val="000000"/>
               </a:solidFill>
@@ -7568,7 +7568,7 @@
               </a:spcBef>
               <a:buNone/>
             </a:pPr>
-            <a:endParaRPr b="0" lang="en-US" sz="1400" spc="-1" strike="noStrike">
+            <a:endParaRPr b="0" lang="en-US" sz="3200" spc="-1" strike="noStrike">
               <a:solidFill>
                 <a:srgbClr val="000000"/>
               </a:solidFill>
@@ -7591,7 +7591,7 @@
         <p:txBody>
           <a:bodyPr/>
           <a:p>
-            <a:fld id="{65FA3FDA-5EC0-4DFB-AF5C-531106F0F4B1}" type="slidenum">
+            <a:fld id="{B999AF0D-BA05-4654-866C-63C82A9FF246}" type="slidenum">
               <a:t>&lt;#&gt;</a:t>
             </a:fld>
           </a:p>
@@ -7647,10 +7647,10 @@
             <a:noAutofit/>
           </a:bodyPr>
           <a:p>
-            <a:pPr indent="0">
+            <a:pPr indent="0" algn="ctr">
               <a:buNone/>
             </a:pPr>
-            <a:endParaRPr b="0" lang="en-US" sz="1400" spc="-1" strike="noStrike">
+            <a:endParaRPr b="0" lang="en-US" sz="4400" spc="-1" strike="noStrike">
               <a:solidFill>
                 <a:srgbClr val="000000"/>
               </a:solidFill>
@@ -7673,7 +7673,7 @@
         <p:txBody>
           <a:bodyPr/>
           <a:p>
-            <a:fld id="{7FEED0F6-CE26-447B-B71E-763405D7DD53}" type="slidenum">
+            <a:fld id="{B7CB9D4B-4CDD-4478-9D2E-556707174A9E}" type="slidenum">
               <a:t>&lt;#&gt;</a:t>
             </a:fld>
           </a:p>
@@ -7753,7 +7753,7 @@
         <p:txBody>
           <a:bodyPr/>
           <a:p>
-            <a:fld id="{A14F276A-03ED-425E-A84B-594EBE8A476F}" type="slidenum">
+            <a:fld id="{182A05A4-54B0-4BF2-878D-8D3BE1187345}" type="slidenum">
               <a:t>&lt;#&gt;</a:t>
             </a:fld>
           </a:p>
@@ -7809,10 +7809,10 @@
             <a:noAutofit/>
           </a:bodyPr>
           <a:p>
-            <a:pPr indent="0">
+            <a:pPr indent="0" algn="ctr">
               <a:buNone/>
             </a:pPr>
-            <a:endParaRPr b="0" lang="en-US" sz="1400" spc="-1" strike="noStrike">
+            <a:endParaRPr b="0" lang="en-US" sz="4400" spc="-1" strike="noStrike">
               <a:solidFill>
                 <a:srgbClr val="000000"/>
               </a:solidFill>
@@ -7855,7 +7855,7 @@
               </a:spcBef>
               <a:buNone/>
             </a:pPr>
-            <a:endParaRPr b="0" lang="en-US" sz="1400" spc="-1" strike="noStrike">
+            <a:endParaRPr b="0" lang="en-US" sz="3200" spc="-1" strike="noStrike">
               <a:solidFill>
                 <a:srgbClr val="000000"/>
               </a:solidFill>
@@ -7898,7 +7898,7 @@
               </a:spcBef>
               <a:buNone/>
             </a:pPr>
-            <a:endParaRPr b="0" lang="en-US" sz="1400" spc="-1" strike="noStrike">
+            <a:endParaRPr b="0" lang="en-US" sz="3200" spc="-1" strike="noStrike">
               <a:solidFill>
                 <a:srgbClr val="000000"/>
               </a:solidFill>
@@ -7941,7 +7941,7 @@
               </a:spcBef>
               <a:buNone/>
             </a:pPr>
-            <a:endParaRPr b="0" lang="en-US" sz="1400" spc="-1" strike="noStrike">
+            <a:endParaRPr b="0" lang="en-US" sz="3200" spc="-1" strike="noStrike">
               <a:solidFill>
                 <a:srgbClr val="000000"/>
               </a:solidFill>
@@ -7964,7 +7964,7 @@
         <p:txBody>
           <a:bodyPr/>
           <a:p>
-            <a:fld id="{EBF82B3A-615B-423E-9990-F05360FE7A18}" type="slidenum">
+            <a:fld id="{E9B15676-82C0-436B-A264-569765754B3F}" type="slidenum">
               <a:t>&lt;#&gt;</a:t>
             </a:fld>
           </a:p>
@@ -8020,10 +8020,10 @@
             <a:noAutofit/>
           </a:bodyPr>
           <a:p>
-            <a:pPr indent="0">
+            <a:pPr indent="0" algn="ctr">
               <a:buNone/>
             </a:pPr>
-            <a:endParaRPr b="0" lang="en-US" sz="1400" spc="-1" strike="noStrike">
+            <a:endParaRPr b="0" lang="en-US" sz="4400" spc="-1" strike="noStrike">
               <a:solidFill>
                 <a:srgbClr val="000000"/>
               </a:solidFill>
@@ -8066,7 +8066,7 @@
               </a:spcBef>
               <a:buNone/>
             </a:pPr>
-            <a:endParaRPr b="0" lang="en-US" sz="1400" spc="-1" strike="noStrike">
+            <a:endParaRPr b="0" lang="en-US" sz="3200" spc="-1" strike="noStrike">
               <a:solidFill>
                 <a:srgbClr val="000000"/>
               </a:solidFill>
@@ -8109,7 +8109,7 @@
               </a:spcBef>
               <a:buNone/>
             </a:pPr>
-            <a:endParaRPr b="0" lang="en-US" sz="1400" spc="-1" strike="noStrike">
+            <a:endParaRPr b="0" lang="en-US" sz="3200" spc="-1" strike="noStrike">
               <a:solidFill>
                 <a:srgbClr val="000000"/>
               </a:solidFill>
@@ -8152,7 +8152,7 @@
               </a:spcBef>
               <a:buNone/>
             </a:pPr>
-            <a:endParaRPr b="0" lang="en-US" sz="1400" spc="-1" strike="noStrike">
+            <a:endParaRPr b="0" lang="en-US" sz="3200" spc="-1" strike="noStrike">
               <a:solidFill>
                 <a:srgbClr val="000000"/>
               </a:solidFill>
@@ -8175,7 +8175,7 @@
         <p:txBody>
           <a:bodyPr/>
           <a:p>
-            <a:fld id="{70903DEE-1D73-4F20-A9AD-ED0B99826C76}" type="slidenum">
+            <a:fld id="{4702CF74-89AB-4229-983E-C125148541D8}" type="slidenum">
               <a:t>&lt;#&gt;</a:t>
             </a:fld>
           </a:p>
@@ -8231,10 +8231,10 @@
             <a:noAutofit/>
           </a:bodyPr>
           <a:p>
-            <a:pPr indent="0">
+            <a:pPr indent="0" algn="ctr">
               <a:buNone/>
             </a:pPr>
-            <a:endParaRPr b="0" lang="en-US" sz="1400" spc="-1" strike="noStrike">
+            <a:endParaRPr b="0" lang="en-US" sz="4400" spc="-1" strike="noStrike">
               <a:solidFill>
                 <a:srgbClr val="000000"/>
               </a:solidFill>
@@ -8277,7 +8277,7 @@
               </a:spcBef>
               <a:buNone/>
             </a:pPr>
-            <a:endParaRPr b="0" lang="en-US" sz="1400" spc="-1" strike="noStrike">
+            <a:endParaRPr b="0" lang="en-US" sz="3200" spc="-1" strike="noStrike">
               <a:solidFill>
                 <a:srgbClr val="000000"/>
               </a:solidFill>
@@ -8320,7 +8320,7 @@
               </a:spcBef>
               <a:buNone/>
             </a:pPr>
-            <a:endParaRPr b="0" lang="en-US" sz="1400" spc="-1" strike="noStrike">
+            <a:endParaRPr b="0" lang="en-US" sz="3200" spc="-1" strike="noStrike">
               <a:solidFill>
                 <a:srgbClr val="000000"/>
               </a:solidFill>
@@ -8363,7 +8363,7 @@
               </a:spcBef>
               <a:buNone/>
             </a:pPr>
-            <a:endParaRPr b="0" lang="en-US" sz="1400" spc="-1" strike="noStrike">
+            <a:endParaRPr b="0" lang="en-US" sz="3200" spc="-1" strike="noStrike">
               <a:solidFill>
                 <a:srgbClr val="000000"/>
               </a:solidFill>
@@ -8386,7 +8386,7 @@
         <p:txBody>
           <a:bodyPr/>
           <a:p>
-            <a:fld id="{5E429D89-971B-46DC-9D1A-2CF0A92D9E8E}" type="slidenum">
+            <a:fld id="{78AA07A0-2CDF-45E4-A71E-1E42E2DD0A55}" type="slidenum">
               <a:t>&lt;#&gt;</a:t>
             </a:fld>
           </a:p>
@@ -8442,10 +8442,10 @@
             <a:noAutofit/>
           </a:bodyPr>
           <a:p>
-            <a:pPr indent="0">
+            <a:pPr indent="0" algn="ctr">
               <a:buNone/>
             </a:pPr>
-            <a:endParaRPr b="0" lang="en-US" sz="1400" spc="-1" strike="noStrike">
+            <a:endParaRPr b="0" lang="en-US" sz="4400" spc="-1" strike="noStrike">
               <a:solidFill>
                 <a:srgbClr val="000000"/>
               </a:solidFill>
@@ -8488,7 +8488,7 @@
               </a:spcBef>
               <a:buNone/>
             </a:pPr>
-            <a:endParaRPr b="0" lang="en-US" sz="1400" spc="-1" strike="noStrike">
+            <a:endParaRPr b="0" lang="en-US" sz="3200" spc="-1" strike="noStrike">
               <a:solidFill>
                 <a:srgbClr val="000000"/>
               </a:solidFill>
@@ -8531,7 +8531,7 @@
               </a:spcBef>
               <a:buNone/>
             </a:pPr>
-            <a:endParaRPr b="0" lang="en-US" sz="1400" spc="-1" strike="noStrike">
+            <a:endParaRPr b="0" lang="en-US" sz="3200" spc="-1" strike="noStrike">
               <a:solidFill>
                 <a:srgbClr val="000000"/>
               </a:solidFill>
@@ -8554,7 +8554,7 @@
         <p:txBody>
           <a:bodyPr/>
           <a:p>
-            <a:fld id="{3C87C949-A969-4EA3-98E0-B19390A656B1}" type="slidenum">
+            <a:fld id="{5A7BC95B-FA7C-4067-8464-F78F2C19B565}" type="slidenum">
               <a:t>&lt;#&gt;</a:t>
             </a:fld>
           </a:p>
@@ -8610,10 +8610,10 @@
             <a:noAutofit/>
           </a:bodyPr>
           <a:p>
-            <a:pPr indent="0">
+            <a:pPr indent="0" algn="ctr">
               <a:buNone/>
             </a:pPr>
-            <a:endParaRPr b="0" lang="en-US" sz="1400" spc="-1" strike="noStrike">
+            <a:endParaRPr b="0" lang="en-US" sz="4400" spc="-1" strike="noStrike">
               <a:solidFill>
                 <a:srgbClr val="000000"/>
               </a:solidFill>
@@ -8656,7 +8656,7 @@
               </a:spcBef>
               <a:buNone/>
             </a:pPr>
-            <a:endParaRPr b="0" lang="en-US" sz="1400" spc="-1" strike="noStrike">
+            <a:endParaRPr b="0" lang="en-US" sz="3200" spc="-1" strike="noStrike">
               <a:solidFill>
                 <a:srgbClr val="000000"/>
               </a:solidFill>
@@ -8699,7 +8699,7 @@
               </a:spcBef>
               <a:buNone/>
             </a:pPr>
-            <a:endParaRPr b="0" lang="en-US" sz="1400" spc="-1" strike="noStrike">
+            <a:endParaRPr b="0" lang="en-US" sz="3200" spc="-1" strike="noStrike">
               <a:solidFill>
                 <a:srgbClr val="000000"/>
               </a:solidFill>
@@ -8742,7 +8742,7 @@
               </a:spcBef>
               <a:buNone/>
             </a:pPr>
-            <a:endParaRPr b="0" lang="en-US" sz="1400" spc="-1" strike="noStrike">
+            <a:endParaRPr b="0" lang="en-US" sz="3200" spc="-1" strike="noStrike">
               <a:solidFill>
                 <a:srgbClr val="000000"/>
               </a:solidFill>
@@ -8785,7 +8785,7 @@
               </a:spcBef>
               <a:buNone/>
             </a:pPr>
-            <a:endParaRPr b="0" lang="en-US" sz="1400" spc="-1" strike="noStrike">
+            <a:endParaRPr b="0" lang="en-US" sz="3200" spc="-1" strike="noStrike">
               <a:solidFill>
                 <a:srgbClr val="000000"/>
               </a:solidFill>
@@ -8808,7 +8808,7 @@
         <p:txBody>
           <a:bodyPr/>
           <a:p>
-            <a:fld id="{FD475A92-631C-44CF-B5B2-A0C5745AD04D}" type="slidenum">
+            <a:fld id="{59FAAF45-86B4-42FB-B2FB-5564F6E81385}" type="slidenum">
               <a:t>&lt;#&gt;</a:t>
             </a:fld>
           </a:p>
@@ -8888,7 +8888,7 @@
         <p:txBody>
           <a:bodyPr/>
           <a:p>
-            <a:fld id="{00524845-E1F5-4474-9FA8-FFC13DE9358E}" type="slidenum">
+            <a:fld id="{511B5BBC-355F-4693-80CC-705B0FB25131}" type="slidenum">
               <a:t>&lt;#&gt;</a:t>
             </a:fld>
           </a:p>
@@ -8944,10 +8944,10 @@
             <a:noAutofit/>
           </a:bodyPr>
           <a:p>
-            <a:pPr indent="0">
+            <a:pPr indent="0" algn="ctr">
               <a:buNone/>
             </a:pPr>
-            <a:endParaRPr b="0" lang="en-US" sz="1400" spc="-1" strike="noStrike">
+            <a:endParaRPr b="0" lang="en-US" sz="4400" spc="-1" strike="noStrike">
               <a:solidFill>
                 <a:srgbClr val="000000"/>
               </a:solidFill>
@@ -8990,7 +8990,7 @@
               </a:spcBef>
               <a:buNone/>
             </a:pPr>
-            <a:endParaRPr b="0" lang="en-US" sz="1400" spc="-1" strike="noStrike">
+            <a:endParaRPr b="0" lang="en-US" sz="3200" spc="-1" strike="noStrike">
               <a:solidFill>
                 <a:srgbClr val="000000"/>
               </a:solidFill>
@@ -9033,7 +9033,7 @@
               </a:spcBef>
               <a:buNone/>
             </a:pPr>
-            <a:endParaRPr b="0" lang="en-US" sz="1400" spc="-1" strike="noStrike">
+            <a:endParaRPr b="0" lang="en-US" sz="3200" spc="-1" strike="noStrike">
               <a:solidFill>
                 <a:srgbClr val="000000"/>
               </a:solidFill>
@@ -9076,7 +9076,7 @@
               </a:spcBef>
               <a:buNone/>
             </a:pPr>
-            <a:endParaRPr b="0" lang="en-US" sz="1400" spc="-1" strike="noStrike">
+            <a:endParaRPr b="0" lang="en-US" sz="3200" spc="-1" strike="noStrike">
               <a:solidFill>
                 <a:srgbClr val="000000"/>
               </a:solidFill>
@@ -9119,7 +9119,7 @@
               </a:spcBef>
               <a:buNone/>
             </a:pPr>
-            <a:endParaRPr b="0" lang="en-US" sz="1400" spc="-1" strike="noStrike">
+            <a:endParaRPr b="0" lang="en-US" sz="3200" spc="-1" strike="noStrike">
               <a:solidFill>
                 <a:srgbClr val="000000"/>
               </a:solidFill>
@@ -9162,7 +9162,7 @@
               </a:spcBef>
               <a:buNone/>
             </a:pPr>
-            <a:endParaRPr b="0" lang="en-US" sz="1400" spc="-1" strike="noStrike">
+            <a:endParaRPr b="0" lang="en-US" sz="3200" spc="-1" strike="noStrike">
               <a:solidFill>
                 <a:srgbClr val="000000"/>
               </a:solidFill>
@@ -9205,7 +9205,7 @@
               </a:spcBef>
               <a:buNone/>
             </a:pPr>
-            <a:endParaRPr b="0" lang="en-US" sz="1400" spc="-1" strike="noStrike">
+            <a:endParaRPr b="0" lang="en-US" sz="3200" spc="-1" strike="noStrike">
               <a:solidFill>
                 <a:srgbClr val="000000"/>
               </a:solidFill>
@@ -9228,7 +9228,7 @@
         <p:txBody>
           <a:bodyPr/>
           <a:p>
-            <a:fld id="{75A18CEC-772A-46FE-8441-3E97766C87A2}" type="slidenum">
+            <a:fld id="{F424B501-3D92-4F38-851A-79EE649D8933}" type="slidenum">
               <a:t>&lt;#&gt;</a:t>
             </a:fld>
           </a:p>
@@ -9270,7 +9270,7 @@
         <p:txBody>
           <a:bodyPr/>
           <a:p>
-            <a:fld id="{E3CD94DE-49DA-47DC-B8EE-FD67B43F6C1C}" type="slidenum">
+            <a:fld id="{0D208FA6-5D8F-4853-A1C7-7DF001FD3039}" type="slidenum">
               <a:t>&lt;#&gt;</a:t>
             </a:fld>
           </a:p>
@@ -9326,10 +9326,10 @@
             <a:noAutofit/>
           </a:bodyPr>
           <a:p>
-            <a:pPr indent="0">
+            <a:pPr indent="0" algn="ctr">
               <a:buNone/>
             </a:pPr>
-            <a:endParaRPr b="0" lang="en-US" sz="1400" spc="-1" strike="noStrike">
+            <a:endParaRPr b="0" lang="en-US" sz="4400" spc="-1" strike="noStrike">
               <a:solidFill>
                 <a:srgbClr val="000000"/>
               </a:solidFill>
@@ -9392,7 +9392,7 @@
         <p:txBody>
           <a:bodyPr/>
           <a:p>
-            <a:fld id="{A5712659-C490-478F-A589-B6C956DA65C2}" type="slidenum">
+            <a:fld id="{BE1B3CAC-75FF-48C9-840C-043395D31DBB}" type="slidenum">
               <a:t>&lt;#&gt;</a:t>
             </a:fld>
           </a:p>
@@ -9448,10 +9448,10 @@
             <a:noAutofit/>
           </a:bodyPr>
           <a:p>
-            <a:pPr indent="0">
+            <a:pPr indent="0" algn="ctr">
               <a:buNone/>
             </a:pPr>
-            <a:endParaRPr b="0" lang="en-US" sz="1400" spc="-1" strike="noStrike">
+            <a:endParaRPr b="0" lang="en-US" sz="4400" spc="-1" strike="noStrike">
               <a:solidFill>
                 <a:srgbClr val="000000"/>
               </a:solidFill>
@@ -9494,7 +9494,7 @@
               </a:spcBef>
               <a:buNone/>
             </a:pPr>
-            <a:endParaRPr b="0" lang="en-US" sz="1400" spc="-1" strike="noStrike">
+            <a:endParaRPr b="0" lang="en-US" sz="3200" spc="-1" strike="noStrike">
               <a:solidFill>
                 <a:srgbClr val="000000"/>
               </a:solidFill>
@@ -9517,7 +9517,7 @@
         <p:txBody>
           <a:bodyPr/>
           <a:p>
-            <a:fld id="{C6A526E0-917D-4749-9B1E-9815F31BAC97}" type="slidenum">
+            <a:fld id="{DDE68CE1-CD9D-437B-9E52-A81076FE0409}" type="slidenum">
               <a:t>&lt;#&gt;</a:t>
             </a:fld>
           </a:p>
@@ -9573,10 +9573,10 @@
             <a:noAutofit/>
           </a:bodyPr>
           <a:p>
-            <a:pPr indent="0">
+            <a:pPr indent="0" algn="ctr">
               <a:buNone/>
             </a:pPr>
-            <a:endParaRPr b="0" lang="en-US" sz="1400" spc="-1" strike="noStrike">
+            <a:endParaRPr b="0" lang="en-US" sz="4400" spc="-1" strike="noStrike">
               <a:solidFill>
                 <a:srgbClr val="000000"/>
               </a:solidFill>
@@ -9619,7 +9619,7 @@
               </a:spcBef>
               <a:buNone/>
             </a:pPr>
-            <a:endParaRPr b="0" lang="en-US" sz="1400" spc="-1" strike="noStrike">
+            <a:endParaRPr b="0" lang="en-US" sz="3200" spc="-1" strike="noStrike">
               <a:solidFill>
                 <a:srgbClr val="000000"/>
               </a:solidFill>
@@ -9662,7 +9662,7 @@
               </a:spcBef>
               <a:buNone/>
             </a:pPr>
-            <a:endParaRPr b="0" lang="en-US" sz="1400" spc="-1" strike="noStrike">
+            <a:endParaRPr b="0" lang="en-US" sz="3200" spc="-1" strike="noStrike">
               <a:solidFill>
                 <a:srgbClr val="000000"/>
               </a:solidFill>
@@ -9685,7 +9685,7 @@
         <p:txBody>
           <a:bodyPr/>
           <a:p>
-            <a:fld id="{FC4F2034-820F-4FBE-92AF-466EAF4E1C86}" type="slidenum">
+            <a:fld id="{74E924A0-3349-4B59-ADF2-D749B921B448}" type="slidenum">
               <a:t>&lt;#&gt;</a:t>
             </a:fld>
           </a:p>
@@ -9741,10 +9741,10 @@
             <a:noAutofit/>
           </a:bodyPr>
           <a:p>
-            <a:pPr indent="0">
+            <a:pPr indent="0" algn="ctr">
               <a:buNone/>
             </a:pPr>
-            <a:endParaRPr b="0" lang="en-US" sz="1400" spc="-1" strike="noStrike">
+            <a:endParaRPr b="0" lang="en-US" sz="4400" spc="-1" strike="noStrike">
               <a:solidFill>
                 <a:srgbClr val="000000"/>
               </a:solidFill>
@@ -9767,7 +9767,7 @@
         <p:txBody>
           <a:bodyPr/>
           <a:p>
-            <a:fld id="{AA4C4331-9C2C-4AF4-9FF4-3DC6A9249D0C}" type="slidenum">
+            <a:fld id="{7D471774-31F5-4DDC-B721-B51F9CD04AF4}" type="slidenum">
               <a:t>&lt;#&gt;</a:t>
             </a:fld>
           </a:p>
@@ -9847,7 +9847,7 @@
         <p:txBody>
           <a:bodyPr/>
           <a:p>
-            <a:fld id="{C4508767-7598-4C00-9AAF-D58134653645}" type="slidenum">
+            <a:fld id="{A93A7116-FF26-4C5D-B3E4-DC28289AA840}" type="slidenum">
               <a:t>&lt;#&gt;</a:t>
             </a:fld>
           </a:p>
@@ -9903,10 +9903,10 @@
             <a:noAutofit/>
           </a:bodyPr>
           <a:p>
-            <a:pPr indent="0">
+            <a:pPr indent="0" algn="ctr">
               <a:buNone/>
             </a:pPr>
-            <a:endParaRPr b="0" lang="en-US" sz="1400" spc="-1" strike="noStrike">
+            <a:endParaRPr b="0" lang="en-US" sz="4400" spc="-1" strike="noStrike">
               <a:solidFill>
                 <a:srgbClr val="000000"/>
               </a:solidFill>
@@ -9949,7 +9949,7 @@
               </a:spcBef>
               <a:buNone/>
             </a:pPr>
-            <a:endParaRPr b="0" lang="en-US" sz="1400" spc="-1" strike="noStrike">
+            <a:endParaRPr b="0" lang="en-US" sz="3200" spc="-1" strike="noStrike">
               <a:solidFill>
                 <a:srgbClr val="000000"/>
               </a:solidFill>
@@ -9992,7 +9992,7 @@
               </a:spcBef>
               <a:buNone/>
             </a:pPr>
-            <a:endParaRPr b="0" lang="en-US" sz="1400" spc="-1" strike="noStrike">
+            <a:endParaRPr b="0" lang="en-US" sz="3200" spc="-1" strike="noStrike">
               <a:solidFill>
                 <a:srgbClr val="000000"/>
               </a:solidFill>
@@ -10035,7 +10035,7 @@
               </a:spcBef>
               <a:buNone/>
             </a:pPr>
-            <a:endParaRPr b="0" lang="en-US" sz="1400" spc="-1" strike="noStrike">
+            <a:endParaRPr b="0" lang="en-US" sz="3200" spc="-1" strike="noStrike">
               <a:solidFill>
                 <a:srgbClr val="000000"/>
               </a:solidFill>
@@ -10058,7 +10058,7 @@
         <p:txBody>
           <a:bodyPr/>
           <a:p>
-            <a:fld id="{E7952B02-D8E5-4134-B89A-689940518091}" type="slidenum">
+            <a:fld id="{5BAF372F-CA03-4FCB-9747-C241D7872BE7}" type="slidenum">
               <a:t>&lt;#&gt;</a:t>
             </a:fld>
           </a:p>
@@ -10114,10 +10114,10 @@
             <a:noAutofit/>
           </a:bodyPr>
           <a:p>
-            <a:pPr indent="0">
+            <a:pPr indent="0" algn="ctr">
               <a:buNone/>
             </a:pPr>
-            <a:endParaRPr b="0" lang="en-US" sz="1400" spc="-1" strike="noStrike">
+            <a:endParaRPr b="0" lang="en-US" sz="4400" spc="-1" strike="noStrike">
               <a:solidFill>
                 <a:srgbClr val="000000"/>
               </a:solidFill>
@@ -10160,7 +10160,7 @@
               </a:spcBef>
               <a:buNone/>
             </a:pPr>
-            <a:endParaRPr b="0" lang="en-US" sz="1400" spc="-1" strike="noStrike">
+            <a:endParaRPr b="0" lang="en-US" sz="3200" spc="-1" strike="noStrike">
               <a:solidFill>
                 <a:srgbClr val="000000"/>
               </a:solidFill>
@@ -10203,7 +10203,7 @@
               </a:spcBef>
               <a:buNone/>
             </a:pPr>
-            <a:endParaRPr b="0" lang="en-US" sz="1400" spc="-1" strike="noStrike">
+            <a:endParaRPr b="0" lang="en-US" sz="3200" spc="-1" strike="noStrike">
               <a:solidFill>
                 <a:srgbClr val="000000"/>
               </a:solidFill>
@@ -10246,7 +10246,7 @@
               </a:spcBef>
               <a:buNone/>
             </a:pPr>
-            <a:endParaRPr b="0" lang="en-US" sz="1400" spc="-1" strike="noStrike">
+            <a:endParaRPr b="0" lang="en-US" sz="3200" spc="-1" strike="noStrike">
               <a:solidFill>
                 <a:srgbClr val="000000"/>
               </a:solidFill>
@@ -10269,7 +10269,7 @@
         <p:txBody>
           <a:bodyPr/>
           <a:p>
-            <a:fld id="{86CE6429-A533-45DD-90EF-0B112D4402A0}" type="slidenum">
+            <a:fld id="{512D48A7-1D0A-4BC6-B13F-B1B9A2D1D600}" type="slidenum">
               <a:t>&lt;#&gt;</a:t>
             </a:fld>
           </a:p>
@@ -10325,10 +10325,10 @@
             <a:noAutofit/>
           </a:bodyPr>
           <a:p>
-            <a:pPr indent="0">
+            <a:pPr indent="0" algn="ctr">
               <a:buNone/>
             </a:pPr>
-            <a:endParaRPr b="0" lang="en-US" sz="1400" spc="-1" strike="noStrike">
+            <a:endParaRPr b="0" lang="en-US" sz="4400" spc="-1" strike="noStrike">
               <a:solidFill>
                 <a:srgbClr val="000000"/>
               </a:solidFill>
@@ -10371,7 +10371,7 @@
               </a:spcBef>
               <a:buNone/>
             </a:pPr>
-            <a:endParaRPr b="0" lang="en-US" sz="1400" spc="-1" strike="noStrike">
+            <a:endParaRPr b="0" lang="en-US" sz="3200" spc="-1" strike="noStrike">
               <a:solidFill>
                 <a:srgbClr val="000000"/>
               </a:solidFill>
@@ -10414,7 +10414,7 @@
               </a:spcBef>
               <a:buNone/>
             </a:pPr>
-            <a:endParaRPr b="0" lang="en-US" sz="1400" spc="-1" strike="noStrike">
+            <a:endParaRPr b="0" lang="en-US" sz="3200" spc="-1" strike="noStrike">
               <a:solidFill>
                 <a:srgbClr val="000000"/>
               </a:solidFill>
@@ -10457,7 +10457,7 @@
               </a:spcBef>
               <a:buNone/>
             </a:pPr>
-            <a:endParaRPr b="0" lang="en-US" sz="1400" spc="-1" strike="noStrike">
+            <a:endParaRPr b="0" lang="en-US" sz="3200" spc="-1" strike="noStrike">
               <a:solidFill>
                 <a:srgbClr val="000000"/>
               </a:solidFill>
@@ -10480,7 +10480,7 @@
         <p:txBody>
           <a:bodyPr/>
           <a:p>
-            <a:fld id="{E2F7D87D-28B4-4A2A-B59B-2457F75C2F47}" type="slidenum">
+            <a:fld id="{524DE494-BA0F-4548-944A-1F10896276A3}" type="slidenum">
               <a:t>&lt;#&gt;</a:t>
             </a:fld>
           </a:p>
@@ -10536,10 +10536,10 @@
             <a:noAutofit/>
           </a:bodyPr>
           <a:p>
-            <a:pPr indent="0">
+            <a:pPr indent="0" algn="ctr">
               <a:buNone/>
             </a:pPr>
-            <a:endParaRPr b="0" lang="en-US" sz="1400" spc="-1" strike="noStrike">
+            <a:endParaRPr b="0" lang="en-US" sz="4400" spc="-1" strike="noStrike">
               <a:solidFill>
                 <a:srgbClr val="000000"/>
               </a:solidFill>
@@ -10582,7 +10582,7 @@
               </a:spcBef>
               <a:buNone/>
             </a:pPr>
-            <a:endParaRPr b="0" lang="en-US" sz="1400" spc="-1" strike="noStrike">
+            <a:endParaRPr b="0" lang="en-US" sz="3200" spc="-1" strike="noStrike">
               <a:solidFill>
                 <a:srgbClr val="000000"/>
               </a:solidFill>
@@ -10625,7 +10625,7 @@
               </a:spcBef>
               <a:buNone/>
             </a:pPr>
-            <a:endParaRPr b="0" lang="en-US" sz="1400" spc="-1" strike="noStrike">
+            <a:endParaRPr b="0" lang="en-US" sz="3200" spc="-1" strike="noStrike">
               <a:solidFill>
                 <a:srgbClr val="000000"/>
               </a:solidFill>
@@ -10668,7 +10668,7 @@
               </a:spcBef>
               <a:buNone/>
             </a:pPr>
-            <a:endParaRPr b="0" lang="en-US" sz="1400" spc="-1" strike="noStrike">
+            <a:endParaRPr b="0" lang="en-US" sz="3200" spc="-1" strike="noStrike">
               <a:solidFill>
                 <a:srgbClr val="000000"/>
               </a:solidFill>
@@ -10691,7 +10691,7 @@
         <p:txBody>
           <a:bodyPr/>
           <a:p>
-            <a:fld id="{81D704DF-4037-4C49-B8D7-3211363D7A7B}" type="slidenum">
+            <a:fld id="{F2B3E42D-035B-48C2-A1F5-DAB621EB14F6}" type="slidenum">
               <a:t>&lt;#&gt;</a:t>
             </a:fld>
           </a:p>
@@ -10747,10 +10747,10 @@
             <a:noAutofit/>
           </a:bodyPr>
           <a:p>
-            <a:pPr indent="0">
+            <a:pPr indent="0" algn="ctr">
               <a:buNone/>
             </a:pPr>
-            <a:endParaRPr b="0" lang="en-US" sz="1400" spc="-1" strike="noStrike">
+            <a:endParaRPr b="0" lang="en-US" sz="4400" spc="-1" strike="noStrike">
               <a:solidFill>
                 <a:srgbClr val="000000"/>
               </a:solidFill>
@@ -10793,7 +10793,7 @@
               </a:spcBef>
               <a:buNone/>
             </a:pPr>
-            <a:endParaRPr b="0" lang="en-US" sz="1400" spc="-1" strike="noStrike">
+            <a:endParaRPr b="0" lang="en-US" sz="3200" spc="-1" strike="noStrike">
               <a:solidFill>
                 <a:srgbClr val="000000"/>
               </a:solidFill>
@@ -10836,7 +10836,7 @@
               </a:spcBef>
               <a:buNone/>
             </a:pPr>
-            <a:endParaRPr b="0" lang="en-US" sz="1400" spc="-1" strike="noStrike">
+            <a:endParaRPr b="0" lang="en-US" sz="3200" spc="-1" strike="noStrike">
               <a:solidFill>
                 <a:srgbClr val="000000"/>
               </a:solidFill>
@@ -10859,7 +10859,7 @@
         <p:txBody>
           <a:bodyPr/>
           <a:p>
-            <a:fld id="{C91F1E1E-D51D-4B3B-8020-753536D6259B}" type="slidenum">
+            <a:fld id="{F42EC8C0-A83F-4384-A7D1-260A0138842A}" type="slidenum">
               <a:t>&lt;#&gt;</a:t>
             </a:fld>
           </a:p>
@@ -10915,10 +10915,10 @@
             <a:noAutofit/>
           </a:bodyPr>
           <a:p>
-            <a:pPr indent="0">
+            <a:pPr indent="0" algn="ctr">
               <a:buNone/>
             </a:pPr>
-            <a:endParaRPr b="0" lang="en-US" sz="1400" spc="-1" strike="noStrike">
+            <a:endParaRPr b="0" lang="en-US" sz="4400" spc="-1" strike="noStrike">
               <a:solidFill>
                 <a:srgbClr val="000000"/>
               </a:solidFill>
@@ -10961,7 +10961,7 @@
               </a:spcBef>
               <a:buNone/>
             </a:pPr>
-            <a:endParaRPr b="0" lang="en-US" sz="1400" spc="-1" strike="noStrike">
+            <a:endParaRPr b="0" lang="en-US" sz="3200" spc="-1" strike="noStrike">
               <a:solidFill>
                 <a:srgbClr val="000000"/>
               </a:solidFill>
@@ -11004,7 +11004,7 @@
               </a:spcBef>
               <a:buNone/>
             </a:pPr>
-            <a:endParaRPr b="0" lang="en-US" sz="1400" spc="-1" strike="noStrike">
+            <a:endParaRPr b="0" lang="en-US" sz="3200" spc="-1" strike="noStrike">
               <a:solidFill>
                 <a:srgbClr val="000000"/>
               </a:solidFill>
@@ -11047,7 +11047,7 @@
               </a:spcBef>
               <a:buNone/>
             </a:pPr>
-            <a:endParaRPr b="0" lang="en-US" sz="1400" spc="-1" strike="noStrike">
+            <a:endParaRPr b="0" lang="en-US" sz="3200" spc="-1" strike="noStrike">
               <a:solidFill>
                 <a:srgbClr val="000000"/>
               </a:solidFill>
@@ -11090,7 +11090,7 @@
               </a:spcBef>
               <a:buNone/>
             </a:pPr>
-            <a:endParaRPr b="0" lang="en-US" sz="1400" spc="-1" strike="noStrike">
+            <a:endParaRPr b="0" lang="en-US" sz="3200" spc="-1" strike="noStrike">
               <a:solidFill>
                 <a:srgbClr val="000000"/>
               </a:solidFill>
@@ -11113,7 +11113,7 @@
         <p:txBody>
           <a:bodyPr/>
           <a:p>
-            <a:fld id="{CA2ADB7A-8141-4D78-A306-D0191392A54C}" type="slidenum">
+            <a:fld id="{E8B0892E-497F-4919-AEB1-78589B14A69A}" type="slidenum">
               <a:t>&lt;#&gt;</a:t>
             </a:fld>
           </a:p>
@@ -11169,10 +11169,10 @@
             <a:noAutofit/>
           </a:bodyPr>
           <a:p>
-            <a:pPr indent="0">
+            <a:pPr indent="0" algn="ctr">
               <a:buNone/>
             </a:pPr>
-            <a:endParaRPr b="0" lang="en-US" sz="1400" spc="-1" strike="noStrike">
+            <a:endParaRPr b="0" lang="en-US" sz="4400" spc="-1" strike="noStrike">
               <a:solidFill>
                 <a:srgbClr val="000000"/>
               </a:solidFill>
@@ -11215,7 +11215,7 @@
               </a:spcBef>
               <a:buNone/>
             </a:pPr>
-            <a:endParaRPr b="0" lang="en-US" sz="1400" spc="-1" strike="noStrike">
+            <a:endParaRPr b="0" lang="en-US" sz="3200" spc="-1" strike="noStrike">
               <a:solidFill>
                 <a:srgbClr val="000000"/>
               </a:solidFill>
@@ -11258,7 +11258,7 @@
               </a:spcBef>
               <a:buNone/>
             </a:pPr>
-            <a:endParaRPr b="0" lang="en-US" sz="1400" spc="-1" strike="noStrike">
+            <a:endParaRPr b="0" lang="en-US" sz="3200" spc="-1" strike="noStrike">
               <a:solidFill>
                 <a:srgbClr val="000000"/>
               </a:solidFill>
@@ -11301,7 +11301,7 @@
               </a:spcBef>
               <a:buNone/>
             </a:pPr>
-            <a:endParaRPr b="0" lang="en-US" sz="1400" spc="-1" strike="noStrike">
+            <a:endParaRPr b="0" lang="en-US" sz="3200" spc="-1" strike="noStrike">
               <a:solidFill>
                 <a:srgbClr val="000000"/>
               </a:solidFill>
@@ -11344,7 +11344,7 @@
               </a:spcBef>
               <a:buNone/>
             </a:pPr>
-            <a:endParaRPr b="0" lang="en-US" sz="1400" spc="-1" strike="noStrike">
+            <a:endParaRPr b="0" lang="en-US" sz="3200" spc="-1" strike="noStrike">
               <a:solidFill>
                 <a:srgbClr val="000000"/>
               </a:solidFill>
@@ -11387,7 +11387,7 @@
               </a:spcBef>
               <a:buNone/>
             </a:pPr>
-            <a:endParaRPr b="0" lang="en-US" sz="1400" spc="-1" strike="noStrike">
+            <a:endParaRPr b="0" lang="en-US" sz="3200" spc="-1" strike="noStrike">
               <a:solidFill>
                 <a:srgbClr val="000000"/>
               </a:solidFill>
@@ -11430,7 +11430,7 @@
               </a:spcBef>
               <a:buNone/>
             </a:pPr>
-            <a:endParaRPr b="0" lang="en-US" sz="1400" spc="-1" strike="noStrike">
+            <a:endParaRPr b="0" lang="en-US" sz="3200" spc="-1" strike="noStrike">
               <a:solidFill>
                 <a:srgbClr val="000000"/>
               </a:solidFill>
@@ -11453,7 +11453,7 @@
         <p:txBody>
           <a:bodyPr/>
           <a:p>
-            <a:fld id="{5D079923-70DC-40CC-A6FE-6EBFF67A0900}" type="slidenum">
+            <a:fld id="{680CABED-31F2-4DA4-9D11-C12FF4579692}" type="slidenum">
               <a:t>&lt;#&gt;</a:t>
             </a:fld>
           </a:p>
@@ -11495,7 +11495,7 @@
         <p:txBody>
           <a:bodyPr/>
           <a:p>
-            <a:fld id="{38EED17D-40DF-44BA-84F8-422A9FFDA083}" type="slidenum">
+            <a:fld id="{CCC25137-35C1-40CE-9CE1-529054F99CBD}" type="slidenum">
               <a:t>&lt;#&gt;</a:t>
             </a:fld>
           </a:p>
@@ -11551,10 +11551,10 @@
             <a:noAutofit/>
           </a:bodyPr>
           <a:p>
-            <a:pPr indent="0">
+            <a:pPr indent="0" algn="ctr">
               <a:buNone/>
             </a:pPr>
-            <a:endParaRPr b="0" lang="en-US" sz="1400" spc="-1" strike="noStrike">
+            <a:endParaRPr b="0" lang="en-US" sz="4400" spc="-1" strike="noStrike">
               <a:solidFill>
                 <a:srgbClr val="000000"/>
               </a:solidFill>
@@ -11617,7 +11617,7 @@
         <p:txBody>
           <a:bodyPr/>
           <a:p>
-            <a:fld id="{09254117-235A-4344-A48D-2B2DE05BAC12}" type="slidenum">
+            <a:fld id="{61992DB9-4739-425B-9CFC-013FC0A66AA7}" type="slidenum">
               <a:t>&lt;#&gt;</a:t>
             </a:fld>
           </a:p>
@@ -11673,10 +11673,10 @@
             <a:noAutofit/>
           </a:bodyPr>
           <a:p>
-            <a:pPr indent="0">
+            <a:pPr indent="0" algn="ctr">
               <a:buNone/>
             </a:pPr>
-            <a:endParaRPr b="0" lang="en-US" sz="1400" spc="-1" strike="noStrike">
+            <a:endParaRPr b="0" lang="en-US" sz="4400" spc="-1" strike="noStrike">
               <a:solidFill>
                 <a:srgbClr val="000000"/>
               </a:solidFill>
@@ -11719,7 +11719,7 @@
               </a:spcBef>
               <a:buNone/>
             </a:pPr>
-            <a:endParaRPr b="0" lang="en-US" sz="1400" spc="-1" strike="noStrike">
+            <a:endParaRPr b="0" lang="en-US" sz="3200" spc="-1" strike="noStrike">
               <a:solidFill>
                 <a:srgbClr val="000000"/>
               </a:solidFill>
@@ -11742,7 +11742,7 @@
         <p:txBody>
           <a:bodyPr/>
           <a:p>
-            <a:fld id="{D033CD97-D487-45E5-BBDA-7823964BB585}" type="slidenum">
+            <a:fld id="{DB777FE5-528E-4155-86D5-2ABA49A29541}" type="slidenum">
               <a:t>&lt;#&gt;</a:t>
             </a:fld>
           </a:p>
@@ -11798,10 +11798,10 @@
             <a:noAutofit/>
           </a:bodyPr>
           <a:p>
-            <a:pPr indent="0">
+            <a:pPr indent="0" algn="ctr">
               <a:buNone/>
             </a:pPr>
-            <a:endParaRPr b="0" lang="en-US" sz="1400" spc="-1" strike="noStrike">
+            <a:endParaRPr b="0" lang="en-US" sz="4400" spc="-1" strike="noStrike">
               <a:solidFill>
                 <a:srgbClr val="000000"/>
               </a:solidFill>
@@ -11844,7 +11844,7 @@
               </a:spcBef>
               <a:buNone/>
             </a:pPr>
-            <a:endParaRPr b="0" lang="en-US" sz="1400" spc="-1" strike="noStrike">
+            <a:endParaRPr b="0" lang="en-US" sz="3200" spc="-1" strike="noStrike">
               <a:solidFill>
                 <a:srgbClr val="000000"/>
               </a:solidFill>
@@ -11887,7 +11887,7 @@
               </a:spcBef>
               <a:buNone/>
             </a:pPr>
-            <a:endParaRPr b="0" lang="en-US" sz="1400" spc="-1" strike="noStrike">
+            <a:endParaRPr b="0" lang="en-US" sz="3200" spc="-1" strike="noStrike">
               <a:solidFill>
                 <a:srgbClr val="000000"/>
               </a:solidFill>
@@ -11910,7 +11910,7 @@
         <p:txBody>
           <a:bodyPr/>
           <a:p>
-            <a:fld id="{63357EF5-CBB7-4AAA-874C-222D880E1646}" type="slidenum">
+            <a:fld id="{7EE8D754-BEA8-4BD0-B04E-644BDEB3ACD9}" type="slidenum">
               <a:t>&lt;#&gt;</a:t>
             </a:fld>
           </a:p>
@@ -11966,10 +11966,10 @@
             <a:noAutofit/>
           </a:bodyPr>
           <a:p>
-            <a:pPr indent="0">
+            <a:pPr indent="0" algn="ctr">
               <a:buNone/>
             </a:pPr>
-            <a:endParaRPr b="0" lang="en-US" sz="1400" spc="-1" strike="noStrike">
+            <a:endParaRPr b="0" lang="en-US" sz="4400" spc="-1" strike="noStrike">
               <a:solidFill>
                 <a:srgbClr val="000000"/>
               </a:solidFill>
@@ -11992,7 +11992,7 @@
         <p:txBody>
           <a:bodyPr/>
           <a:p>
-            <a:fld id="{5D7BD3D9-A45A-460D-9AF7-6EB30BF7326C}" type="slidenum">
+            <a:fld id="{0CC41420-5ACD-4F2E-A400-9E0510517D01}" type="slidenum">
               <a:t>&lt;#&gt;</a:t>
             </a:fld>
           </a:p>
@@ -12072,7 +12072,7 @@
         <p:txBody>
           <a:bodyPr/>
           <a:p>
-            <a:fld id="{E8E14FD5-144A-4120-9F4F-1DFAF79C21C3}" type="slidenum">
+            <a:fld id="{8D330374-ADB0-4ACA-9ABD-E907247FF1E0}" type="slidenum">
               <a:t>&lt;#&gt;</a:t>
             </a:fld>
           </a:p>
@@ -12128,10 +12128,10 @@
             <a:noAutofit/>
           </a:bodyPr>
           <a:p>
-            <a:pPr indent="0">
+            <a:pPr indent="0" algn="ctr">
               <a:buNone/>
             </a:pPr>
-            <a:endParaRPr b="0" lang="en-US" sz="1400" spc="-1" strike="noStrike">
+            <a:endParaRPr b="0" lang="en-US" sz="4400" spc="-1" strike="noStrike">
               <a:solidFill>
                 <a:srgbClr val="000000"/>
               </a:solidFill>
@@ -12174,7 +12174,7 @@
               </a:spcBef>
               <a:buNone/>
             </a:pPr>
-            <a:endParaRPr b="0" lang="en-US" sz="1400" spc="-1" strike="noStrike">
+            <a:endParaRPr b="0" lang="en-US" sz="3200" spc="-1" strike="noStrike">
               <a:solidFill>
                 <a:srgbClr val="000000"/>
               </a:solidFill>
@@ -12217,7 +12217,7 @@
               </a:spcBef>
               <a:buNone/>
             </a:pPr>
-            <a:endParaRPr b="0" lang="en-US" sz="1400" spc="-1" strike="noStrike">
+            <a:endParaRPr b="0" lang="en-US" sz="3200" spc="-1" strike="noStrike">
               <a:solidFill>
                 <a:srgbClr val="000000"/>
               </a:solidFill>
@@ -12260,7 +12260,7 @@
               </a:spcBef>
               <a:buNone/>
             </a:pPr>
-            <a:endParaRPr b="0" lang="en-US" sz="1400" spc="-1" strike="noStrike">
+            <a:endParaRPr b="0" lang="en-US" sz="3200" spc="-1" strike="noStrike">
               <a:solidFill>
                 <a:srgbClr val="000000"/>
               </a:solidFill>
@@ -12283,7 +12283,7 @@
         <p:txBody>
           <a:bodyPr/>
           <a:p>
-            <a:fld id="{6F64AD3E-2CD7-4E76-BD12-6764D8B11F35}" type="slidenum">
+            <a:fld id="{62EB7954-4027-4148-9FBC-00859061DB3C}" type="slidenum">
               <a:t>&lt;#&gt;</a:t>
             </a:fld>
           </a:p>
@@ -12339,10 +12339,10 @@
             <a:noAutofit/>
           </a:bodyPr>
           <a:p>
-            <a:pPr indent="0">
+            <a:pPr indent="0" algn="ctr">
               <a:buNone/>
             </a:pPr>
-            <a:endParaRPr b="0" lang="en-US" sz="1400" spc="-1" strike="noStrike">
+            <a:endParaRPr b="0" lang="en-US" sz="4400" spc="-1" strike="noStrike">
               <a:solidFill>
                 <a:srgbClr val="000000"/>
               </a:solidFill>
@@ -12385,7 +12385,7 @@
               </a:spcBef>
               <a:buNone/>
             </a:pPr>
-            <a:endParaRPr b="0" lang="en-US" sz="1400" spc="-1" strike="noStrike">
+            <a:endParaRPr b="0" lang="en-US" sz="3200" spc="-1" strike="noStrike">
               <a:solidFill>
                 <a:srgbClr val="000000"/>
               </a:solidFill>
@@ -12428,7 +12428,7 @@
               </a:spcBef>
               <a:buNone/>
             </a:pPr>
-            <a:endParaRPr b="0" lang="en-US" sz="1400" spc="-1" strike="noStrike">
+            <a:endParaRPr b="0" lang="en-US" sz="3200" spc="-1" strike="noStrike">
               <a:solidFill>
                 <a:srgbClr val="000000"/>
               </a:solidFill>
@@ -12471,7 +12471,7 @@
               </a:spcBef>
               <a:buNone/>
             </a:pPr>
-            <a:endParaRPr b="0" lang="en-US" sz="1400" spc="-1" strike="noStrike">
+            <a:endParaRPr b="0" lang="en-US" sz="3200" spc="-1" strike="noStrike">
               <a:solidFill>
                 <a:srgbClr val="000000"/>
               </a:solidFill>
@@ -12494,7 +12494,7 @@
         <p:txBody>
           <a:bodyPr/>
           <a:p>
-            <a:fld id="{89D33E10-EFE0-415F-8603-FE893CE12750}" type="slidenum">
+            <a:fld id="{721043E7-83C3-4210-A42B-3C8CD056A7FF}" type="slidenum">
               <a:t>&lt;#&gt;</a:t>
             </a:fld>
           </a:p>
@@ -12550,10 +12550,10 @@
             <a:noAutofit/>
           </a:bodyPr>
           <a:p>
-            <a:pPr indent="0">
+            <a:pPr indent="0" algn="ctr">
               <a:buNone/>
             </a:pPr>
-            <a:endParaRPr b="0" lang="en-US" sz="1400" spc="-1" strike="noStrike">
+            <a:endParaRPr b="0" lang="en-US" sz="4400" spc="-1" strike="noStrike">
               <a:solidFill>
                 <a:srgbClr val="000000"/>
               </a:solidFill>
@@ -12596,7 +12596,7 @@
               </a:spcBef>
               <a:buNone/>
             </a:pPr>
-            <a:endParaRPr b="0" lang="en-US" sz="1400" spc="-1" strike="noStrike">
+            <a:endParaRPr b="0" lang="en-US" sz="3200" spc="-1" strike="noStrike">
               <a:solidFill>
                 <a:srgbClr val="000000"/>
               </a:solidFill>
@@ -12639,7 +12639,7 @@
               </a:spcBef>
               <a:buNone/>
             </a:pPr>
-            <a:endParaRPr b="0" lang="en-US" sz="1400" spc="-1" strike="noStrike">
+            <a:endParaRPr b="0" lang="en-US" sz="3200" spc="-1" strike="noStrike">
               <a:solidFill>
                 <a:srgbClr val="000000"/>
               </a:solidFill>
@@ -12682,7 +12682,7 @@
               </a:spcBef>
               <a:buNone/>
             </a:pPr>
-            <a:endParaRPr b="0" lang="en-US" sz="1400" spc="-1" strike="noStrike">
+            <a:endParaRPr b="0" lang="en-US" sz="3200" spc="-1" strike="noStrike">
               <a:solidFill>
                 <a:srgbClr val="000000"/>
               </a:solidFill>
@@ -12705,7 +12705,7 @@
         <p:txBody>
           <a:bodyPr/>
           <a:p>
-            <a:fld id="{4F5E3B53-35F6-4A68-8729-0B2A32AD62AE}" type="slidenum">
+            <a:fld id="{06351DBD-6880-4CDF-8BDC-5C8F5D7E5240}" type="slidenum">
               <a:t>&lt;#&gt;</a:t>
             </a:fld>
           </a:p>
@@ -12761,10 +12761,10 @@
             <a:noAutofit/>
           </a:bodyPr>
           <a:p>
-            <a:pPr indent="0">
+            <a:pPr indent="0" algn="ctr">
               <a:buNone/>
             </a:pPr>
-            <a:endParaRPr b="0" lang="en-US" sz="1400" spc="-1" strike="noStrike">
+            <a:endParaRPr b="0" lang="en-US" sz="4400" spc="-1" strike="noStrike">
               <a:solidFill>
                 <a:srgbClr val="000000"/>
               </a:solidFill>
@@ -12807,7 +12807,7 @@
               </a:spcBef>
               <a:buNone/>
             </a:pPr>
-            <a:endParaRPr b="0" lang="en-US" sz="1400" spc="-1" strike="noStrike">
+            <a:endParaRPr b="0" lang="en-US" sz="3200" spc="-1" strike="noStrike">
               <a:solidFill>
                 <a:srgbClr val="000000"/>
               </a:solidFill>
@@ -12850,7 +12850,7 @@
               </a:spcBef>
               <a:buNone/>
             </a:pPr>
-            <a:endParaRPr b="0" lang="en-US" sz="1400" spc="-1" strike="noStrike">
+            <a:endParaRPr b="0" lang="en-US" sz="3200" spc="-1" strike="noStrike">
               <a:solidFill>
                 <a:srgbClr val="000000"/>
               </a:solidFill>
@@ -12893,7 +12893,7 @@
               </a:spcBef>
               <a:buNone/>
             </a:pPr>
-            <a:endParaRPr b="0" lang="en-US" sz="1400" spc="-1" strike="noStrike">
+            <a:endParaRPr b="0" lang="en-US" sz="3200" spc="-1" strike="noStrike">
               <a:solidFill>
                 <a:srgbClr val="000000"/>
               </a:solidFill>
@@ -12916,7 +12916,7 @@
         <p:txBody>
           <a:bodyPr/>
           <a:p>
-            <a:fld id="{A1298477-3974-4669-BE02-320230140A59}" type="slidenum">
+            <a:fld id="{321A11F8-7739-438C-B1C4-23C60E4E94EF}" type="slidenum">
               <a:t>&lt;#&gt;</a:t>
             </a:fld>
           </a:p>
@@ -12972,10 +12972,10 @@
             <a:noAutofit/>
           </a:bodyPr>
           <a:p>
-            <a:pPr indent="0">
+            <a:pPr indent="0" algn="ctr">
               <a:buNone/>
             </a:pPr>
-            <a:endParaRPr b="0" lang="en-US" sz="1400" spc="-1" strike="noStrike">
+            <a:endParaRPr b="0" lang="en-US" sz="4400" spc="-1" strike="noStrike">
               <a:solidFill>
                 <a:srgbClr val="000000"/>
               </a:solidFill>
@@ -13018,7 +13018,7 @@
               </a:spcBef>
               <a:buNone/>
             </a:pPr>
-            <a:endParaRPr b="0" lang="en-US" sz="1400" spc="-1" strike="noStrike">
+            <a:endParaRPr b="0" lang="en-US" sz="3200" spc="-1" strike="noStrike">
               <a:solidFill>
                 <a:srgbClr val="000000"/>
               </a:solidFill>
@@ -13061,7 +13061,7 @@
               </a:spcBef>
               <a:buNone/>
             </a:pPr>
-            <a:endParaRPr b="0" lang="en-US" sz="1400" spc="-1" strike="noStrike">
+            <a:endParaRPr b="0" lang="en-US" sz="3200" spc="-1" strike="noStrike">
               <a:solidFill>
                 <a:srgbClr val="000000"/>
               </a:solidFill>
@@ -13084,7 +13084,7 @@
         <p:txBody>
           <a:bodyPr/>
           <a:p>
-            <a:fld id="{64213470-0916-4F09-84B7-8E79E8BA5D3E}" type="slidenum">
+            <a:fld id="{6647F2EE-E474-4885-A71E-3818E730EC2B}" type="slidenum">
               <a:t>&lt;#&gt;</a:t>
             </a:fld>
           </a:p>
@@ -13140,10 +13140,10 @@
             <a:noAutofit/>
           </a:bodyPr>
           <a:p>
-            <a:pPr indent="0">
+            <a:pPr indent="0" algn="ctr">
               <a:buNone/>
             </a:pPr>
-            <a:endParaRPr b="0" lang="en-US" sz="1400" spc="-1" strike="noStrike">
+            <a:endParaRPr b="0" lang="en-US" sz="4400" spc="-1" strike="noStrike">
               <a:solidFill>
                 <a:srgbClr val="000000"/>
               </a:solidFill>
@@ -13186,7 +13186,7 @@
               </a:spcBef>
               <a:buNone/>
             </a:pPr>
-            <a:endParaRPr b="0" lang="en-US" sz="1400" spc="-1" strike="noStrike">
+            <a:endParaRPr b="0" lang="en-US" sz="3200" spc="-1" strike="noStrike">
               <a:solidFill>
                 <a:srgbClr val="000000"/>
               </a:solidFill>
@@ -13229,7 +13229,7 @@
               </a:spcBef>
               <a:buNone/>
             </a:pPr>
-            <a:endParaRPr b="0" lang="en-US" sz="1400" spc="-1" strike="noStrike">
+            <a:endParaRPr b="0" lang="en-US" sz="3200" spc="-1" strike="noStrike">
               <a:solidFill>
                 <a:srgbClr val="000000"/>
               </a:solidFill>
@@ -13272,7 +13272,7 @@
               </a:spcBef>
               <a:buNone/>
             </a:pPr>
-            <a:endParaRPr b="0" lang="en-US" sz="1400" spc="-1" strike="noStrike">
+            <a:endParaRPr b="0" lang="en-US" sz="3200" spc="-1" strike="noStrike">
               <a:solidFill>
                 <a:srgbClr val="000000"/>
               </a:solidFill>
@@ -13315,7 +13315,7 @@
               </a:spcBef>
               <a:buNone/>
             </a:pPr>
-            <a:endParaRPr b="0" lang="en-US" sz="1400" spc="-1" strike="noStrike">
+            <a:endParaRPr b="0" lang="en-US" sz="3200" spc="-1" strike="noStrike">
               <a:solidFill>
                 <a:srgbClr val="000000"/>
               </a:solidFill>
@@ -13338,7 +13338,7 @@
         <p:txBody>
           <a:bodyPr/>
           <a:p>
-            <a:fld id="{14E765D3-AB14-44E8-9132-6908B891D3C9}" type="slidenum">
+            <a:fld id="{CA7E8966-DE58-4080-B8A2-B077F4B7B12B}" type="slidenum">
               <a:t>&lt;#&gt;</a:t>
             </a:fld>
           </a:p>
@@ -13394,10 +13394,10 @@
             <a:noAutofit/>
           </a:bodyPr>
           <a:p>
-            <a:pPr indent="0">
+            <a:pPr indent="0" algn="ctr">
               <a:buNone/>
             </a:pPr>
-            <a:endParaRPr b="0" lang="en-US" sz="1400" spc="-1" strike="noStrike">
+            <a:endParaRPr b="0" lang="en-US" sz="4400" spc="-1" strike="noStrike">
               <a:solidFill>
                 <a:srgbClr val="000000"/>
               </a:solidFill>
@@ -13440,7 +13440,7 @@
               </a:spcBef>
               <a:buNone/>
             </a:pPr>
-            <a:endParaRPr b="0" lang="en-US" sz="1400" spc="-1" strike="noStrike">
+            <a:endParaRPr b="0" lang="en-US" sz="3200" spc="-1" strike="noStrike">
               <a:solidFill>
                 <a:srgbClr val="000000"/>
               </a:solidFill>
@@ -13483,7 +13483,7 @@
               </a:spcBef>
               <a:buNone/>
             </a:pPr>
-            <a:endParaRPr b="0" lang="en-US" sz="1400" spc="-1" strike="noStrike">
+            <a:endParaRPr b="0" lang="en-US" sz="3200" spc="-1" strike="noStrike">
               <a:solidFill>
                 <a:srgbClr val="000000"/>
               </a:solidFill>
@@ -13526,7 +13526,7 @@
               </a:spcBef>
               <a:buNone/>
             </a:pPr>
-            <a:endParaRPr b="0" lang="en-US" sz="1400" spc="-1" strike="noStrike">
+            <a:endParaRPr b="0" lang="en-US" sz="3200" spc="-1" strike="noStrike">
               <a:solidFill>
                 <a:srgbClr val="000000"/>
               </a:solidFill>
@@ -13569,7 +13569,7 @@
               </a:spcBef>
               <a:buNone/>
             </a:pPr>
-            <a:endParaRPr b="0" lang="en-US" sz="1400" spc="-1" strike="noStrike">
+            <a:endParaRPr b="0" lang="en-US" sz="3200" spc="-1" strike="noStrike">
               <a:solidFill>
                 <a:srgbClr val="000000"/>
               </a:solidFill>
@@ -13612,7 +13612,7 @@
               </a:spcBef>
               <a:buNone/>
             </a:pPr>
-            <a:endParaRPr b="0" lang="en-US" sz="1400" spc="-1" strike="noStrike">
+            <a:endParaRPr b="0" lang="en-US" sz="3200" spc="-1" strike="noStrike">
               <a:solidFill>
                 <a:srgbClr val="000000"/>
               </a:solidFill>
@@ -13655,7 +13655,7 @@
               </a:spcBef>
               <a:buNone/>
             </a:pPr>
-            <a:endParaRPr b="0" lang="en-US" sz="1400" spc="-1" strike="noStrike">
+            <a:endParaRPr b="0" lang="en-US" sz="3200" spc="-1" strike="noStrike">
               <a:solidFill>
                 <a:srgbClr val="000000"/>
               </a:solidFill>
@@ -13678,7 +13678,7 @@
         <p:txBody>
           <a:bodyPr/>
           <a:p>
-            <a:fld id="{C3425814-2521-49BD-96AC-EEF5FA4977ED}" type="slidenum">
+            <a:fld id="{F3E359B2-C202-4996-9B6E-918929FCD7E0}" type="slidenum">
               <a:t>&lt;#&gt;</a:t>
             </a:fld>
           </a:p>
@@ -13734,10 +13734,10 @@
             <a:noAutofit/>
           </a:bodyPr>
           <a:p>
-            <a:pPr indent="0">
+            <a:pPr indent="0" algn="ctr">
               <a:buNone/>
             </a:pPr>
-            <a:endParaRPr b="0" lang="en-US" sz="1400" spc="-1" strike="noStrike">
+            <a:endParaRPr b="0" lang="en-US" sz="4400" spc="-1" strike="noStrike">
               <a:solidFill>
                 <a:srgbClr val="000000"/>
               </a:solidFill>
@@ -13780,7 +13780,7 @@
               </a:spcBef>
               <a:buNone/>
             </a:pPr>
-            <a:endParaRPr b="0" lang="en-US" sz="1400" spc="-1" strike="noStrike">
+            <a:endParaRPr b="0" lang="en-US" sz="3200" spc="-1" strike="noStrike">
               <a:solidFill>
                 <a:srgbClr val="000000"/>
               </a:solidFill>
@@ -13823,7 +13823,7 @@
               </a:spcBef>
               <a:buNone/>
             </a:pPr>
-            <a:endParaRPr b="0" lang="en-US" sz="1400" spc="-1" strike="noStrike">
+            <a:endParaRPr b="0" lang="en-US" sz="3200" spc="-1" strike="noStrike">
               <a:solidFill>
                 <a:srgbClr val="000000"/>
               </a:solidFill>
@@ -13866,7 +13866,7 @@
               </a:spcBef>
               <a:buNone/>
             </a:pPr>
-            <a:endParaRPr b="0" lang="en-US" sz="1400" spc="-1" strike="noStrike">
+            <a:endParaRPr b="0" lang="en-US" sz="3200" spc="-1" strike="noStrike">
               <a:solidFill>
                 <a:srgbClr val="000000"/>
               </a:solidFill>
@@ -13889,7 +13889,7 @@
         <p:txBody>
           <a:bodyPr/>
           <a:p>
-            <a:fld id="{8383EFEF-7561-4C82-8BA1-F0798957C374}" type="slidenum">
+            <a:fld id="{9AD7BEB1-B942-45EE-96F9-CE1A6DC659D4}" type="slidenum">
               <a:t>&lt;#&gt;</a:t>
             </a:fld>
           </a:p>
@@ -13924,9 +13924,32 @@
           <a:chExt cx="0" cy="0"/>
         </a:xfrm>
       </p:grpSpPr>
-      <p:sp>
-        <p:nvSpPr>
-          <p:cNvPr id="0" name="PlaceHolder 1"/>
+      <p:pic>
+        <p:nvPicPr>
+          <p:cNvPr id="0" name="Google Shape;13;p2" descr=""/>
+          <p:cNvPicPr/>
+          <p:nvPr/>
+        </p:nvPicPr>
+        <p:blipFill>
+          <a:blip r:embed="rId2"/>
+          <a:stretch/>
+        </p:blipFill>
+        <p:spPr>
+          <a:xfrm>
+            <a:off x="8421840" y="4841280"/>
+            <a:ext cx="464040" cy="155880"/>
+          </a:xfrm>
+          <a:prstGeom prst="rect">
+            <a:avLst/>
+          </a:prstGeom>
+          <a:ln w="0">
+            <a:noFill/>
+          </a:ln>
+        </p:spPr>
+      </p:pic>
+      <p:sp>
+        <p:nvSpPr>
+          <p:cNvPr id="1" name="PlaceHolder 1"/>
           <p:cNvSpPr>
             <a:spLocks noGrp="1"/>
           </p:cNvSpPr>
@@ -13936,27 +13959,27 @@
         </p:nvSpPr>
         <p:spPr>
           <a:xfrm>
-            <a:off x="311760" y="744480"/>
-            <a:ext cx="8520120" cy="2052360"/>
-          </a:xfrm>
-          <a:prstGeom prst="rect">
-            <a:avLst/>
-          </a:prstGeom>
-          <a:noFill/>
-          <a:ln w="0">
-            <a:noFill/>
-          </a:ln>
-        </p:spPr>
-        <p:txBody>
-          <a:bodyPr tIns="91440" bIns="91440" anchor="b">
-            <a:normAutofit/>
+            <a:off x="457200" y="205200"/>
+            <a:ext cx="8228880" cy="858240"/>
+          </a:xfrm>
+          <a:prstGeom prst="rect">
+            <a:avLst/>
+          </a:prstGeom>
+          <a:noFill/>
+          <a:ln w="0">
+            <a:noFill/>
+          </a:ln>
+        </p:spPr>
+        <p:txBody>
+          <a:bodyPr lIns="0" rIns="0" tIns="0" bIns="0" anchor="ctr">
+            <a:noAutofit/>
           </a:bodyPr>
           <a:p>
             <a:pPr indent="0">
               <a:buNone/>
             </a:pPr>
             <a:r>
-              <a:rPr b="0" lang="en-US" sz="5200" spc="-1" strike="noStrike">
+              <a:rPr b="0" lang="en-US" sz="1800" spc="-1" strike="noStrike">
                 <a:solidFill>
                   <a:srgbClr val="000000"/>
                 </a:solidFill>
@@ -13964,18 +13987,18 @@
               </a:rPr>
               <a:t>Click to edit the title text format</a:t>
             </a:r>
-            <a:endParaRPr b="0" lang="en-US" sz="5200" spc="-1" strike="noStrike">
-              <a:solidFill>
-                <a:srgbClr val="000000"/>
-              </a:solidFill>
-              <a:latin typeface="Arial"/>
-            </a:endParaRPr>
-          </a:p>
-        </p:txBody>
-      </p:sp>
-      <p:sp>
-        <p:nvSpPr>
-          <p:cNvPr id="1" name="PlaceHolder 2"/>
+            <a:endParaRPr b="0" lang="en-US" sz="1800" spc="-1" strike="noStrike">
+              <a:solidFill>
+                <a:srgbClr val="000000"/>
+              </a:solidFill>
+              <a:latin typeface="Arial"/>
+            </a:endParaRPr>
+          </a:p>
+        </p:txBody>
+      </p:sp>
+      <p:sp>
+        <p:nvSpPr>
+          <p:cNvPr id="2" name="PlaceHolder 2"/>
           <p:cNvSpPr>
             <a:spLocks noGrp="1"/>
           </p:cNvSpPr>
@@ -13986,19 +14009,19 @@
         <p:spPr>
           <a:xfrm>
             <a:off x="8472600" y="4663080"/>
-            <a:ext cx="548280" cy="393120"/>
-          </a:xfrm>
-          <a:prstGeom prst="rect">
-            <a:avLst/>
-          </a:prstGeom>
-          <a:noFill/>
-          <a:ln w="0">
-            <a:noFill/>
-          </a:ln>
-        </p:spPr>
-        <p:txBody>
-          <a:bodyPr tIns="91440" bIns="91440" anchor="ctr">
-            <a:normAutofit/>
+            <a:ext cx="547920" cy="392760"/>
+          </a:xfrm>
+          <a:prstGeom prst="rect">
+            <a:avLst/>
+          </a:prstGeom>
+          <a:noFill/>
+          <a:ln w="0">
+            <a:noFill/>
+          </a:ln>
+        </p:spPr>
+        <p:txBody>
+          <a:bodyPr lIns="90000" rIns="90000" tIns="91440" bIns="91440" anchor="ctr">
+            <a:noAutofit/>
           </a:bodyPr>
           <a:lstStyle>
             <a:lvl1pPr indent="0" algn="r">
@@ -14028,7 +14051,7 @@
                 <a:tab algn="l" pos="0"/>
               </a:tabLst>
             </a:pPr>
-            <a:fld id="{B1FF0670-C6EB-4B1A-949F-ED0081932BB0}" type="slidenum">
+            <a:fld id="{7871F446-CA35-4FAC-B44E-FE3378471ECB}" type="slidenum">
               <a:rPr b="0" lang="en" sz="1000" spc="-1" strike="noStrike">
                 <a:solidFill>
                   <a:schemeClr val="dk2"/>
@@ -14047,29 +14070,6 @@
           </a:p>
         </p:txBody>
       </p:sp>
-      <p:pic>
-        <p:nvPicPr>
-          <p:cNvPr id="2" name="Google Shape;13;p2" descr=""/>
-          <p:cNvPicPr/>
-          <p:nvPr/>
-        </p:nvPicPr>
-        <p:blipFill>
-          <a:blip r:embed="rId2"/>
-          <a:stretch/>
-        </p:blipFill>
-        <p:spPr>
-          <a:xfrm>
-            <a:off x="8421840" y="4841280"/>
-            <a:ext cx="464400" cy="156240"/>
-          </a:xfrm>
-          <a:prstGeom prst="rect">
-            <a:avLst/>
-          </a:prstGeom>
-          <a:ln w="0">
-            <a:noFill/>
-          </a:ln>
-        </p:spPr>
-      </p:pic>
       <p:sp>
         <p:nvSpPr>
           <p:cNvPr id="3" name="PlaceHolder 3"/>
@@ -14110,7 +14110,7 @@
               <a:buChar char=""/>
             </a:pPr>
             <a:r>
-              <a:rPr b="0" lang="en-US" sz="1400" spc="-1" strike="noStrike">
+              <a:rPr b="0" lang="en-US" sz="3200" spc="-1" strike="noStrike">
                 <a:solidFill>
                   <a:srgbClr val="000000"/>
                 </a:solidFill>
@@ -14118,7 +14118,7 @@
               </a:rPr>
               <a:t>Click to edit the outline text format</a:t>
             </a:r>
-            <a:endParaRPr b="0" lang="en-US" sz="1400" spc="-1" strike="noStrike">
+            <a:endParaRPr b="0" lang="en-US" sz="3200" spc="-1" strike="noStrike">
               <a:solidFill>
                 <a:srgbClr val="000000"/>
               </a:solidFill>
@@ -14138,7 +14138,7 @@
               <a:buChar char=""/>
             </a:pPr>
             <a:r>
-              <a:rPr b="0" lang="en-US" sz="1400" spc="-1" strike="noStrike">
+              <a:rPr b="0" lang="en-US" sz="2800" spc="-1" strike="noStrike">
                 <a:solidFill>
                   <a:srgbClr val="000000"/>
                 </a:solidFill>
@@ -14146,7 +14146,7 @@
               </a:rPr>
               <a:t>Second Outline Level</a:t>
             </a:r>
-            <a:endParaRPr b="0" lang="en-US" sz="1400" spc="-1" strike="noStrike">
+            <a:endParaRPr b="0" lang="en-US" sz="2800" spc="-1" strike="noStrike">
               <a:solidFill>
                 <a:srgbClr val="000000"/>
               </a:solidFill>
@@ -14166,7 +14166,7 @@
               <a:buChar char=""/>
             </a:pPr>
             <a:r>
-              <a:rPr b="0" lang="en-US" sz="1400" spc="-1" strike="noStrike">
+              <a:rPr b="0" lang="en-US" sz="2400" spc="-1" strike="noStrike">
                 <a:solidFill>
                   <a:srgbClr val="000000"/>
                 </a:solidFill>
@@ -14174,7 +14174,7 @@
               </a:rPr>
               <a:t>Third Outline Level</a:t>
             </a:r>
-            <a:endParaRPr b="0" lang="en-US" sz="1400" spc="-1" strike="noStrike">
+            <a:endParaRPr b="0" lang="en-US" sz="2400" spc="-1" strike="noStrike">
               <a:solidFill>
                 <a:srgbClr val="000000"/>
               </a:solidFill>
@@ -14194,7 +14194,7 @@
               <a:buChar char=""/>
             </a:pPr>
             <a:r>
-              <a:rPr b="0" lang="en-US" sz="1400" spc="-1" strike="noStrike">
+              <a:rPr b="0" lang="en-US" sz="2000" spc="-1" strike="noStrike">
                 <a:solidFill>
                   <a:srgbClr val="000000"/>
                 </a:solidFill>
@@ -14202,7 +14202,7 @@
               </a:rPr>
               <a:t>Fourth Outline Level</a:t>
             </a:r>
-            <a:endParaRPr b="0" lang="en-US" sz="1400" spc="-1" strike="noStrike">
+            <a:endParaRPr b="0" lang="en-US" sz="2000" spc="-1" strike="noStrike">
               <a:solidFill>
                 <a:srgbClr val="000000"/>
               </a:solidFill>
@@ -14352,7 +14352,7 @@
         <p:spPr>
           <a:xfrm>
             <a:off x="8421840" y="4841280"/>
-            <a:ext cx="464400" cy="152640"/>
+            <a:ext cx="464040" cy="152280"/>
           </a:xfrm>
           <a:prstGeom prst="rect">
             <a:avLst/>
@@ -14371,7 +14371,7 @@
         <p:spPr>
           <a:xfrm>
             <a:off x="0" y="329040"/>
-            <a:ext cx="69120" cy="752760"/>
+            <a:ext cx="68760" cy="752400"/>
           </a:xfrm>
           <a:prstGeom prst="rect">
             <a:avLst/>
@@ -14390,7 +14390,7 @@
           <a:fontRef idx="minor"/>
         </p:style>
         <p:txBody>
-          <a:bodyPr tIns="91440" bIns="91440" anchor="ctr">
+          <a:bodyPr lIns="90000" rIns="90000" tIns="91440" bIns="91440" anchor="ctr">
             <a:noAutofit/>
           </a:bodyPr>
           <a:p>
@@ -14407,6 +14407,7 @@
                 <a:srgbClr val="000000"/>
               </a:solidFill>
               <a:latin typeface="Arial"/>
+              <a:ea typeface="DejaVu Sans"/>
             </a:endParaRPr>
           </a:p>
         </p:txBody>
@@ -14424,7 +14425,7 @@
         <p:spPr>
           <a:xfrm>
             <a:off x="8421840" y="4841280"/>
-            <a:ext cx="464400" cy="156240"/>
+            <a:ext cx="464040" cy="155880"/>
           </a:xfrm>
           <a:prstGeom prst="rect">
             <a:avLst/>
@@ -14462,11 +14463,11 @@
             <a:noAutofit/>
           </a:bodyPr>
           <a:p>
-            <a:pPr indent="0">
+            <a:pPr indent="0" algn="ctr">
               <a:buNone/>
             </a:pPr>
             <a:r>
-              <a:rPr b="0" lang="en-US" sz="1400" spc="-1" strike="noStrike">
+              <a:rPr b="0" lang="en-US" sz="4400" spc="-1" strike="noStrike">
                 <a:solidFill>
                   <a:srgbClr val="000000"/>
                 </a:solidFill>
@@ -14474,7 +14475,7 @@
               </a:rPr>
               <a:t>Click to edit the title text format</a:t>
             </a:r>
-            <a:endParaRPr b="0" lang="en-US" sz="1400" spc="-1" strike="noStrike">
+            <a:endParaRPr b="0" lang="en-US" sz="4400" spc="-1" strike="noStrike">
               <a:solidFill>
                 <a:srgbClr val="000000"/>
               </a:solidFill>
@@ -14523,7 +14524,7 @@
               <a:buChar char=""/>
             </a:pPr>
             <a:r>
-              <a:rPr b="0" lang="en-US" sz="1400" spc="-1" strike="noStrike">
+              <a:rPr b="0" lang="en-US" sz="3200" spc="-1" strike="noStrike">
                 <a:solidFill>
                   <a:srgbClr val="000000"/>
                 </a:solidFill>
@@ -14531,7 +14532,7 @@
               </a:rPr>
               <a:t>Click to edit the outline text format</a:t>
             </a:r>
-            <a:endParaRPr b="0" lang="en-US" sz="1400" spc="-1" strike="noStrike">
+            <a:endParaRPr b="0" lang="en-US" sz="3200" spc="-1" strike="noStrike">
               <a:solidFill>
                 <a:srgbClr val="000000"/>
               </a:solidFill>
@@ -14551,7 +14552,7 @@
               <a:buChar char=""/>
             </a:pPr>
             <a:r>
-              <a:rPr b="0" lang="en-US" sz="1400" spc="-1" strike="noStrike">
+              <a:rPr b="0" lang="en-US" sz="2800" spc="-1" strike="noStrike">
                 <a:solidFill>
                   <a:srgbClr val="000000"/>
                 </a:solidFill>
@@ -14559,7 +14560,7 @@
               </a:rPr>
               <a:t>Second Outline Level</a:t>
             </a:r>
-            <a:endParaRPr b="0" lang="en-US" sz="1400" spc="-1" strike="noStrike">
+            <a:endParaRPr b="0" lang="en-US" sz="2800" spc="-1" strike="noStrike">
               <a:solidFill>
                 <a:srgbClr val="000000"/>
               </a:solidFill>
@@ -14579,7 +14580,7 @@
               <a:buChar char=""/>
             </a:pPr>
             <a:r>
-              <a:rPr b="0" lang="en-US" sz="1400" spc="-1" strike="noStrike">
+              <a:rPr b="0" lang="en-US" sz="2400" spc="-1" strike="noStrike">
                 <a:solidFill>
                   <a:srgbClr val="000000"/>
                 </a:solidFill>
@@ -14587,7 +14588,7 @@
               </a:rPr>
               <a:t>Third Outline Level</a:t>
             </a:r>
-            <a:endParaRPr b="0" lang="en-US" sz="1400" spc="-1" strike="noStrike">
+            <a:endParaRPr b="0" lang="en-US" sz="2400" spc="-1" strike="noStrike">
               <a:solidFill>
                 <a:srgbClr val="000000"/>
               </a:solidFill>
@@ -14607,7 +14608,7 @@
               <a:buChar char=""/>
             </a:pPr>
             <a:r>
-              <a:rPr b="0" lang="en-US" sz="1400" spc="-1" strike="noStrike">
+              <a:rPr b="0" lang="en-US" sz="2000" spc="-1" strike="noStrike">
                 <a:solidFill>
                   <a:srgbClr val="000000"/>
                 </a:solidFill>
@@ -14615,7 +14616,7 @@
               </a:rPr>
               <a:t>Fourth Outline Level</a:t>
             </a:r>
-            <a:endParaRPr b="0" lang="en-US" sz="1400" spc="-1" strike="noStrike">
+            <a:endParaRPr b="0" lang="en-US" sz="2000" spc="-1" strike="noStrike">
               <a:solidFill>
                 <a:srgbClr val="000000"/>
               </a:solidFill>
@@ -14754,7 +14755,80 @@
       </p:grpSpPr>
       <p:sp>
         <p:nvSpPr>
-          <p:cNvPr id="81" name="PlaceHolder 1"/>
+          <p:cNvPr id="81" name="Google Shape;51;p12"/>
+          <p:cNvSpPr/>
+          <p:nvPr/>
+        </p:nvSpPr>
+        <p:spPr>
+          <a:xfrm>
+            <a:off x="0" y="329040"/>
+            <a:ext cx="68760" cy="752400"/>
+          </a:xfrm>
+          <a:prstGeom prst="rect">
+            <a:avLst/>
+          </a:prstGeom>
+          <a:solidFill>
+            <a:srgbClr val="4285f4"/>
+          </a:solidFill>
+          <a:ln w="0">
+            <a:noFill/>
+          </a:ln>
+        </p:spPr>
+        <p:style>
+          <a:lnRef idx="0"/>
+          <a:fillRef idx="0"/>
+          <a:effectRef idx="0"/>
+          <a:fontRef idx="minor"/>
+        </p:style>
+        <p:txBody>
+          <a:bodyPr lIns="90000" rIns="90000" tIns="91440" bIns="91440" anchor="ctr">
+            <a:noAutofit/>
+          </a:bodyPr>
+          <a:p>
+            <a:pPr>
+              <a:lnSpc>
+                <a:spcPct val="100000"/>
+              </a:lnSpc>
+              <a:tabLst>
+                <a:tab algn="l" pos="0"/>
+              </a:tabLst>
+            </a:pPr>
+            <a:endParaRPr b="0" lang="en-US" sz="1400" spc="-1" strike="noStrike">
+              <a:solidFill>
+                <a:srgbClr val="000000"/>
+              </a:solidFill>
+              <a:latin typeface="Arial"/>
+              <a:ea typeface="DejaVu Sans"/>
+            </a:endParaRPr>
+          </a:p>
+        </p:txBody>
+      </p:sp>
+      <p:pic>
+        <p:nvPicPr>
+          <p:cNvPr id="82" name="Google Shape;52;p12" descr=""/>
+          <p:cNvPicPr/>
+          <p:nvPr/>
+        </p:nvPicPr>
+        <p:blipFill>
+          <a:blip r:embed="rId2"/>
+          <a:stretch/>
+        </p:blipFill>
+        <p:spPr>
+          <a:xfrm>
+            <a:off x="8421840" y="4841280"/>
+            <a:ext cx="464040" cy="155880"/>
+          </a:xfrm>
+          <a:prstGeom prst="rect">
+            <a:avLst/>
+          </a:prstGeom>
+          <a:ln w="0">
+            <a:noFill/>
+          </a:ln>
+        </p:spPr>
+      </p:pic>
+      <p:sp>
+        <p:nvSpPr>
+          <p:cNvPr id="83" name="PlaceHolder 1"/>
           <p:cNvSpPr>
             <a:spLocks noGrp="1"/>
           </p:cNvSpPr>
@@ -14765,19 +14839,19 @@
         <p:spPr>
           <a:xfrm>
             <a:off x="8472600" y="4663080"/>
-            <a:ext cx="548280" cy="393120"/>
-          </a:xfrm>
-          <a:prstGeom prst="rect">
-            <a:avLst/>
-          </a:prstGeom>
-          <a:noFill/>
-          <a:ln w="0">
-            <a:noFill/>
-          </a:ln>
-        </p:spPr>
-        <p:txBody>
-          <a:bodyPr tIns="91440" bIns="91440" anchor="ctr">
-            <a:normAutofit/>
+            <a:ext cx="547920" cy="392760"/>
+          </a:xfrm>
+          <a:prstGeom prst="rect">
+            <a:avLst/>
+          </a:prstGeom>
+          <a:noFill/>
+          <a:ln w="0">
+            <a:noFill/>
+          </a:ln>
+        </p:spPr>
+        <p:txBody>
+          <a:bodyPr lIns="90000" rIns="90000" tIns="91440" bIns="91440" anchor="ctr">
+            <a:noAutofit/>
           </a:bodyPr>
           <a:lstStyle>
             <a:lvl1pPr indent="0" algn="r">
@@ -14807,7 +14881,7 @@
                 <a:tab algn="l" pos="0"/>
               </a:tabLst>
             </a:pPr>
-            <a:fld id="{38EA7269-865C-40A9-A4B3-64C07B79E34E}" type="slidenum">
+            <a:fld id="{D8ED4894-A0E6-4CAA-8C74-435F6B892237}" type="slidenum">
               <a:rPr b="0" lang="en" sz="1000" spc="-1" strike="noStrike">
                 <a:solidFill>
                   <a:schemeClr val="dk2"/>
@@ -14828,78 +14902,6 @@
       </p:sp>
       <p:sp>
         <p:nvSpPr>
-          <p:cNvPr id="82" name="Google Shape;51;p12"/>
-          <p:cNvSpPr/>
-          <p:nvPr/>
-        </p:nvSpPr>
-        <p:spPr>
-          <a:xfrm>
-            <a:off x="0" y="329040"/>
-            <a:ext cx="69120" cy="752760"/>
-          </a:xfrm>
-          <a:prstGeom prst="rect">
-            <a:avLst/>
-          </a:prstGeom>
-          <a:solidFill>
-            <a:srgbClr val="4285f4"/>
-          </a:solidFill>
-          <a:ln w="0">
-            <a:noFill/>
-          </a:ln>
-        </p:spPr>
-        <p:style>
-          <a:lnRef idx="0"/>
-          <a:fillRef idx="0"/>
-          <a:effectRef idx="0"/>
-          <a:fontRef idx="minor"/>
-        </p:style>
-        <p:txBody>
-          <a:bodyPr tIns="91440" bIns="91440" anchor="ctr">
-            <a:noAutofit/>
-          </a:bodyPr>
-          <a:p>
-            <a:pPr>
-              <a:lnSpc>
-                <a:spcPct val="100000"/>
-              </a:lnSpc>
-              <a:tabLst>
-                <a:tab algn="l" pos="0"/>
-              </a:tabLst>
-            </a:pPr>
-            <a:endParaRPr b="0" lang="en-US" sz="1400" spc="-1" strike="noStrike">
-              <a:solidFill>
-                <a:srgbClr val="000000"/>
-              </a:solidFill>
-              <a:latin typeface="Arial"/>
-            </a:endParaRPr>
-          </a:p>
-        </p:txBody>
-      </p:sp>
-      <p:pic>
-        <p:nvPicPr>
-          <p:cNvPr id="83" name="Google Shape;52;p12" descr=""/>
-          <p:cNvPicPr/>
-          <p:nvPr/>
-        </p:nvPicPr>
-        <p:blipFill>
-          <a:blip r:embed="rId2"/>
-          <a:stretch/>
-        </p:blipFill>
-        <p:spPr>
-          <a:xfrm>
-            <a:off x="8421840" y="4841280"/>
-            <a:ext cx="464400" cy="156240"/>
-          </a:xfrm>
-          <a:prstGeom prst="rect">
-            <a:avLst/>
-          </a:prstGeom>
-          <a:ln w="0">
-            <a:noFill/>
-          </a:ln>
-        </p:spPr>
-      </p:pic>
-      <p:sp>
-        <p:nvSpPr>
           <p:cNvPr id="84" name="PlaceHolder 2"/>
           <p:cNvSpPr>
             <a:spLocks noGrp="1"/>
@@ -14926,11 +14928,11 @@
             <a:noAutofit/>
           </a:bodyPr>
           <a:p>
-            <a:pPr indent="0">
+            <a:pPr indent="0" algn="ctr">
               <a:buNone/>
             </a:pPr>
             <a:r>
-              <a:rPr b="0" lang="en-US" sz="1400" spc="-1" strike="noStrike">
+              <a:rPr b="0" lang="en-US" sz="4400" spc="-1" strike="noStrike">
                 <a:solidFill>
                   <a:srgbClr val="000000"/>
                 </a:solidFill>
@@ -14938,7 +14940,7 @@
               </a:rPr>
               <a:t>Click to edit the title text format</a:t>
             </a:r>
-            <a:endParaRPr b="0" lang="en-US" sz="1400" spc="-1" strike="noStrike">
+            <a:endParaRPr b="0" lang="en-US" sz="4400" spc="-1" strike="noStrike">
               <a:solidFill>
                 <a:srgbClr val="000000"/>
               </a:solidFill>
@@ -14987,7 +14989,7 @@
               <a:buChar char=""/>
             </a:pPr>
             <a:r>
-              <a:rPr b="0" lang="en-US" sz="1400" spc="-1" strike="noStrike">
+              <a:rPr b="0" lang="en-US" sz="3200" spc="-1" strike="noStrike">
                 <a:solidFill>
                   <a:srgbClr val="000000"/>
                 </a:solidFill>
@@ -14995,7 +14997,7 @@
               </a:rPr>
               <a:t>Click to edit the outline text format</a:t>
             </a:r>
-            <a:endParaRPr b="0" lang="en-US" sz="1400" spc="-1" strike="noStrike">
+            <a:endParaRPr b="0" lang="en-US" sz="3200" spc="-1" strike="noStrike">
               <a:solidFill>
                 <a:srgbClr val="000000"/>
               </a:solidFill>
@@ -15015,7 +15017,7 @@
               <a:buChar char=""/>
             </a:pPr>
             <a:r>
-              <a:rPr b="0" lang="en-US" sz="1400" spc="-1" strike="noStrike">
+              <a:rPr b="0" lang="en-US" sz="2800" spc="-1" strike="noStrike">
                 <a:solidFill>
                   <a:srgbClr val="000000"/>
                 </a:solidFill>
@@ -15023,7 +15025,7 @@
               </a:rPr>
               <a:t>Second Outline Level</a:t>
             </a:r>
-            <a:endParaRPr b="0" lang="en-US" sz="1400" spc="-1" strike="noStrike">
+            <a:endParaRPr b="0" lang="en-US" sz="2800" spc="-1" strike="noStrike">
               <a:solidFill>
                 <a:srgbClr val="000000"/>
               </a:solidFill>
@@ -15043,7 +15045,7 @@
               <a:buChar char=""/>
             </a:pPr>
             <a:r>
-              <a:rPr b="0" lang="en-US" sz="1400" spc="-1" strike="noStrike">
+              <a:rPr b="0" lang="en-US" sz="2400" spc="-1" strike="noStrike">
                 <a:solidFill>
                   <a:srgbClr val="000000"/>
                 </a:solidFill>
@@ -15051,7 +15053,7 @@
               </a:rPr>
               <a:t>Third Outline Level</a:t>
             </a:r>
-            <a:endParaRPr b="0" lang="en-US" sz="1400" spc="-1" strike="noStrike">
+            <a:endParaRPr b="0" lang="en-US" sz="2400" spc="-1" strike="noStrike">
               <a:solidFill>
                 <a:srgbClr val="000000"/>
               </a:solidFill>
@@ -15071,7 +15073,7 @@
               <a:buChar char=""/>
             </a:pPr>
             <a:r>
-              <a:rPr b="0" lang="en-US" sz="1400" spc="-1" strike="noStrike">
+              <a:rPr b="0" lang="en-US" sz="2000" spc="-1" strike="noStrike">
                 <a:solidFill>
                   <a:srgbClr val="000000"/>
                 </a:solidFill>
@@ -15079,7 +15081,7 @@
               </a:rPr>
               <a:t>Fourth Outline Level</a:t>
             </a:r>
-            <a:endParaRPr b="0" lang="en-US" sz="1400" spc="-1" strike="noStrike">
+            <a:endParaRPr b="0" lang="en-US" sz="2000" spc="-1" strike="noStrike">
               <a:solidFill>
                 <a:srgbClr val="000000"/>
               </a:solidFill>
@@ -15218,7 +15220,80 @@
       </p:grpSpPr>
       <p:sp>
         <p:nvSpPr>
-          <p:cNvPr id="122" name="PlaceHolder 1"/>
+          <p:cNvPr id="122" name="Google Shape;55;p13"/>
+          <p:cNvSpPr/>
+          <p:nvPr/>
+        </p:nvSpPr>
+        <p:spPr>
+          <a:xfrm>
+            <a:off x="0" y="329040"/>
+            <a:ext cx="68760" cy="752400"/>
+          </a:xfrm>
+          <a:prstGeom prst="rect">
+            <a:avLst/>
+          </a:prstGeom>
+          <a:solidFill>
+            <a:srgbClr val="ea4335"/>
+          </a:solidFill>
+          <a:ln w="0">
+            <a:noFill/>
+          </a:ln>
+        </p:spPr>
+        <p:style>
+          <a:lnRef idx="0"/>
+          <a:fillRef idx="0"/>
+          <a:effectRef idx="0"/>
+          <a:fontRef idx="minor"/>
+        </p:style>
+        <p:txBody>
+          <a:bodyPr lIns="90000" rIns="90000" tIns="91440" bIns="91440" anchor="ctr">
+            <a:noAutofit/>
+          </a:bodyPr>
+          <a:p>
+            <a:pPr>
+              <a:lnSpc>
+                <a:spcPct val="100000"/>
+              </a:lnSpc>
+              <a:tabLst>
+                <a:tab algn="l" pos="0"/>
+              </a:tabLst>
+            </a:pPr>
+            <a:endParaRPr b="0" lang="en-US" sz="1400" spc="-1" strike="noStrike">
+              <a:solidFill>
+                <a:srgbClr val="000000"/>
+              </a:solidFill>
+              <a:latin typeface="Arial"/>
+              <a:ea typeface="DejaVu Sans"/>
+            </a:endParaRPr>
+          </a:p>
+        </p:txBody>
+      </p:sp>
+      <p:pic>
+        <p:nvPicPr>
+          <p:cNvPr id="123" name="Google Shape;56;p13" descr=""/>
+          <p:cNvPicPr/>
+          <p:nvPr/>
+        </p:nvPicPr>
+        <p:blipFill>
+          <a:blip r:embed="rId2"/>
+          <a:stretch/>
+        </p:blipFill>
+        <p:spPr>
+          <a:xfrm>
+            <a:off x="8421840" y="4841280"/>
+            <a:ext cx="464040" cy="155880"/>
+          </a:xfrm>
+          <a:prstGeom prst="rect">
+            <a:avLst/>
+          </a:prstGeom>
+          <a:ln w="0">
+            <a:noFill/>
+          </a:ln>
+        </p:spPr>
+      </p:pic>
+      <p:sp>
+        <p:nvSpPr>
+          <p:cNvPr id="124" name="PlaceHolder 1"/>
           <p:cNvSpPr>
             <a:spLocks noGrp="1"/>
           </p:cNvSpPr>
@@ -15229,19 +15304,19 @@
         <p:spPr>
           <a:xfrm>
             <a:off x="8472600" y="4663080"/>
-            <a:ext cx="548280" cy="393120"/>
-          </a:xfrm>
-          <a:prstGeom prst="rect">
-            <a:avLst/>
-          </a:prstGeom>
-          <a:noFill/>
-          <a:ln w="0">
-            <a:noFill/>
-          </a:ln>
-        </p:spPr>
-        <p:txBody>
-          <a:bodyPr tIns="91440" bIns="91440" anchor="ctr">
-            <a:normAutofit/>
+            <a:ext cx="547920" cy="392760"/>
+          </a:xfrm>
+          <a:prstGeom prst="rect">
+            <a:avLst/>
+          </a:prstGeom>
+          <a:noFill/>
+          <a:ln w="0">
+            <a:noFill/>
+          </a:ln>
+        </p:spPr>
+        <p:txBody>
+          <a:bodyPr lIns="90000" rIns="90000" tIns="91440" bIns="91440" anchor="ctr">
+            <a:noAutofit/>
           </a:bodyPr>
           <a:lstStyle>
             <a:lvl1pPr indent="0" algn="r">
@@ -15271,7 +15346,7 @@
                 <a:tab algn="l" pos="0"/>
               </a:tabLst>
             </a:pPr>
-            <a:fld id="{9B9C6417-DA90-4DAE-A67E-0CDBA71EFD89}" type="slidenum">
+            <a:fld id="{EE0F3EC9-8C77-4A6A-934E-EDBEE25CB1C6}" type="slidenum">
               <a:rPr b="0" lang="en" sz="1000" spc="-1" strike="noStrike">
                 <a:solidFill>
                   <a:schemeClr val="dk2"/>
@@ -15292,78 +15367,6 @@
       </p:sp>
       <p:sp>
         <p:nvSpPr>
-          <p:cNvPr id="123" name="Google Shape;55;p13"/>
-          <p:cNvSpPr/>
-          <p:nvPr/>
-        </p:nvSpPr>
-        <p:spPr>
-          <a:xfrm>
-            <a:off x="0" y="329040"/>
-            <a:ext cx="69120" cy="752760"/>
-          </a:xfrm>
-          <a:prstGeom prst="rect">
-            <a:avLst/>
-          </a:prstGeom>
-          <a:solidFill>
-            <a:srgbClr val="ea4335"/>
-          </a:solidFill>
-          <a:ln w="0">
-            <a:noFill/>
-          </a:ln>
-        </p:spPr>
-        <p:style>
-          <a:lnRef idx="0"/>
-          <a:fillRef idx="0"/>
-          <a:effectRef idx="0"/>
-          <a:fontRef idx="minor"/>
-        </p:style>
-        <p:txBody>
-          <a:bodyPr tIns="91440" bIns="91440" anchor="ctr">
-            <a:noAutofit/>
-          </a:bodyPr>
-          <a:p>
-            <a:pPr>
-              <a:lnSpc>
-                <a:spcPct val="100000"/>
-              </a:lnSpc>
-              <a:tabLst>
-                <a:tab algn="l" pos="0"/>
-              </a:tabLst>
-            </a:pPr>
-            <a:endParaRPr b="0" lang="en-US" sz="1400" spc="-1" strike="noStrike">
-              <a:solidFill>
-                <a:srgbClr val="000000"/>
-              </a:solidFill>
-              <a:latin typeface="Arial"/>
-            </a:endParaRPr>
-          </a:p>
-        </p:txBody>
-      </p:sp>
-      <p:pic>
-        <p:nvPicPr>
-          <p:cNvPr id="124" name="Google Shape;56;p13" descr=""/>
-          <p:cNvPicPr/>
-          <p:nvPr/>
-        </p:nvPicPr>
-        <p:blipFill>
-          <a:blip r:embed="rId2"/>
-          <a:stretch/>
-        </p:blipFill>
-        <p:spPr>
-          <a:xfrm>
-            <a:off x="8421840" y="4841280"/>
-            <a:ext cx="464400" cy="156240"/>
-          </a:xfrm>
-          <a:prstGeom prst="rect">
-            <a:avLst/>
-          </a:prstGeom>
-          <a:ln w="0">
-            <a:noFill/>
-          </a:ln>
-        </p:spPr>
-      </p:pic>
-      <p:sp>
-        <p:nvSpPr>
           <p:cNvPr id="125" name="PlaceHolder 2"/>
           <p:cNvSpPr>
             <a:spLocks noGrp="1"/>
@@ -15390,11 +15393,11 @@
             <a:noAutofit/>
           </a:bodyPr>
           <a:p>
-            <a:pPr indent="0">
+            <a:pPr indent="0" algn="ctr">
               <a:buNone/>
             </a:pPr>
             <a:r>
-              <a:rPr b="0" lang="en-US" sz="1400" spc="-1" strike="noStrike">
+              <a:rPr b="0" lang="en-US" sz="4400" spc="-1" strike="noStrike">
                 <a:solidFill>
                   <a:srgbClr val="000000"/>
                 </a:solidFill>
@@ -15402,7 +15405,7 @@
               </a:rPr>
               <a:t>Click to edit the title text format</a:t>
             </a:r>
-            <a:endParaRPr b="0" lang="en-US" sz="1400" spc="-1" strike="noStrike">
+            <a:endParaRPr b="0" lang="en-US" sz="4400" spc="-1" strike="noStrike">
               <a:solidFill>
                 <a:srgbClr val="000000"/>
               </a:solidFill>
@@ -15451,7 +15454,7 @@
               <a:buChar char=""/>
             </a:pPr>
             <a:r>
-              <a:rPr b="0" lang="en-US" sz="1400" spc="-1" strike="noStrike">
+              <a:rPr b="0" lang="en-US" sz="3200" spc="-1" strike="noStrike">
                 <a:solidFill>
                   <a:srgbClr val="000000"/>
                 </a:solidFill>
@@ -15459,7 +15462,7 @@
               </a:rPr>
               <a:t>Click to edit the outline text format</a:t>
             </a:r>
-            <a:endParaRPr b="0" lang="en-US" sz="1400" spc="-1" strike="noStrike">
+            <a:endParaRPr b="0" lang="en-US" sz="3200" spc="-1" strike="noStrike">
               <a:solidFill>
                 <a:srgbClr val="000000"/>
               </a:solidFill>
@@ -15479,7 +15482,7 @@
               <a:buChar char=""/>
             </a:pPr>
             <a:r>
-              <a:rPr b="0" lang="en-US" sz="1400" spc="-1" strike="noStrike">
+              <a:rPr b="0" lang="en-US" sz="2800" spc="-1" strike="noStrike">
                 <a:solidFill>
                   <a:srgbClr val="000000"/>
                 </a:solidFill>
@@ -15487,7 +15490,7 @@
               </a:rPr>
               <a:t>Second Outline Level</a:t>
             </a:r>
-            <a:endParaRPr b="0" lang="en-US" sz="1400" spc="-1" strike="noStrike">
+            <a:endParaRPr b="0" lang="en-US" sz="2800" spc="-1" strike="noStrike">
               <a:solidFill>
                 <a:srgbClr val="000000"/>
               </a:solidFill>
@@ -15507,7 +15510,7 @@
               <a:buChar char=""/>
             </a:pPr>
             <a:r>
-              <a:rPr b="0" lang="en-US" sz="1400" spc="-1" strike="noStrike">
+              <a:rPr b="0" lang="en-US" sz="2400" spc="-1" strike="noStrike">
                 <a:solidFill>
                   <a:srgbClr val="000000"/>
                 </a:solidFill>
@@ -15515,7 +15518,7 @@
               </a:rPr>
               <a:t>Third Outline Level</a:t>
             </a:r>
-            <a:endParaRPr b="0" lang="en-US" sz="1400" spc="-1" strike="noStrike">
+            <a:endParaRPr b="0" lang="en-US" sz="2400" spc="-1" strike="noStrike">
               <a:solidFill>
                 <a:srgbClr val="000000"/>
               </a:solidFill>
@@ -15535,7 +15538,7 @@
               <a:buChar char=""/>
             </a:pPr>
             <a:r>
-              <a:rPr b="0" lang="en-US" sz="1400" spc="-1" strike="noStrike">
+              <a:rPr b="0" lang="en-US" sz="2000" spc="-1" strike="noStrike">
                 <a:solidFill>
                   <a:srgbClr val="000000"/>
                 </a:solidFill>
@@ -15543,7 +15546,7 @@
               </a:rPr>
               <a:t>Fourth Outline Level</a:t>
             </a:r>
-            <a:endParaRPr b="0" lang="en-US" sz="1400" spc="-1" strike="noStrike">
+            <a:endParaRPr b="0" lang="en-US" sz="2000" spc="-1" strike="noStrike">
               <a:solidFill>
                 <a:srgbClr val="000000"/>
               </a:solidFill>
@@ -15682,7 +15685,80 @@
       </p:grpSpPr>
       <p:sp>
         <p:nvSpPr>
-          <p:cNvPr id="163" name="PlaceHolder 1"/>
+          <p:cNvPr id="163" name="Google Shape;71;p17"/>
+          <p:cNvSpPr/>
+          <p:nvPr/>
+        </p:nvSpPr>
+        <p:spPr>
+          <a:xfrm>
+            <a:off x="0" y="329040"/>
+            <a:ext cx="68760" cy="752400"/>
+          </a:xfrm>
+          <a:prstGeom prst="rect">
+            <a:avLst/>
+          </a:prstGeom>
+          <a:solidFill>
+            <a:srgbClr val="fbbc04"/>
+          </a:solidFill>
+          <a:ln w="0">
+            <a:noFill/>
+          </a:ln>
+        </p:spPr>
+        <p:style>
+          <a:lnRef idx="0"/>
+          <a:fillRef idx="0"/>
+          <a:effectRef idx="0"/>
+          <a:fontRef idx="minor"/>
+        </p:style>
+        <p:txBody>
+          <a:bodyPr lIns="90000" rIns="90000" tIns="91440" bIns="91440" anchor="ctr">
+            <a:noAutofit/>
+          </a:bodyPr>
+          <a:p>
+            <a:pPr>
+              <a:lnSpc>
+                <a:spcPct val="100000"/>
+              </a:lnSpc>
+              <a:tabLst>
+                <a:tab algn="l" pos="0"/>
+              </a:tabLst>
+            </a:pPr>
+            <a:endParaRPr b="0" lang="en-US" sz="1400" spc="-1" strike="noStrike">
+              <a:solidFill>
+                <a:srgbClr val="000000"/>
+              </a:solidFill>
+              <a:latin typeface="Arial"/>
+              <a:ea typeface="DejaVu Sans"/>
+            </a:endParaRPr>
+          </a:p>
+        </p:txBody>
+      </p:sp>
+      <p:pic>
+        <p:nvPicPr>
+          <p:cNvPr id="164" name="Google Shape;72;p17" descr=""/>
+          <p:cNvPicPr/>
+          <p:nvPr/>
+        </p:nvPicPr>
+        <p:blipFill>
+          <a:blip r:embed="rId2"/>
+          <a:stretch/>
+        </p:blipFill>
+        <p:spPr>
+          <a:xfrm>
+            <a:off x="8421840" y="4841280"/>
+            <a:ext cx="464040" cy="155880"/>
+          </a:xfrm>
+          <a:prstGeom prst="rect">
+            <a:avLst/>
+          </a:prstGeom>
+          <a:ln w="0">
+            <a:noFill/>
+          </a:ln>
+        </p:spPr>
+      </p:pic>
+      <p:sp>
+        <p:nvSpPr>
+          <p:cNvPr id="165" name="PlaceHolder 1"/>
           <p:cNvSpPr>
             <a:spLocks noGrp="1"/>
           </p:cNvSpPr>
@@ -15693,19 +15769,19 @@
         <p:spPr>
           <a:xfrm>
             <a:off x="8472600" y="4663080"/>
-            <a:ext cx="548280" cy="393120"/>
-          </a:xfrm>
-          <a:prstGeom prst="rect">
-            <a:avLst/>
-          </a:prstGeom>
-          <a:noFill/>
-          <a:ln w="0">
-            <a:noFill/>
-          </a:ln>
-        </p:spPr>
-        <p:txBody>
-          <a:bodyPr tIns="91440" bIns="91440" anchor="ctr">
-            <a:normAutofit/>
+            <a:ext cx="547920" cy="392760"/>
+          </a:xfrm>
+          <a:prstGeom prst="rect">
+            <a:avLst/>
+          </a:prstGeom>
+          <a:noFill/>
+          <a:ln w="0">
+            <a:noFill/>
+          </a:ln>
+        </p:spPr>
+        <p:txBody>
+          <a:bodyPr lIns="90000" rIns="90000" tIns="91440" bIns="91440" anchor="ctr">
+            <a:noAutofit/>
           </a:bodyPr>
           <a:lstStyle>
             <a:lvl1pPr indent="0" algn="r">
@@ -15735,7 +15811,7 @@
                 <a:tab algn="l" pos="0"/>
               </a:tabLst>
             </a:pPr>
-            <a:fld id="{B4E4D15F-E4FD-4E6F-ACBE-67B716CCC8B0}" type="slidenum">
+            <a:fld id="{4934A053-F37D-46EA-8FEE-F49D6BB37F8B}" type="slidenum">
               <a:rPr b="0" lang="en" sz="1000" spc="-1" strike="noStrike">
                 <a:solidFill>
                   <a:schemeClr val="dk2"/>
@@ -15756,78 +15832,6 @@
       </p:sp>
       <p:sp>
         <p:nvSpPr>
-          <p:cNvPr id="164" name="Google Shape;71;p17"/>
-          <p:cNvSpPr/>
-          <p:nvPr/>
-        </p:nvSpPr>
-        <p:spPr>
-          <a:xfrm>
-            <a:off x="0" y="329040"/>
-            <a:ext cx="69120" cy="752760"/>
-          </a:xfrm>
-          <a:prstGeom prst="rect">
-            <a:avLst/>
-          </a:prstGeom>
-          <a:solidFill>
-            <a:srgbClr val="fbbc04"/>
-          </a:solidFill>
-          <a:ln w="0">
-            <a:noFill/>
-          </a:ln>
-        </p:spPr>
-        <p:style>
-          <a:lnRef idx="0"/>
-          <a:fillRef idx="0"/>
-          <a:effectRef idx="0"/>
-          <a:fontRef idx="minor"/>
-        </p:style>
-        <p:txBody>
-          <a:bodyPr tIns="91440" bIns="91440" anchor="ctr">
-            <a:noAutofit/>
-          </a:bodyPr>
-          <a:p>
-            <a:pPr>
-              <a:lnSpc>
-                <a:spcPct val="100000"/>
-              </a:lnSpc>
-              <a:tabLst>
-                <a:tab algn="l" pos="0"/>
-              </a:tabLst>
-            </a:pPr>
-            <a:endParaRPr b="0" lang="en-US" sz="1400" spc="-1" strike="noStrike">
-              <a:solidFill>
-                <a:srgbClr val="000000"/>
-              </a:solidFill>
-              <a:latin typeface="Arial"/>
-            </a:endParaRPr>
-          </a:p>
-        </p:txBody>
-      </p:sp>
-      <p:pic>
-        <p:nvPicPr>
-          <p:cNvPr id="165" name="Google Shape;72;p17" descr=""/>
-          <p:cNvPicPr/>
-          <p:nvPr/>
-        </p:nvPicPr>
-        <p:blipFill>
-          <a:blip r:embed="rId2"/>
-          <a:stretch/>
-        </p:blipFill>
-        <p:spPr>
-          <a:xfrm>
-            <a:off x="8421840" y="4841280"/>
-            <a:ext cx="464400" cy="156240"/>
-          </a:xfrm>
-          <a:prstGeom prst="rect">
-            <a:avLst/>
-          </a:prstGeom>
-          <a:ln w="0">
-            <a:noFill/>
-          </a:ln>
-        </p:spPr>
-      </p:pic>
-      <p:sp>
-        <p:nvSpPr>
           <p:cNvPr id="166" name="PlaceHolder 2"/>
           <p:cNvSpPr>
             <a:spLocks noGrp="1"/>
@@ -15854,11 +15858,11 @@
             <a:noAutofit/>
           </a:bodyPr>
           <a:p>
-            <a:pPr indent="0">
+            <a:pPr indent="0" algn="ctr">
               <a:buNone/>
             </a:pPr>
             <a:r>
-              <a:rPr b="0" lang="en-US" sz="1400" spc="-1" strike="noStrike">
+              <a:rPr b="0" lang="en-US" sz="4400" spc="-1" strike="noStrike">
                 <a:solidFill>
                   <a:srgbClr val="000000"/>
                 </a:solidFill>
@@ -15866,7 +15870,7 @@
               </a:rPr>
               <a:t>Click to edit the title text format</a:t>
             </a:r>
-            <a:endParaRPr b="0" lang="en-US" sz="1400" spc="-1" strike="noStrike">
+            <a:endParaRPr b="0" lang="en-US" sz="4400" spc="-1" strike="noStrike">
               <a:solidFill>
                 <a:srgbClr val="000000"/>
               </a:solidFill>
@@ -15915,7 +15919,7 @@
               <a:buChar char=""/>
             </a:pPr>
             <a:r>
-              <a:rPr b="0" lang="en-US" sz="1400" spc="-1" strike="noStrike">
+              <a:rPr b="0" lang="en-US" sz="3200" spc="-1" strike="noStrike">
                 <a:solidFill>
                   <a:srgbClr val="000000"/>
                 </a:solidFill>
@@ -15923,7 +15927,7 @@
               </a:rPr>
               <a:t>Click to edit the outline text format</a:t>
             </a:r>
-            <a:endParaRPr b="0" lang="en-US" sz="1400" spc="-1" strike="noStrike">
+            <a:endParaRPr b="0" lang="en-US" sz="3200" spc="-1" strike="noStrike">
               <a:solidFill>
                 <a:srgbClr val="000000"/>
               </a:solidFill>
@@ -15943,7 +15947,7 @@
               <a:buChar char=""/>
             </a:pPr>
             <a:r>
-              <a:rPr b="0" lang="en-US" sz="1400" spc="-1" strike="noStrike">
+              <a:rPr b="0" lang="en-US" sz="2800" spc="-1" strike="noStrike">
                 <a:solidFill>
                   <a:srgbClr val="000000"/>
                 </a:solidFill>
@@ -15951,7 +15955,7 @@
               </a:rPr>
               <a:t>Second Outline Level</a:t>
             </a:r>
-            <a:endParaRPr b="0" lang="en-US" sz="1400" spc="-1" strike="noStrike">
+            <a:endParaRPr b="0" lang="en-US" sz="2800" spc="-1" strike="noStrike">
               <a:solidFill>
                 <a:srgbClr val="000000"/>
               </a:solidFill>
@@ -15971,7 +15975,7 @@
               <a:buChar char=""/>
             </a:pPr>
             <a:r>
-              <a:rPr b="0" lang="en-US" sz="1400" spc="-1" strike="noStrike">
+              <a:rPr b="0" lang="en-US" sz="2400" spc="-1" strike="noStrike">
                 <a:solidFill>
                   <a:srgbClr val="000000"/>
                 </a:solidFill>
@@ -15979,7 +15983,7 @@
               </a:rPr>
               <a:t>Third Outline Level</a:t>
             </a:r>
-            <a:endParaRPr b="0" lang="en-US" sz="1400" spc="-1" strike="noStrike">
+            <a:endParaRPr b="0" lang="en-US" sz="2400" spc="-1" strike="noStrike">
               <a:solidFill>
                 <a:srgbClr val="000000"/>
               </a:solidFill>
@@ -15999,7 +16003,7 @@
               <a:buChar char=""/>
             </a:pPr>
             <a:r>
-              <a:rPr b="0" lang="en-US" sz="1400" spc="-1" strike="noStrike">
+              <a:rPr b="0" lang="en-US" sz="2000" spc="-1" strike="noStrike">
                 <a:solidFill>
                   <a:srgbClr val="000000"/>
                 </a:solidFill>
@@ -16007,7 +16011,7 @@
               </a:rPr>
               <a:t>Fourth Outline Level</a:t>
             </a:r>
-            <a:endParaRPr b="0" lang="en-US" sz="1400" spc="-1" strike="noStrike">
+            <a:endParaRPr b="0" lang="en-US" sz="2000" spc="-1" strike="noStrike">
               <a:solidFill>
                 <a:srgbClr val="000000"/>
               </a:solidFill>
@@ -16146,7 +16150,80 @@
       </p:grpSpPr>
       <p:sp>
         <p:nvSpPr>
-          <p:cNvPr id="204" name="PlaceHolder 1"/>
+          <p:cNvPr id="204" name="Google Shape;75;p18"/>
+          <p:cNvSpPr/>
+          <p:nvPr/>
+        </p:nvSpPr>
+        <p:spPr>
+          <a:xfrm>
+            <a:off x="0" y="329040"/>
+            <a:ext cx="68760" cy="752400"/>
+          </a:xfrm>
+          <a:prstGeom prst="rect">
+            <a:avLst/>
+          </a:prstGeom>
+          <a:solidFill>
+            <a:srgbClr val="34a853"/>
+          </a:solidFill>
+          <a:ln w="0">
+            <a:noFill/>
+          </a:ln>
+        </p:spPr>
+        <p:style>
+          <a:lnRef idx="0"/>
+          <a:fillRef idx="0"/>
+          <a:effectRef idx="0"/>
+          <a:fontRef idx="minor"/>
+        </p:style>
+        <p:txBody>
+          <a:bodyPr lIns="90000" rIns="90000" tIns="91440" bIns="91440" anchor="ctr">
+            <a:noAutofit/>
+          </a:bodyPr>
+          <a:p>
+            <a:pPr>
+              <a:lnSpc>
+                <a:spcPct val="100000"/>
+              </a:lnSpc>
+              <a:tabLst>
+                <a:tab algn="l" pos="0"/>
+              </a:tabLst>
+            </a:pPr>
+            <a:endParaRPr b="0" lang="en-US" sz="1400" spc="-1" strike="noStrike">
+              <a:solidFill>
+                <a:srgbClr val="000000"/>
+              </a:solidFill>
+              <a:latin typeface="Arial"/>
+              <a:ea typeface="DejaVu Sans"/>
+            </a:endParaRPr>
+          </a:p>
+        </p:txBody>
+      </p:sp>
+      <p:pic>
+        <p:nvPicPr>
+          <p:cNvPr id="205" name="Google Shape;76;p18" descr=""/>
+          <p:cNvPicPr/>
+          <p:nvPr/>
+        </p:nvPicPr>
+        <p:blipFill>
+          <a:blip r:embed="rId2"/>
+          <a:stretch/>
+        </p:blipFill>
+        <p:spPr>
+          <a:xfrm>
+            <a:off x="8421840" y="4841280"/>
+            <a:ext cx="464040" cy="155880"/>
+          </a:xfrm>
+          <a:prstGeom prst="rect">
+            <a:avLst/>
+          </a:prstGeom>
+          <a:ln w="0">
+            <a:noFill/>
+          </a:ln>
+        </p:spPr>
+      </p:pic>
+      <p:sp>
+        <p:nvSpPr>
+          <p:cNvPr id="206" name="PlaceHolder 1"/>
           <p:cNvSpPr>
             <a:spLocks noGrp="1"/>
           </p:cNvSpPr>
@@ -16157,19 +16234,19 @@
         <p:spPr>
           <a:xfrm>
             <a:off x="8472600" y="4663080"/>
-            <a:ext cx="548280" cy="393120"/>
-          </a:xfrm>
-          <a:prstGeom prst="rect">
-            <a:avLst/>
-          </a:prstGeom>
-          <a:noFill/>
-          <a:ln w="0">
-            <a:noFill/>
-          </a:ln>
-        </p:spPr>
-        <p:txBody>
-          <a:bodyPr tIns="91440" bIns="91440" anchor="ctr">
-            <a:normAutofit/>
+            <a:ext cx="547920" cy="392760"/>
+          </a:xfrm>
+          <a:prstGeom prst="rect">
+            <a:avLst/>
+          </a:prstGeom>
+          <a:noFill/>
+          <a:ln w="0">
+            <a:noFill/>
+          </a:ln>
+        </p:spPr>
+        <p:txBody>
+          <a:bodyPr lIns="90000" rIns="90000" tIns="91440" bIns="91440" anchor="ctr">
+            <a:noAutofit/>
           </a:bodyPr>
           <a:lstStyle>
             <a:lvl1pPr indent="0" algn="r">
@@ -16199,7 +16276,7 @@
                 <a:tab algn="l" pos="0"/>
               </a:tabLst>
             </a:pPr>
-            <a:fld id="{BC7E1BD6-4DA2-4E52-8604-6B0DD00FD79E}" type="slidenum">
+            <a:fld id="{5FCAD511-991C-4AFF-87D0-1EC522DDF313}" type="slidenum">
               <a:rPr b="0" lang="en" sz="1000" spc="-1" strike="noStrike">
                 <a:solidFill>
                   <a:schemeClr val="dk2"/>
@@ -16220,78 +16297,6 @@
       </p:sp>
       <p:sp>
         <p:nvSpPr>
-          <p:cNvPr id="205" name="Google Shape;75;p18"/>
-          <p:cNvSpPr/>
-          <p:nvPr/>
-        </p:nvSpPr>
-        <p:spPr>
-          <a:xfrm>
-            <a:off x="0" y="329040"/>
-            <a:ext cx="69120" cy="752760"/>
-          </a:xfrm>
-          <a:prstGeom prst="rect">
-            <a:avLst/>
-          </a:prstGeom>
-          <a:solidFill>
-            <a:srgbClr val="34a853"/>
-          </a:solidFill>
-          <a:ln w="0">
-            <a:noFill/>
-          </a:ln>
-        </p:spPr>
-        <p:style>
-          <a:lnRef idx="0"/>
-          <a:fillRef idx="0"/>
-          <a:effectRef idx="0"/>
-          <a:fontRef idx="minor"/>
-        </p:style>
-        <p:txBody>
-          <a:bodyPr tIns="91440" bIns="91440" anchor="ctr">
-            <a:noAutofit/>
-          </a:bodyPr>
-          <a:p>
-            <a:pPr>
-              <a:lnSpc>
-                <a:spcPct val="100000"/>
-              </a:lnSpc>
-              <a:tabLst>
-                <a:tab algn="l" pos="0"/>
-              </a:tabLst>
-            </a:pPr>
-            <a:endParaRPr b="0" lang="en-US" sz="1400" spc="-1" strike="noStrike">
-              <a:solidFill>
-                <a:srgbClr val="000000"/>
-              </a:solidFill>
-              <a:latin typeface="Arial"/>
-            </a:endParaRPr>
-          </a:p>
-        </p:txBody>
-      </p:sp>
-      <p:pic>
-        <p:nvPicPr>
-          <p:cNvPr id="206" name="Google Shape;76;p18" descr=""/>
-          <p:cNvPicPr/>
-          <p:nvPr/>
-        </p:nvPicPr>
-        <p:blipFill>
-          <a:blip r:embed="rId2"/>
-          <a:stretch/>
-        </p:blipFill>
-        <p:spPr>
-          <a:xfrm>
-            <a:off x="8421840" y="4841280"/>
-            <a:ext cx="464400" cy="156240"/>
-          </a:xfrm>
-          <a:prstGeom prst="rect">
-            <a:avLst/>
-          </a:prstGeom>
-          <a:ln w="0">
-            <a:noFill/>
-          </a:ln>
-        </p:spPr>
-      </p:pic>
-      <p:sp>
-        <p:nvSpPr>
           <p:cNvPr id="207" name="PlaceHolder 2"/>
           <p:cNvSpPr>
             <a:spLocks noGrp="1"/>
@@ -16318,11 +16323,11 @@
             <a:noAutofit/>
           </a:bodyPr>
           <a:p>
-            <a:pPr indent="0">
+            <a:pPr indent="0" algn="ctr">
               <a:buNone/>
             </a:pPr>
             <a:r>
-              <a:rPr b="0" lang="en-US" sz="1400" spc="-1" strike="noStrike">
+              <a:rPr b="0" lang="en-US" sz="4400" spc="-1" strike="noStrike">
                 <a:solidFill>
                   <a:srgbClr val="000000"/>
                 </a:solidFill>
@@ -16330,7 +16335,7 @@
               </a:rPr>
               <a:t>Click to edit the title text format</a:t>
             </a:r>
-            <a:endParaRPr b="0" lang="en-US" sz="1400" spc="-1" strike="noStrike">
+            <a:endParaRPr b="0" lang="en-US" sz="4400" spc="-1" strike="noStrike">
               <a:solidFill>
                 <a:srgbClr val="000000"/>
               </a:solidFill>
@@ -16379,7 +16384,7 @@
               <a:buChar char=""/>
             </a:pPr>
             <a:r>
-              <a:rPr b="0" lang="en-US" sz="1400" spc="-1" strike="noStrike">
+              <a:rPr b="0" lang="en-US" sz="3200" spc="-1" strike="noStrike">
                 <a:solidFill>
                   <a:srgbClr val="000000"/>
                 </a:solidFill>
@@ -16387,7 +16392,7 @@
               </a:rPr>
               <a:t>Click to edit the outline text format</a:t>
             </a:r>
-            <a:endParaRPr b="0" lang="en-US" sz="1400" spc="-1" strike="noStrike">
+            <a:endParaRPr b="0" lang="en-US" sz="3200" spc="-1" strike="noStrike">
               <a:solidFill>
                 <a:srgbClr val="000000"/>
               </a:solidFill>
@@ -16407,7 +16412,7 @@
               <a:buChar char=""/>
             </a:pPr>
             <a:r>
-              <a:rPr b="0" lang="en-US" sz="1400" spc="-1" strike="noStrike">
+              <a:rPr b="0" lang="en-US" sz="2800" spc="-1" strike="noStrike">
                 <a:solidFill>
                   <a:srgbClr val="000000"/>
                 </a:solidFill>
@@ -16415,7 +16420,7 @@
               </a:rPr>
               <a:t>Second Outline Level</a:t>
             </a:r>
-            <a:endParaRPr b="0" lang="en-US" sz="1400" spc="-1" strike="noStrike">
+            <a:endParaRPr b="0" lang="en-US" sz="2800" spc="-1" strike="noStrike">
               <a:solidFill>
                 <a:srgbClr val="000000"/>
               </a:solidFill>
@@ -16435,7 +16440,7 @@
               <a:buChar char=""/>
             </a:pPr>
             <a:r>
-              <a:rPr b="0" lang="en-US" sz="1400" spc="-1" strike="noStrike">
+              <a:rPr b="0" lang="en-US" sz="2400" spc="-1" strike="noStrike">
                 <a:solidFill>
                   <a:srgbClr val="000000"/>
                 </a:solidFill>
@@ -16443,7 +16448,7 @@
               </a:rPr>
               <a:t>Third Outline Level</a:t>
             </a:r>
-            <a:endParaRPr b="0" lang="en-US" sz="1400" spc="-1" strike="noStrike">
+            <a:endParaRPr b="0" lang="en-US" sz="2400" spc="-1" strike="noStrike">
               <a:solidFill>
                 <a:srgbClr val="000000"/>
               </a:solidFill>
@@ -16463,7 +16468,7 @@
               <a:buChar char=""/>
             </a:pPr>
             <a:r>
-              <a:rPr b="0" lang="en-US" sz="1400" spc="-1" strike="noStrike">
+              <a:rPr b="0" lang="en-US" sz="2000" spc="-1" strike="noStrike">
                 <a:solidFill>
                   <a:srgbClr val="000000"/>
                 </a:solidFill>
@@ -16471,7 +16476,7 @@
               </a:rPr>
               <a:t>Fourth Outline Level</a:t>
             </a:r>
-            <a:endParaRPr b="0" lang="en-US" sz="1400" spc="-1" strike="noStrike">
+            <a:endParaRPr b="0" lang="en-US" sz="2000" spc="-1" strike="noStrike">
               <a:solidFill>
                 <a:srgbClr val="000000"/>
               </a:solidFill>
@@ -16610,7 +16615,80 @@
       </p:grpSpPr>
       <p:sp>
         <p:nvSpPr>
-          <p:cNvPr id="245" name="PlaceHolder 1"/>
+          <p:cNvPr id="245" name="Google Shape;79;p19"/>
+          <p:cNvSpPr/>
+          <p:nvPr/>
+        </p:nvSpPr>
+        <p:spPr>
+          <a:xfrm>
+            <a:off x="0" y="329040"/>
+            <a:ext cx="68760" cy="752400"/>
+          </a:xfrm>
+          <a:prstGeom prst="rect">
+            <a:avLst/>
+          </a:prstGeom>
+          <a:solidFill>
+            <a:srgbClr val="9aa0a6"/>
+          </a:solidFill>
+          <a:ln w="0">
+            <a:noFill/>
+          </a:ln>
+        </p:spPr>
+        <p:style>
+          <a:lnRef idx="0"/>
+          <a:fillRef idx="0"/>
+          <a:effectRef idx="0"/>
+          <a:fontRef idx="minor"/>
+        </p:style>
+        <p:txBody>
+          <a:bodyPr lIns="90000" rIns="90000" tIns="91440" bIns="91440" anchor="ctr">
+            <a:noAutofit/>
+          </a:bodyPr>
+          <a:p>
+            <a:pPr>
+              <a:lnSpc>
+                <a:spcPct val="100000"/>
+              </a:lnSpc>
+              <a:tabLst>
+                <a:tab algn="l" pos="0"/>
+              </a:tabLst>
+            </a:pPr>
+            <a:endParaRPr b="0" lang="en-US" sz="1400" spc="-1" strike="noStrike">
+              <a:solidFill>
+                <a:srgbClr val="000000"/>
+              </a:solidFill>
+              <a:latin typeface="Arial"/>
+              <a:ea typeface="DejaVu Sans"/>
+            </a:endParaRPr>
+          </a:p>
+        </p:txBody>
+      </p:sp>
+      <p:pic>
+        <p:nvPicPr>
+          <p:cNvPr id="246" name="Google Shape;80;p19" descr=""/>
+          <p:cNvPicPr/>
+          <p:nvPr/>
+        </p:nvPicPr>
+        <p:blipFill>
+          <a:blip r:embed="rId2"/>
+          <a:stretch/>
+        </p:blipFill>
+        <p:spPr>
+          <a:xfrm>
+            <a:off x="8421840" y="4841280"/>
+            <a:ext cx="464040" cy="155880"/>
+          </a:xfrm>
+          <a:prstGeom prst="rect">
+            <a:avLst/>
+          </a:prstGeom>
+          <a:ln w="0">
+            <a:noFill/>
+          </a:ln>
+        </p:spPr>
+      </p:pic>
+      <p:sp>
+        <p:nvSpPr>
+          <p:cNvPr id="247" name="PlaceHolder 1"/>
           <p:cNvSpPr>
             <a:spLocks noGrp="1"/>
           </p:cNvSpPr>
@@ -16621,19 +16699,19 @@
         <p:spPr>
           <a:xfrm>
             <a:off x="8472600" y="4663080"/>
-            <a:ext cx="548280" cy="393120"/>
-          </a:xfrm>
-          <a:prstGeom prst="rect">
-            <a:avLst/>
-          </a:prstGeom>
-          <a:noFill/>
-          <a:ln w="0">
-            <a:noFill/>
-          </a:ln>
-        </p:spPr>
-        <p:txBody>
-          <a:bodyPr tIns="91440" bIns="91440" anchor="ctr">
-            <a:normAutofit/>
+            <a:ext cx="547920" cy="392760"/>
+          </a:xfrm>
+          <a:prstGeom prst="rect">
+            <a:avLst/>
+          </a:prstGeom>
+          <a:noFill/>
+          <a:ln w="0">
+            <a:noFill/>
+          </a:ln>
+        </p:spPr>
+        <p:txBody>
+          <a:bodyPr lIns="90000" rIns="90000" tIns="91440" bIns="91440" anchor="ctr">
+            <a:noAutofit/>
           </a:bodyPr>
           <a:lstStyle>
             <a:lvl1pPr indent="0" algn="r">
@@ -16663,7 +16741,7 @@
                 <a:tab algn="l" pos="0"/>
               </a:tabLst>
             </a:pPr>
-            <a:fld id="{A9E0DF99-086F-4334-B5A3-A8568CEF9C0F}" type="slidenum">
+            <a:fld id="{04A22D73-7838-407C-A4DA-19FE127A5D39}" type="slidenum">
               <a:rPr b="0" lang="en" sz="1000" spc="-1" strike="noStrike">
                 <a:solidFill>
                   <a:schemeClr val="dk2"/>
@@ -16684,78 +16762,6 @@
       </p:sp>
       <p:sp>
         <p:nvSpPr>
-          <p:cNvPr id="246" name="Google Shape;79;p19"/>
-          <p:cNvSpPr/>
-          <p:nvPr/>
-        </p:nvSpPr>
-        <p:spPr>
-          <a:xfrm>
-            <a:off x="0" y="329040"/>
-            <a:ext cx="69120" cy="752760"/>
-          </a:xfrm>
-          <a:prstGeom prst="rect">
-            <a:avLst/>
-          </a:prstGeom>
-          <a:solidFill>
-            <a:srgbClr val="9aa0a6"/>
-          </a:solidFill>
-          <a:ln w="0">
-            <a:noFill/>
-          </a:ln>
-        </p:spPr>
-        <p:style>
-          <a:lnRef idx="0"/>
-          <a:fillRef idx="0"/>
-          <a:effectRef idx="0"/>
-          <a:fontRef idx="minor"/>
-        </p:style>
-        <p:txBody>
-          <a:bodyPr tIns="91440" bIns="91440" anchor="ctr">
-            <a:noAutofit/>
-          </a:bodyPr>
-          <a:p>
-            <a:pPr>
-              <a:lnSpc>
-                <a:spcPct val="100000"/>
-              </a:lnSpc>
-              <a:tabLst>
-                <a:tab algn="l" pos="0"/>
-              </a:tabLst>
-            </a:pPr>
-            <a:endParaRPr b="0" lang="en-US" sz="1400" spc="-1" strike="noStrike">
-              <a:solidFill>
-                <a:srgbClr val="000000"/>
-              </a:solidFill>
-              <a:latin typeface="Arial"/>
-            </a:endParaRPr>
-          </a:p>
-        </p:txBody>
-      </p:sp>
-      <p:pic>
-        <p:nvPicPr>
-          <p:cNvPr id="247" name="Google Shape;80;p19" descr=""/>
-          <p:cNvPicPr/>
-          <p:nvPr/>
-        </p:nvPicPr>
-        <p:blipFill>
-          <a:blip r:embed="rId2"/>
-          <a:stretch/>
-        </p:blipFill>
-        <p:spPr>
-          <a:xfrm>
-            <a:off x="8421840" y="4841280"/>
-            <a:ext cx="464400" cy="156240"/>
-          </a:xfrm>
-          <a:prstGeom prst="rect">
-            <a:avLst/>
-          </a:prstGeom>
-          <a:ln w="0">
-            <a:noFill/>
-          </a:ln>
-        </p:spPr>
-      </p:pic>
-      <p:sp>
-        <p:nvSpPr>
           <p:cNvPr id="248" name="PlaceHolder 2"/>
           <p:cNvSpPr>
             <a:spLocks noGrp="1"/>
@@ -16782,11 +16788,11 @@
             <a:noAutofit/>
           </a:bodyPr>
           <a:p>
-            <a:pPr indent="0">
+            <a:pPr indent="0" algn="ctr">
               <a:buNone/>
             </a:pPr>
             <a:r>
-              <a:rPr b="0" lang="en-US" sz="1400" spc="-1" strike="noStrike">
+              <a:rPr b="0" lang="en-US" sz="4400" spc="-1" strike="noStrike">
                 <a:solidFill>
                   <a:srgbClr val="000000"/>
                 </a:solidFill>
@@ -16794,7 +16800,7 @@
               </a:rPr>
               <a:t>Click to edit the title text format</a:t>
             </a:r>
-            <a:endParaRPr b="0" lang="en-US" sz="1400" spc="-1" strike="noStrike">
+            <a:endParaRPr b="0" lang="en-US" sz="4400" spc="-1" strike="noStrike">
               <a:solidFill>
                 <a:srgbClr val="000000"/>
               </a:solidFill>
@@ -16843,7 +16849,7 @@
               <a:buChar char=""/>
             </a:pPr>
             <a:r>
-              <a:rPr b="0" lang="en-US" sz="1400" spc="-1" strike="noStrike">
+              <a:rPr b="0" lang="en-US" sz="3200" spc="-1" strike="noStrike">
                 <a:solidFill>
                   <a:srgbClr val="000000"/>
                 </a:solidFill>
@@ -16851,7 +16857,7 @@
               </a:rPr>
               <a:t>Click to edit the outline text format</a:t>
             </a:r>
-            <a:endParaRPr b="0" lang="en-US" sz="1400" spc="-1" strike="noStrike">
+            <a:endParaRPr b="0" lang="en-US" sz="3200" spc="-1" strike="noStrike">
               <a:solidFill>
                 <a:srgbClr val="000000"/>
               </a:solidFill>
@@ -16871,7 +16877,7 @@
               <a:buChar char=""/>
             </a:pPr>
             <a:r>
-              <a:rPr b="0" lang="en-US" sz="1400" spc="-1" strike="noStrike">
+              <a:rPr b="0" lang="en-US" sz="2800" spc="-1" strike="noStrike">
                 <a:solidFill>
                   <a:srgbClr val="000000"/>
                 </a:solidFill>
@@ -16879,7 +16885,7 @@
               </a:rPr>
               <a:t>Second Outline Level</a:t>
             </a:r>
-            <a:endParaRPr b="0" lang="en-US" sz="1400" spc="-1" strike="noStrike">
+            <a:endParaRPr b="0" lang="en-US" sz="2800" spc="-1" strike="noStrike">
               <a:solidFill>
                 <a:srgbClr val="000000"/>
               </a:solidFill>
@@ -16899,7 +16905,7 @@
               <a:buChar char=""/>
             </a:pPr>
             <a:r>
-              <a:rPr b="0" lang="en-US" sz="1400" spc="-1" strike="noStrike">
+              <a:rPr b="0" lang="en-US" sz="2400" spc="-1" strike="noStrike">
                 <a:solidFill>
                   <a:srgbClr val="000000"/>
                 </a:solidFill>
@@ -16907,7 +16913,7 @@
               </a:rPr>
               <a:t>Third Outline Level</a:t>
             </a:r>
-            <a:endParaRPr b="0" lang="en-US" sz="1400" spc="-1" strike="noStrike">
+            <a:endParaRPr b="0" lang="en-US" sz="2400" spc="-1" strike="noStrike">
               <a:solidFill>
                 <a:srgbClr val="000000"/>
               </a:solidFill>
@@ -16927,7 +16933,7 @@
               <a:buChar char=""/>
             </a:pPr>
             <a:r>
-              <a:rPr b="0" lang="en-US" sz="1400" spc="-1" strike="noStrike">
+              <a:rPr b="0" lang="en-US" sz="2000" spc="-1" strike="noStrike">
                 <a:solidFill>
                   <a:srgbClr val="000000"/>
                 </a:solidFill>
@@ -16935,7 +16941,7 @@
               </a:rPr>
               <a:t>Fourth Outline Level</a:t>
             </a:r>
-            <a:endParaRPr b="0" lang="en-US" sz="1400" spc="-1" strike="noStrike">
+            <a:endParaRPr b="0" lang="en-US" sz="2000" spc="-1" strike="noStrike">
               <a:solidFill>
                 <a:srgbClr val="000000"/>
               </a:solidFill>
@@ -17081,7 +17087,7 @@
         <p:spPr>
           <a:xfrm>
             <a:off x="517680" y="1819800"/>
-            <a:ext cx="8626320" cy="669960"/>
+            <a:ext cx="8625960" cy="669960"/>
           </a:xfrm>
           <a:prstGeom prst="rect">
             <a:avLst/>
@@ -17098,7 +17104,7 @@
           <a:fontRef idx="minor"/>
         </p:style>
         <p:txBody>
-          <a:bodyPr lIns="0" tIns="91440" bIns="91440" anchor="t">
+          <a:bodyPr lIns="0" rIns="90000" tIns="91440" bIns="91440" anchor="t">
             <a:spAutoFit/>
           </a:bodyPr>
           <a:p>
@@ -17138,7 +17144,7 @@
         <p:spPr>
           <a:xfrm>
             <a:off x="517680" y="2769840"/>
-            <a:ext cx="6797520" cy="548280"/>
+            <a:ext cx="6797160" cy="548280"/>
           </a:xfrm>
           <a:prstGeom prst="rect">
             <a:avLst/>
@@ -17155,7 +17161,7 @@
           <a:fontRef idx="minor"/>
         </p:style>
         <p:txBody>
-          <a:bodyPr lIns="0" tIns="91440" bIns="91440" anchor="t">
+          <a:bodyPr lIns="0" rIns="90000" tIns="91440" bIns="91440" anchor="t">
             <a:spAutoFit/>
           </a:bodyPr>
           <a:p>
@@ -17195,7 +17201,7 @@
         <p:spPr>
           <a:xfrm flipH="1">
             <a:off x="517320" y="2670480"/>
-            <a:ext cx="5808600" cy="360"/>
+            <a:ext cx="5808960" cy="720"/>
           </a:xfrm>
           <a:prstGeom prst="straightConnector1">
             <a:avLst/>
@@ -17221,7 +17227,7 @@
         <p:spPr>
           <a:xfrm>
             <a:off x="8421840" y="4841280"/>
-            <a:ext cx="464400" cy="156240"/>
+            <a:ext cx="464040" cy="155880"/>
           </a:xfrm>
           <a:prstGeom prst="rect">
             <a:avLst/>
@@ -17277,7 +17283,7 @@
         <p:spPr>
           <a:xfrm>
             <a:off x="3721320" y="1886760"/>
-            <a:ext cx="6301800" cy="1461240"/>
+            <a:ext cx="6301440" cy="1461240"/>
           </a:xfrm>
           <a:prstGeom prst="rect">
             <a:avLst/>
@@ -17294,7 +17300,7 @@
           <a:fontRef idx="minor"/>
         </p:style>
         <p:txBody>
-          <a:bodyPr tIns="91440" bIns="91440" anchor="t">
+          <a:bodyPr lIns="90000" rIns="90000" tIns="91440" bIns="91440" anchor="t">
             <a:spAutoFit/>
           </a:bodyPr>
           <a:p>
@@ -17420,7 +17426,7 @@
         <p:spPr>
           <a:xfrm>
             <a:off x="-468720" y="2082240"/>
-            <a:ext cx="3704040" cy="1023480"/>
+            <a:ext cx="3703680" cy="1023480"/>
           </a:xfrm>
           <a:prstGeom prst="rect">
             <a:avLst/>
@@ -17437,7 +17443,7 @@
           <a:fontRef idx="minor"/>
         </p:style>
         <p:txBody>
-          <a:bodyPr tIns="91440" bIns="91440" anchor="t">
+          <a:bodyPr lIns="90000" rIns="90000" tIns="91440" bIns="91440" anchor="t">
             <a:spAutoFit/>
           </a:bodyPr>
           <a:p>
@@ -17503,7 +17509,7 @@
         <p:spPr>
           <a:xfrm>
             <a:off x="3459960" y="1032120"/>
-            <a:ext cx="37080" cy="3079440"/>
+            <a:ext cx="37440" cy="3079800"/>
           </a:xfrm>
           <a:prstGeom prst="straightConnector1">
             <a:avLst/>
@@ -17555,7 +17561,7 @@
         <p:spPr>
           <a:xfrm>
             <a:off x="4212000" y="524520"/>
-            <a:ext cx="4682520" cy="4214520"/>
+            <a:ext cx="4682160" cy="4214160"/>
           </a:xfrm>
           <a:prstGeom prst="rect">
             <a:avLst/>
@@ -17574,7 +17580,7 @@
           <a:fontRef idx="minor"/>
         </p:style>
         <p:txBody>
-          <a:bodyPr tIns="91440" bIns="91440" anchor="ctr">
+          <a:bodyPr lIns="90000" rIns="90000" tIns="91440" bIns="91440" anchor="ctr">
             <a:noAutofit/>
           </a:bodyPr>
           <a:p>
@@ -17591,6 +17597,7 @@
                 <a:srgbClr val="000000"/>
               </a:solidFill>
               <a:latin typeface="Arial"/>
+              <a:ea typeface="DejaVu Sans"/>
             </a:endParaRPr>
           </a:p>
         </p:txBody>
@@ -17604,7 +17611,7 @@
         <p:spPr>
           <a:xfrm>
             <a:off x="517680" y="524520"/>
-            <a:ext cx="7000560" cy="548280"/>
+            <a:ext cx="7000200" cy="548280"/>
           </a:xfrm>
           <a:prstGeom prst="rect">
             <a:avLst/>
@@ -17621,7 +17628,7 @@
           <a:fontRef idx="minor"/>
         </p:style>
         <p:txBody>
-          <a:bodyPr lIns="0" tIns="91440" bIns="91440" anchor="t">
+          <a:bodyPr lIns="0" rIns="90000" tIns="91440" bIns="91440" anchor="t">
             <a:spAutoFit/>
           </a:bodyPr>
           <a:p>
@@ -17661,7 +17668,7 @@
         <p:spPr>
           <a:xfrm>
             <a:off x="517680" y="1522440"/>
-            <a:ext cx="2421000" cy="821880"/>
+            <a:ext cx="2420640" cy="821880"/>
           </a:xfrm>
           <a:prstGeom prst="rect">
             <a:avLst/>
@@ -17678,7 +17685,7 @@
           <a:fontRef idx="minor"/>
         </p:style>
         <p:txBody>
-          <a:bodyPr lIns="0" tIns="91440" bIns="91440" anchor="t">
+          <a:bodyPr lIns="0" rIns="90000" tIns="91440" bIns="91440" anchor="t">
             <a:spAutoFit/>
           </a:bodyPr>
           <a:p>
@@ -17718,7 +17725,7 @@
         <p:spPr>
           <a:xfrm>
             <a:off x="5830200" y="1833120"/>
-            <a:ext cx="1695240" cy="1642680"/>
+            <a:ext cx="1694880" cy="1642680"/>
           </a:xfrm>
           <a:prstGeom prst="rect">
             <a:avLst/>
@@ -17735,7 +17742,7 @@
           <a:fontRef idx="minor"/>
         </p:style>
         <p:txBody>
-          <a:bodyPr tIns="91440" bIns="91440" anchor="t">
+          <a:bodyPr lIns="90000" rIns="90000" tIns="91440" bIns="91440" anchor="t">
             <a:spAutoFit/>
           </a:bodyPr>
           <a:p>
@@ -17805,7 +17812,7 @@
         <p:spPr>
           <a:xfrm>
             <a:off x="517680" y="524520"/>
-            <a:ext cx="7000560" cy="548280"/>
+            <a:ext cx="7000200" cy="548280"/>
           </a:xfrm>
           <a:prstGeom prst="rect">
             <a:avLst/>
@@ -17822,7 +17829,7 @@
           <a:fontRef idx="minor"/>
         </p:style>
         <p:txBody>
-          <a:bodyPr lIns="0" tIns="91440" bIns="91440" anchor="t">
+          <a:bodyPr lIns="0" rIns="90000" tIns="91440" bIns="91440" anchor="t">
             <a:spAutoFit/>
           </a:bodyPr>
           <a:p>
@@ -17862,7 +17869,7 @@
         <p:spPr>
           <a:xfrm>
             <a:off x="517680" y="1522440"/>
-            <a:ext cx="2421000" cy="821880"/>
+            <a:ext cx="2420640" cy="821880"/>
           </a:xfrm>
           <a:prstGeom prst="rect">
             <a:avLst/>
@@ -17879,7 +17886,7 @@
           <a:fontRef idx="minor"/>
         </p:style>
         <p:txBody>
-          <a:bodyPr lIns="0" tIns="91440" bIns="91440" anchor="t">
+          <a:bodyPr lIns="0" rIns="90000" tIns="91440" bIns="91440" anchor="t">
             <a:spAutoFit/>
           </a:bodyPr>
           <a:p>
@@ -17919,7 +17926,7 @@
         <p:spPr>
           <a:xfrm>
             <a:off x="5092920" y="984600"/>
-            <a:ext cx="2421000" cy="3958200"/>
+            <a:ext cx="2420640" cy="3957840"/>
           </a:xfrm>
           <a:prstGeom prst="rect">
             <a:avLst/>
@@ -17938,7 +17945,7 @@
           <a:fontRef idx="minor"/>
         </p:style>
         <p:txBody>
-          <a:bodyPr tIns="91440" bIns="91440" anchor="ctr">
+          <a:bodyPr lIns="90000" rIns="90000" tIns="91440" bIns="91440" anchor="ctr">
             <a:noAutofit/>
           </a:bodyPr>
           <a:p>
@@ -17955,6 +17962,7 @@
                 <a:srgbClr val="000000"/>
               </a:solidFill>
               <a:latin typeface="Arial"/>
+              <a:ea typeface="DejaVu Sans"/>
             </a:endParaRPr>
           </a:p>
         </p:txBody>
@@ -17968,7 +17976,7 @@
         <p:spPr>
           <a:xfrm>
             <a:off x="4565520" y="1608840"/>
-            <a:ext cx="919080" cy="360"/>
+            <a:ext cx="919440" cy="720"/>
           </a:xfrm>
           <a:prstGeom prst="straightConnector1">
             <a:avLst/>
@@ -17991,7 +17999,7 @@
         <p:spPr>
           <a:xfrm>
             <a:off x="3506760" y="1208880"/>
-            <a:ext cx="1100160" cy="791640"/>
+            <a:ext cx="1099800" cy="791640"/>
           </a:xfrm>
           <a:prstGeom prst="rect">
             <a:avLst/>
@@ -18008,7 +18016,7 @@
           <a:fontRef idx="minor"/>
         </p:style>
         <p:txBody>
-          <a:bodyPr tIns="91440" bIns="91440" anchor="t">
+          <a:bodyPr lIns="90000" rIns="90000" tIns="91440" bIns="91440" anchor="t">
             <a:spAutoFit/>
           </a:bodyPr>
           <a:p>
@@ -18048,7 +18056,7 @@
         <p:spPr>
           <a:xfrm flipH="1">
             <a:off x="7095960" y="2919960"/>
-            <a:ext cx="918360" cy="360"/>
+            <a:ext cx="918720" cy="720"/>
           </a:xfrm>
           <a:prstGeom prst="straightConnector1">
             <a:avLst/>
@@ -18071,7 +18079,7 @@
         <p:spPr>
           <a:xfrm>
             <a:off x="5363640" y="1833120"/>
-            <a:ext cx="1892160" cy="1095120"/>
+            <a:ext cx="1891800" cy="1095120"/>
           </a:xfrm>
           <a:prstGeom prst="rect">
             <a:avLst/>
@@ -18088,7 +18096,7 @@
           <a:fontRef idx="minor"/>
         </p:style>
         <p:txBody>
-          <a:bodyPr tIns="91440" bIns="91440" anchor="t">
+          <a:bodyPr lIns="90000" rIns="90000" tIns="91440" bIns="91440" anchor="t">
             <a:spAutoFit/>
           </a:bodyPr>
           <a:p>
@@ -18128,7 +18136,7 @@
         <p:spPr>
           <a:xfrm>
             <a:off x="8030520" y="2520000"/>
-            <a:ext cx="1100160" cy="791640"/>
+            <a:ext cx="1099800" cy="791640"/>
           </a:xfrm>
           <a:prstGeom prst="rect">
             <a:avLst/>
@@ -18145,7 +18153,7 @@
           <a:fontRef idx="minor"/>
         </p:style>
         <p:txBody>
-          <a:bodyPr tIns="91440" bIns="91440" anchor="t">
+          <a:bodyPr lIns="90000" rIns="90000" tIns="91440" bIns="91440" anchor="t">
             <a:spAutoFit/>
           </a:bodyPr>
           <a:p>
@@ -18215,7 +18223,7 @@
         <p:spPr>
           <a:xfrm>
             <a:off x="517680" y="524520"/>
-            <a:ext cx="7000560" cy="548280"/>
+            <a:ext cx="7000200" cy="548280"/>
           </a:xfrm>
           <a:prstGeom prst="rect">
             <a:avLst/>
@@ -18232,7 +18240,7 @@
           <a:fontRef idx="minor"/>
         </p:style>
         <p:txBody>
-          <a:bodyPr lIns="0" tIns="91440" bIns="91440" anchor="t">
+          <a:bodyPr lIns="0" rIns="90000" tIns="91440" bIns="91440" anchor="t">
             <a:spAutoFit/>
           </a:bodyPr>
           <a:p>
@@ -18272,7 +18280,7 @@
         <p:spPr>
           <a:xfrm>
             <a:off x="517680" y="1522440"/>
-            <a:ext cx="2421000" cy="821880"/>
+            <a:ext cx="2420640" cy="821880"/>
           </a:xfrm>
           <a:prstGeom prst="rect">
             <a:avLst/>
@@ -18289,7 +18297,7 @@
           <a:fontRef idx="minor"/>
         </p:style>
         <p:txBody>
-          <a:bodyPr lIns="0" tIns="91440" bIns="91440" anchor="t">
+          <a:bodyPr lIns="0" rIns="90000" tIns="91440" bIns="91440" anchor="t">
             <a:spAutoFit/>
           </a:bodyPr>
           <a:p>
@@ -18329,7 +18337,7 @@
         <p:spPr>
           <a:xfrm>
             <a:off x="5092920" y="984600"/>
-            <a:ext cx="2421000" cy="3958200"/>
+            <a:ext cx="2420640" cy="3957840"/>
           </a:xfrm>
           <a:prstGeom prst="rect">
             <a:avLst/>
@@ -18348,7 +18356,7 @@
           <a:fontRef idx="minor"/>
         </p:style>
         <p:txBody>
-          <a:bodyPr tIns="91440" bIns="91440" anchor="ctr">
+          <a:bodyPr lIns="90000" rIns="90000" tIns="91440" bIns="91440" anchor="ctr">
             <a:noAutofit/>
           </a:bodyPr>
           <a:p>
@@ -18365,6 +18373,7 @@
                 <a:srgbClr val="000000"/>
               </a:solidFill>
               <a:latin typeface="Arial"/>
+              <a:ea typeface="DejaVu Sans"/>
             </a:endParaRPr>
           </a:p>
         </p:txBody>
@@ -18378,7 +18387,7 @@
         <p:spPr>
           <a:xfrm>
             <a:off x="4565520" y="1608840"/>
-            <a:ext cx="919080" cy="360"/>
+            <a:ext cx="919440" cy="720"/>
           </a:xfrm>
           <a:prstGeom prst="straightConnector1">
             <a:avLst/>
@@ -18401,7 +18410,7 @@
         <p:spPr>
           <a:xfrm>
             <a:off x="3506760" y="1208880"/>
-            <a:ext cx="1100160" cy="791640"/>
+            <a:ext cx="1099800" cy="791640"/>
           </a:xfrm>
           <a:prstGeom prst="rect">
             <a:avLst/>
@@ -18418,7 +18427,7 @@
           <a:fontRef idx="minor"/>
         </p:style>
         <p:txBody>
-          <a:bodyPr tIns="91440" bIns="91440" anchor="t">
+          <a:bodyPr lIns="90000" rIns="90000" tIns="91440" bIns="91440" anchor="t">
             <a:spAutoFit/>
           </a:bodyPr>
           <a:p>
@@ -18458,7 +18467,7 @@
         <p:spPr>
           <a:xfrm flipH="1">
             <a:off x="7095960" y="2919960"/>
-            <a:ext cx="918360" cy="360"/>
+            <a:ext cx="918720" cy="720"/>
           </a:xfrm>
           <a:prstGeom prst="straightConnector1">
             <a:avLst/>
@@ -18481,7 +18490,7 @@
         <p:spPr>
           <a:xfrm>
             <a:off x="5363640" y="1833120"/>
-            <a:ext cx="1892160" cy="1277640"/>
+            <a:ext cx="1891800" cy="1277640"/>
           </a:xfrm>
           <a:prstGeom prst="rect">
             <a:avLst/>
@@ -18498,7 +18507,7 @@
           <a:fontRef idx="minor"/>
         </p:style>
         <p:txBody>
-          <a:bodyPr tIns="91440" bIns="91440" anchor="t">
+          <a:bodyPr lIns="90000" rIns="90000" tIns="91440" bIns="91440" anchor="t">
             <a:spAutoFit/>
           </a:bodyPr>
           <a:p>
@@ -18538,7 +18547,7 @@
         <p:spPr>
           <a:xfrm>
             <a:off x="8030520" y="2520000"/>
-            <a:ext cx="1100160" cy="791640"/>
+            <a:ext cx="1099800" cy="791640"/>
           </a:xfrm>
           <a:prstGeom prst="rect">
             <a:avLst/>
@@ -18555,7 +18564,7 @@
           <a:fontRef idx="minor"/>
         </p:style>
         <p:txBody>
-          <a:bodyPr tIns="91440" bIns="91440" anchor="t">
+          <a:bodyPr lIns="90000" rIns="90000" tIns="91440" bIns="91440" anchor="t">
             <a:spAutoFit/>
           </a:bodyPr>
           <a:p>
@@ -18625,7 +18634,7 @@
         <p:spPr>
           <a:xfrm>
             <a:off x="4212000" y="524520"/>
-            <a:ext cx="4682520" cy="4214520"/>
+            <a:ext cx="4682160" cy="4214160"/>
           </a:xfrm>
           <a:prstGeom prst="rect">
             <a:avLst/>
@@ -18644,7 +18653,7 @@
           <a:fontRef idx="minor"/>
         </p:style>
         <p:txBody>
-          <a:bodyPr tIns="91440" bIns="91440" anchor="ctr">
+          <a:bodyPr lIns="90000" rIns="90000" tIns="91440" bIns="91440" anchor="ctr">
             <a:noAutofit/>
           </a:bodyPr>
           <a:p>
@@ -18661,6 +18670,7 @@
                 <a:srgbClr val="000000"/>
               </a:solidFill>
               <a:latin typeface="Arial"/>
+              <a:ea typeface="DejaVu Sans"/>
             </a:endParaRPr>
           </a:p>
         </p:txBody>
@@ -18674,7 +18684,7 @@
         <p:spPr>
           <a:xfrm>
             <a:off x="517680" y="524520"/>
-            <a:ext cx="7000560" cy="603000"/>
+            <a:ext cx="7000200" cy="603000"/>
           </a:xfrm>
           <a:prstGeom prst="rect">
             <a:avLst/>
@@ -18691,7 +18701,7 @@
           <a:fontRef idx="minor"/>
         </p:style>
         <p:txBody>
-          <a:bodyPr lIns="0" tIns="91440" bIns="91440" anchor="t">
+          <a:bodyPr lIns="0" rIns="90000" tIns="91440" bIns="91440" anchor="t">
             <a:spAutoFit/>
           </a:bodyPr>
           <a:p>
@@ -18731,7 +18741,7 @@
         <p:spPr>
           <a:xfrm>
             <a:off x="6011640" y="2109960"/>
-            <a:ext cx="1332000" cy="912600"/>
+            <a:ext cx="1331640" cy="912600"/>
           </a:xfrm>
           <a:prstGeom prst="rect">
             <a:avLst/>
@@ -18748,7 +18758,7 @@
           <a:fontRef idx="minor"/>
         </p:style>
         <p:txBody>
-          <a:bodyPr tIns="91440" bIns="91440" anchor="t">
+          <a:bodyPr lIns="90000" rIns="90000" tIns="91440" bIns="91440" anchor="t">
             <a:spAutoFit/>
           </a:bodyPr>
           <a:p>
@@ -18788,7 +18798,7 @@
         <p:spPr>
           <a:xfrm>
             <a:off x="532800" y="1793880"/>
-            <a:ext cx="2914920" cy="1461240"/>
+            <a:ext cx="2914560" cy="1461240"/>
           </a:xfrm>
           <a:prstGeom prst="rect">
             <a:avLst/>
@@ -18805,7 +18815,7 @@
           <a:fontRef idx="minor"/>
         </p:style>
         <p:txBody>
-          <a:bodyPr lIns="0" tIns="91440" bIns="91440" anchor="t">
+          <a:bodyPr lIns="0" rIns="90000" tIns="91440" bIns="91440" anchor="t">
             <a:spAutoFit/>
           </a:bodyPr>
           <a:p>
@@ -18891,7 +18901,7 @@
         <p:spPr>
           <a:xfrm>
             <a:off x="517680" y="448200"/>
-            <a:ext cx="6154920" cy="548280"/>
+            <a:ext cx="6154560" cy="548280"/>
           </a:xfrm>
           <a:prstGeom prst="rect">
             <a:avLst/>
@@ -18908,7 +18918,7 @@
           <a:fontRef idx="minor"/>
         </p:style>
         <p:txBody>
-          <a:bodyPr lIns="0" tIns="91440" bIns="91440" anchor="t">
+          <a:bodyPr lIns="0" rIns="90000" tIns="91440" bIns="91440" anchor="t">
             <a:spAutoFit/>
           </a:bodyPr>
           <a:p>
@@ -18948,7 +18958,7 @@
         <p:spPr>
           <a:xfrm>
             <a:off x="532800" y="1050480"/>
-            <a:ext cx="7873200" cy="672120"/>
+            <a:ext cx="7872840" cy="672120"/>
           </a:xfrm>
           <a:prstGeom prst="rect">
             <a:avLst/>
@@ -18965,7 +18975,7 @@
           <a:fontRef idx="minor"/>
         </p:style>
         <p:txBody>
-          <a:bodyPr lIns="0" tIns="91440" bIns="91440" anchor="t">
+          <a:bodyPr lIns="0" rIns="90000" tIns="91440" bIns="91440" anchor="t">
             <a:spAutoFit/>
           </a:bodyPr>
           <a:p>
@@ -19021,7 +19031,7 @@
         <p:spPr>
           <a:xfrm>
             <a:off x="456840" y="2022480"/>
-            <a:ext cx="3335760" cy="427320"/>
+            <a:ext cx="3335400" cy="427320"/>
           </a:xfrm>
           <a:prstGeom prst="rect">
             <a:avLst/>
@@ -19038,7 +19048,7 @@
           <a:fontRef idx="minor"/>
         </p:style>
         <p:txBody>
-          <a:bodyPr tIns="91440" bIns="91440" anchor="t">
+          <a:bodyPr lIns="90000" rIns="90000" tIns="91440" bIns="91440" anchor="t">
             <a:spAutoFit/>
           </a:bodyPr>
           <a:p>
@@ -19078,7 +19088,7 @@
         <p:spPr>
           <a:xfrm>
             <a:off x="4478040" y="2422800"/>
-            <a:ext cx="3775320" cy="2063520"/>
+            <a:ext cx="3774960" cy="2063160"/>
           </a:xfrm>
           <a:prstGeom prst="rect">
             <a:avLst/>
@@ -19097,7 +19107,7 @@
           <a:fontRef idx="minor"/>
         </p:style>
         <p:txBody>
-          <a:bodyPr tIns="91440" bIns="91440" anchor="ctr">
+          <a:bodyPr lIns="90000" rIns="90000" tIns="91440" bIns="91440" anchor="ctr">
             <a:noAutofit/>
           </a:bodyPr>
           <a:p>
@@ -19114,6 +19124,7 @@
                 <a:srgbClr val="000000"/>
               </a:solidFill>
               <a:latin typeface="Arial"/>
+              <a:ea typeface="DejaVu Sans"/>
             </a:endParaRPr>
           </a:p>
         </p:txBody>
@@ -19127,7 +19138,7 @@
         <p:spPr>
           <a:xfrm>
             <a:off x="4984560" y="2568600"/>
-            <a:ext cx="3335760" cy="427320"/>
+            <a:ext cx="3335400" cy="427320"/>
           </a:xfrm>
           <a:prstGeom prst="rect">
             <a:avLst/>
@@ -19144,7 +19155,7 @@
           <a:fontRef idx="minor"/>
         </p:style>
         <p:txBody>
-          <a:bodyPr tIns="91440" bIns="91440" anchor="t">
+          <a:bodyPr lIns="90000" rIns="90000" tIns="91440" bIns="91440" anchor="t">
             <a:spAutoFit/>
           </a:bodyPr>
           <a:p>
@@ -19184,7 +19195,7 @@
         <p:spPr>
           <a:xfrm>
             <a:off x="4671720" y="2631240"/>
-            <a:ext cx="274320" cy="274320"/>
+            <a:ext cx="273960" cy="273960"/>
           </a:xfrm>
           <a:prstGeom prst="ellipse">
             <a:avLst/>
@@ -19243,7 +19254,7 @@
         <p:spPr>
           <a:xfrm>
             <a:off x="4984560" y="3198240"/>
-            <a:ext cx="3335760" cy="427320"/>
+            <a:ext cx="3335400" cy="427320"/>
           </a:xfrm>
           <a:prstGeom prst="rect">
             <a:avLst/>
@@ -19260,7 +19271,7 @@
           <a:fontRef idx="minor"/>
         </p:style>
         <p:txBody>
-          <a:bodyPr tIns="91440" bIns="91440" anchor="t">
+          <a:bodyPr lIns="90000" rIns="90000" tIns="91440" bIns="91440" anchor="t">
             <a:spAutoFit/>
           </a:bodyPr>
           <a:p>
@@ -19300,7 +19311,7 @@
         <p:spPr>
           <a:xfrm>
             <a:off x="4671720" y="3260880"/>
-            <a:ext cx="274320" cy="274320"/>
+            <a:ext cx="273960" cy="273960"/>
           </a:xfrm>
           <a:prstGeom prst="ellipse">
             <a:avLst/>
@@ -19359,7 +19370,7 @@
         <p:spPr>
           <a:xfrm>
             <a:off x="4416840" y="2022480"/>
-            <a:ext cx="3335760" cy="427320"/>
+            <a:ext cx="3335400" cy="427320"/>
           </a:xfrm>
           <a:prstGeom prst="rect">
             <a:avLst/>
@@ -19376,7 +19387,7 @@
           <a:fontRef idx="minor"/>
         </p:style>
         <p:txBody>
-          <a:bodyPr tIns="91440" bIns="91440" anchor="t">
+          <a:bodyPr lIns="90000" rIns="90000" tIns="91440" bIns="91440" anchor="t">
             <a:spAutoFit/>
           </a:bodyPr>
           <a:p>
@@ -19416,7 +19427,7 @@
         <p:spPr>
           <a:xfrm>
             <a:off x="4937400" y="3828240"/>
-            <a:ext cx="3335760" cy="427320"/>
+            <a:ext cx="3335400" cy="427320"/>
           </a:xfrm>
           <a:prstGeom prst="rect">
             <a:avLst/>
@@ -19433,7 +19444,7 @@
           <a:fontRef idx="minor"/>
         </p:style>
         <p:txBody>
-          <a:bodyPr tIns="91440" bIns="91440" anchor="t">
+          <a:bodyPr lIns="90000" rIns="90000" tIns="91440" bIns="91440" anchor="t">
             <a:spAutoFit/>
           </a:bodyPr>
           <a:p>
@@ -19473,7 +19484,7 @@
         <p:spPr>
           <a:xfrm>
             <a:off x="4671360" y="3890880"/>
-            <a:ext cx="274320" cy="274320"/>
+            <a:ext cx="273960" cy="273960"/>
           </a:xfrm>
           <a:prstGeom prst="ellipse">
             <a:avLst/>
@@ -19532,7 +19543,7 @@
         <p:spPr>
           <a:xfrm>
             <a:off x="456840" y="2422800"/>
-            <a:ext cx="3775320" cy="2063520"/>
+            <a:ext cx="3774960" cy="2063160"/>
           </a:xfrm>
           <a:prstGeom prst="rect">
             <a:avLst/>
@@ -19551,7 +19562,7 @@
           <a:fontRef idx="minor"/>
         </p:style>
         <p:txBody>
-          <a:bodyPr tIns="91440" bIns="91440" anchor="ctr">
+          <a:bodyPr lIns="90000" rIns="90000" tIns="91440" bIns="91440" anchor="ctr">
             <a:noAutofit/>
           </a:bodyPr>
           <a:p>
@@ -19568,6 +19579,7 @@
                 <a:srgbClr val="000000"/>
               </a:solidFill>
               <a:latin typeface="Arial"/>
+              <a:ea typeface="DejaVu Sans"/>
             </a:endParaRPr>
           </a:p>
         </p:txBody>
@@ -19581,7 +19593,7 @@
         <p:spPr>
           <a:xfrm>
             <a:off x="963360" y="2568600"/>
-            <a:ext cx="3335760" cy="427320"/>
+            <a:ext cx="3335400" cy="427320"/>
           </a:xfrm>
           <a:prstGeom prst="rect">
             <a:avLst/>
@@ -19598,7 +19610,7 @@
           <a:fontRef idx="minor"/>
         </p:style>
         <p:txBody>
-          <a:bodyPr tIns="91440" bIns="91440" anchor="t">
+          <a:bodyPr lIns="90000" rIns="90000" tIns="91440" bIns="91440" anchor="t">
             <a:spAutoFit/>
           </a:bodyPr>
           <a:p>
@@ -19638,7 +19650,7 @@
         <p:spPr>
           <a:xfrm>
             <a:off x="650160" y="2631240"/>
-            <a:ext cx="274320" cy="274320"/>
+            <a:ext cx="273960" cy="273960"/>
           </a:xfrm>
           <a:prstGeom prst="ellipse">
             <a:avLst/>
@@ -19697,7 +19709,7 @@
         <p:spPr>
           <a:xfrm>
             <a:off x="963360" y="3198240"/>
-            <a:ext cx="3335760" cy="427320"/>
+            <a:ext cx="3335400" cy="427320"/>
           </a:xfrm>
           <a:prstGeom prst="rect">
             <a:avLst/>
@@ -19714,7 +19726,7 @@
           <a:fontRef idx="minor"/>
         </p:style>
         <p:txBody>
-          <a:bodyPr tIns="91440" bIns="91440" anchor="t">
+          <a:bodyPr lIns="90000" rIns="90000" tIns="91440" bIns="91440" anchor="t">
             <a:spAutoFit/>
           </a:bodyPr>
           <a:p>
@@ -19754,7 +19766,7 @@
         <p:spPr>
           <a:xfrm>
             <a:off x="650160" y="3260880"/>
-            <a:ext cx="274320" cy="274320"/>
+            <a:ext cx="273960" cy="273960"/>
           </a:xfrm>
           <a:prstGeom prst="ellipse">
             <a:avLst/>
@@ -19813,7 +19825,7 @@
         <p:spPr>
           <a:xfrm>
             <a:off x="916200" y="3828240"/>
-            <a:ext cx="3335760" cy="427320"/>
+            <a:ext cx="3335400" cy="427320"/>
           </a:xfrm>
           <a:prstGeom prst="rect">
             <a:avLst/>
@@ -19830,7 +19842,7 @@
           <a:fontRef idx="minor"/>
         </p:style>
         <p:txBody>
-          <a:bodyPr tIns="91440" bIns="91440" anchor="t">
+          <a:bodyPr lIns="90000" rIns="90000" tIns="91440" bIns="91440" anchor="t">
             <a:spAutoFit/>
           </a:bodyPr>
           <a:p>
@@ -19870,7 +19882,7 @@
         <p:spPr>
           <a:xfrm>
             <a:off x="650160" y="3890880"/>
-            <a:ext cx="274320" cy="274320"/>
+            <a:ext cx="273960" cy="273960"/>
           </a:xfrm>
           <a:prstGeom prst="ellipse">
             <a:avLst/>
@@ -19966,7 +19978,7 @@
         <p:spPr>
           <a:xfrm>
             <a:off x="3721320" y="2048400"/>
-            <a:ext cx="3989520" cy="1141560"/>
+            <a:ext cx="3989160" cy="1141560"/>
           </a:xfrm>
           <a:prstGeom prst="rect">
             <a:avLst/>
@@ -19983,7 +19995,7 @@
           <a:fontRef idx="minor"/>
         </p:style>
         <p:txBody>
-          <a:bodyPr tIns="91440" bIns="91440" anchor="t">
+          <a:bodyPr lIns="90000" rIns="90000" tIns="91440" bIns="91440" anchor="t">
             <a:spAutoFit/>
           </a:bodyPr>
           <a:p>
@@ -20081,7 +20093,7 @@
         <p:spPr>
           <a:xfrm>
             <a:off x="-468720" y="2082240"/>
-            <a:ext cx="3704040" cy="1023480"/>
+            <a:ext cx="3703680" cy="1023480"/>
           </a:xfrm>
           <a:prstGeom prst="rect">
             <a:avLst/>
@@ -20098,7 +20110,7 @@
           <a:fontRef idx="minor"/>
         </p:style>
         <p:txBody>
-          <a:bodyPr tIns="91440" bIns="91440" anchor="t">
+          <a:bodyPr lIns="90000" rIns="90000" tIns="91440" bIns="91440" anchor="t">
             <a:spAutoFit/>
           </a:bodyPr>
           <a:p>
@@ -20164,7 +20176,7 @@
         <p:spPr>
           <a:xfrm>
             <a:off x="3459960" y="1032120"/>
-            <a:ext cx="37080" cy="3079440"/>
+            <a:ext cx="37440" cy="3079800"/>
           </a:xfrm>
           <a:prstGeom prst="straightConnector1">
             <a:avLst/>
@@ -20216,7 +20228,7 @@
         <p:spPr>
           <a:xfrm>
             <a:off x="517680" y="524520"/>
-            <a:ext cx="7000560" cy="548280"/>
+            <a:ext cx="7000200" cy="548280"/>
           </a:xfrm>
           <a:prstGeom prst="rect">
             <a:avLst/>
@@ -20233,7 +20245,7 @@
           <a:fontRef idx="minor"/>
         </p:style>
         <p:txBody>
-          <a:bodyPr lIns="0" tIns="91440" bIns="91440" anchor="t">
+          <a:bodyPr lIns="0" rIns="90000" tIns="91440" bIns="91440" anchor="t">
             <a:spAutoFit/>
           </a:bodyPr>
           <a:p>
@@ -20273,7 +20285,7 @@
         <p:spPr>
           <a:xfrm>
             <a:off x="517680" y="1522440"/>
-            <a:ext cx="2421000" cy="1141560"/>
+            <a:ext cx="2420640" cy="1141560"/>
           </a:xfrm>
           <a:prstGeom prst="rect">
             <a:avLst/>
@@ -20290,7 +20302,7 @@
           <a:fontRef idx="minor"/>
         </p:style>
         <p:txBody>
-          <a:bodyPr lIns="0" tIns="91440" bIns="91440" anchor="t">
+          <a:bodyPr lIns="0" rIns="90000" tIns="91440" bIns="91440" anchor="t">
             <a:spAutoFit/>
           </a:bodyPr>
           <a:p>
@@ -20346,7 +20358,7 @@
         <p:spPr>
           <a:xfrm>
             <a:off x="3718440" y="1249920"/>
-            <a:ext cx="1818720" cy="3174120"/>
+            <a:ext cx="1818360" cy="3173760"/>
           </a:xfrm>
           <a:prstGeom prst="rect">
             <a:avLst/>
@@ -20365,7 +20377,7 @@
           <a:fontRef idx="minor"/>
         </p:style>
         <p:txBody>
-          <a:bodyPr tIns="91440" bIns="91440" anchor="ctr">
+          <a:bodyPr lIns="90000" rIns="90000" tIns="91440" bIns="91440" anchor="ctr">
             <a:noAutofit/>
           </a:bodyPr>
           <a:p>
@@ -20382,6 +20394,7 @@
                 <a:srgbClr val="000000"/>
               </a:solidFill>
               <a:latin typeface="Arial"/>
+              <a:ea typeface="DejaVu Sans"/>
             </a:endParaRPr>
           </a:p>
         </p:txBody>
@@ -20395,7 +20408,7 @@
         <p:spPr>
           <a:xfrm>
             <a:off x="4008600" y="2393640"/>
-            <a:ext cx="1238760" cy="1095120"/>
+            <a:ext cx="1238400" cy="1095120"/>
           </a:xfrm>
           <a:prstGeom prst="rect">
             <a:avLst/>
@@ -20412,7 +20425,7 @@
           <a:fontRef idx="minor"/>
         </p:style>
         <p:txBody>
-          <a:bodyPr tIns="91440" bIns="91440" anchor="t">
+          <a:bodyPr lIns="90000" rIns="90000" tIns="91440" bIns="91440" anchor="t">
             <a:spAutoFit/>
           </a:bodyPr>
           <a:p>
@@ -20452,7 +20465,7 @@
         <p:spPr>
           <a:xfrm>
             <a:off x="6774120" y="1268280"/>
-            <a:ext cx="1818720" cy="3174120"/>
+            <a:ext cx="1818360" cy="3173760"/>
           </a:xfrm>
           <a:prstGeom prst="rect">
             <a:avLst/>
@@ -20471,7 +20484,7 @@
           <a:fontRef idx="minor"/>
         </p:style>
         <p:txBody>
-          <a:bodyPr tIns="91440" bIns="91440" anchor="ctr">
+          <a:bodyPr lIns="90000" rIns="90000" tIns="91440" bIns="91440" anchor="ctr">
             <a:noAutofit/>
           </a:bodyPr>
           <a:p>
@@ -20488,6 +20501,7 @@
                 <a:srgbClr val="000000"/>
               </a:solidFill>
               <a:latin typeface="Arial"/>
+              <a:ea typeface="DejaVu Sans"/>
             </a:endParaRPr>
           </a:p>
         </p:txBody>
@@ -20501,7 +20515,7 @@
         <p:spPr>
           <a:xfrm>
             <a:off x="5749560" y="2855160"/>
-            <a:ext cx="812520" cy="360"/>
+            <a:ext cx="812880" cy="720"/>
           </a:xfrm>
           <a:prstGeom prst="straightConnector1">
             <a:avLst/>
@@ -20524,7 +20538,7 @@
         <p:spPr>
           <a:xfrm>
             <a:off x="3450960" y="853200"/>
-            <a:ext cx="2353320" cy="578160"/>
+            <a:ext cx="2352960" cy="578160"/>
           </a:xfrm>
           <a:prstGeom prst="rect">
             <a:avLst/>
@@ -20541,7 +20555,7 @@
           <a:fontRef idx="minor"/>
         </p:style>
         <p:txBody>
-          <a:bodyPr tIns="91440" bIns="91440" anchor="t">
+          <a:bodyPr lIns="90000" rIns="90000" tIns="91440" bIns="91440" anchor="t">
             <a:spAutoFit/>
           </a:bodyPr>
           <a:p>
@@ -20597,7 +20611,7 @@
         <p:spPr>
           <a:xfrm>
             <a:off x="6506640" y="853200"/>
-            <a:ext cx="2353320" cy="578160"/>
+            <a:ext cx="2352960" cy="578160"/>
           </a:xfrm>
           <a:prstGeom prst="rect">
             <a:avLst/>
@@ -20614,7 +20628,7 @@
           <a:fontRef idx="minor"/>
         </p:style>
         <p:txBody>
-          <a:bodyPr tIns="91440" bIns="91440" anchor="t">
+          <a:bodyPr lIns="90000" rIns="90000" tIns="91440" bIns="91440" anchor="t">
             <a:spAutoFit/>
           </a:bodyPr>
           <a:p>
@@ -20670,7 +20684,7 @@
         <p:spPr>
           <a:xfrm>
             <a:off x="7064280" y="2393640"/>
-            <a:ext cx="1238760" cy="1095120"/>
+            <a:ext cx="1238400" cy="1095120"/>
           </a:xfrm>
           <a:prstGeom prst="rect">
             <a:avLst/>
@@ -20687,7 +20701,7 @@
           <a:fontRef idx="minor"/>
         </p:style>
         <p:txBody>
-          <a:bodyPr tIns="91440" bIns="91440" anchor="t">
+          <a:bodyPr lIns="90000" rIns="90000" tIns="91440" bIns="91440" anchor="t">
             <a:spAutoFit/>
           </a:bodyPr>
           <a:p>
@@ -20757,7 +20771,7 @@
         <p:spPr>
           <a:xfrm>
             <a:off x="517680" y="524520"/>
-            <a:ext cx="7000560" cy="548280"/>
+            <a:ext cx="7000200" cy="548280"/>
           </a:xfrm>
           <a:prstGeom prst="rect">
             <a:avLst/>
@@ -20774,7 +20788,7 @@
           <a:fontRef idx="minor"/>
         </p:style>
         <p:txBody>
-          <a:bodyPr lIns="0" tIns="91440" bIns="91440" anchor="t">
+          <a:bodyPr lIns="0" rIns="90000" tIns="91440" bIns="91440" anchor="t">
             <a:spAutoFit/>
           </a:bodyPr>
           <a:p>
@@ -20814,7 +20828,7 @@
         <p:spPr>
           <a:xfrm>
             <a:off x="517680" y="1522440"/>
-            <a:ext cx="2421000" cy="1141560"/>
+            <a:ext cx="2420640" cy="1141560"/>
           </a:xfrm>
           <a:prstGeom prst="rect">
             <a:avLst/>
@@ -20831,7 +20845,7 @@
           <a:fontRef idx="minor"/>
         </p:style>
         <p:txBody>
-          <a:bodyPr lIns="0" tIns="91440" bIns="91440" anchor="t">
+          <a:bodyPr lIns="0" rIns="90000" tIns="91440" bIns="91440" anchor="t">
             <a:spAutoFit/>
           </a:bodyPr>
           <a:p>
@@ -20887,7 +20901,7 @@
         <p:spPr>
           <a:xfrm>
             <a:off x="3718440" y="1249920"/>
-            <a:ext cx="1818720" cy="3174120"/>
+            <a:ext cx="1818360" cy="3173760"/>
           </a:xfrm>
           <a:prstGeom prst="rect">
             <a:avLst/>
@@ -20906,7 +20920,7 @@
           <a:fontRef idx="minor"/>
         </p:style>
         <p:txBody>
-          <a:bodyPr tIns="91440" bIns="91440" anchor="ctr">
+          <a:bodyPr lIns="90000" rIns="90000" tIns="91440" bIns="91440" anchor="ctr">
             <a:noAutofit/>
           </a:bodyPr>
           <a:p>
@@ -20923,6 +20937,7 @@
                 <a:srgbClr val="000000"/>
               </a:solidFill>
               <a:latin typeface="Arial"/>
+              <a:ea typeface="DejaVu Sans"/>
             </a:endParaRPr>
           </a:p>
         </p:txBody>
@@ -20936,7 +20951,7 @@
         <p:spPr>
           <a:xfrm>
             <a:off x="6774120" y="1268280"/>
-            <a:ext cx="1818720" cy="3174120"/>
+            <a:ext cx="1818360" cy="3173760"/>
           </a:xfrm>
           <a:prstGeom prst="rect">
             <a:avLst/>
@@ -20955,7 +20970,7 @@
           <a:fontRef idx="minor"/>
         </p:style>
         <p:txBody>
-          <a:bodyPr tIns="91440" bIns="91440" anchor="ctr">
+          <a:bodyPr lIns="90000" rIns="90000" tIns="91440" bIns="91440" anchor="ctr">
             <a:noAutofit/>
           </a:bodyPr>
           <a:p>
@@ -20972,6 +20987,7 @@
                 <a:srgbClr val="000000"/>
               </a:solidFill>
               <a:latin typeface="Arial"/>
+              <a:ea typeface="DejaVu Sans"/>
             </a:endParaRPr>
           </a:p>
         </p:txBody>
@@ -20985,7 +21001,7 @@
         <p:spPr>
           <a:xfrm>
             <a:off x="5749560" y="2855160"/>
-            <a:ext cx="812520" cy="360"/>
+            <a:ext cx="812880" cy="720"/>
           </a:xfrm>
           <a:prstGeom prst="straightConnector1">
             <a:avLst/>
@@ -21008,7 +21024,7 @@
         <p:spPr>
           <a:xfrm>
             <a:off x="3450960" y="853200"/>
-            <a:ext cx="2353320" cy="578160"/>
+            <a:ext cx="2352960" cy="578160"/>
           </a:xfrm>
           <a:prstGeom prst="rect">
             <a:avLst/>
@@ -21025,7 +21041,7 @@
           <a:fontRef idx="minor"/>
         </p:style>
         <p:txBody>
-          <a:bodyPr tIns="91440" bIns="91440" anchor="t">
+          <a:bodyPr lIns="90000" rIns="90000" tIns="91440" bIns="91440" anchor="t">
             <a:spAutoFit/>
           </a:bodyPr>
           <a:p>
@@ -21081,7 +21097,7 @@
         <p:spPr>
           <a:xfrm>
             <a:off x="6506640" y="853200"/>
-            <a:ext cx="2353320" cy="578160"/>
+            <a:ext cx="2352960" cy="578160"/>
           </a:xfrm>
           <a:prstGeom prst="rect">
             <a:avLst/>
@@ -21098,7 +21114,7 @@
           <a:fontRef idx="minor"/>
         </p:style>
         <p:txBody>
-          <a:bodyPr tIns="91440" bIns="91440" anchor="t">
+          <a:bodyPr lIns="90000" rIns="90000" tIns="91440" bIns="91440" anchor="t">
             <a:spAutoFit/>
           </a:bodyPr>
           <a:p>
@@ -21154,7 +21170,7 @@
         <p:spPr>
           <a:xfrm>
             <a:off x="4008600" y="2393640"/>
-            <a:ext cx="1238760" cy="1095120"/>
+            <a:ext cx="1238400" cy="1095120"/>
           </a:xfrm>
           <a:prstGeom prst="rect">
             <a:avLst/>
@@ -21171,7 +21187,7 @@
           <a:fontRef idx="minor"/>
         </p:style>
         <p:txBody>
-          <a:bodyPr tIns="91440" bIns="91440" anchor="t">
+          <a:bodyPr lIns="90000" rIns="90000" tIns="91440" bIns="91440" anchor="t">
             <a:spAutoFit/>
           </a:bodyPr>
           <a:p>
@@ -21211,7 +21227,7 @@
         <p:spPr>
           <a:xfrm>
             <a:off x="7064280" y="2393640"/>
-            <a:ext cx="1238760" cy="1095120"/>
+            <a:ext cx="1238400" cy="1095120"/>
           </a:xfrm>
           <a:prstGeom prst="rect">
             <a:avLst/>
@@ -21228,7 +21244,7 @@
           <a:fontRef idx="minor"/>
         </p:style>
         <p:txBody>
-          <a:bodyPr tIns="91440" bIns="91440" anchor="t">
+          <a:bodyPr lIns="90000" rIns="90000" tIns="91440" bIns="91440" anchor="t">
             <a:spAutoFit/>
           </a:bodyPr>
           <a:p>
@@ -21298,7 +21314,7 @@
         <p:spPr>
           <a:xfrm>
             <a:off x="517680" y="524520"/>
-            <a:ext cx="7000560" cy="548280"/>
+            <a:ext cx="7000200" cy="548280"/>
           </a:xfrm>
           <a:prstGeom prst="rect">
             <a:avLst/>
@@ -21315,7 +21331,7 @@
           <a:fontRef idx="minor"/>
         </p:style>
         <p:txBody>
-          <a:bodyPr lIns="0" tIns="91440" bIns="91440" anchor="t">
+          <a:bodyPr lIns="0" rIns="90000" tIns="91440" bIns="91440" anchor="t">
             <a:spAutoFit/>
           </a:bodyPr>
           <a:p>
@@ -21355,7 +21371,7 @@
         <p:spPr>
           <a:xfrm>
             <a:off x="531000" y="1391760"/>
-            <a:ext cx="1818720" cy="3174120"/>
+            <a:ext cx="1818360" cy="3173760"/>
           </a:xfrm>
           <a:prstGeom prst="rect">
             <a:avLst/>
@@ -21374,7 +21390,7 @@
           <a:fontRef idx="minor"/>
         </p:style>
         <p:txBody>
-          <a:bodyPr tIns="91440" bIns="91440" anchor="ctr">
+          <a:bodyPr lIns="90000" rIns="90000" tIns="91440" bIns="91440" anchor="ctr">
             <a:noAutofit/>
           </a:bodyPr>
           <a:p>
@@ -21391,6 +21407,7 @@
                 <a:srgbClr val="000000"/>
               </a:solidFill>
               <a:latin typeface="Arial"/>
+              <a:ea typeface="DejaVu Sans"/>
             </a:endParaRPr>
           </a:p>
         </p:txBody>
@@ -21404,7 +21421,7 @@
         <p:spPr>
           <a:xfrm>
             <a:off x="2601720" y="1413720"/>
-            <a:ext cx="1818720" cy="3174120"/>
+            <a:ext cx="1818360" cy="3173760"/>
           </a:xfrm>
           <a:prstGeom prst="rect">
             <a:avLst/>
@@ -21423,7 +21440,7 @@
           <a:fontRef idx="minor"/>
         </p:style>
         <p:txBody>
-          <a:bodyPr tIns="91440" bIns="91440" anchor="ctr">
+          <a:bodyPr lIns="90000" rIns="90000" tIns="91440" bIns="91440" anchor="ctr">
             <a:noAutofit/>
           </a:bodyPr>
           <a:p>
@@ -21440,6 +21457,7 @@
                 <a:srgbClr val="000000"/>
               </a:solidFill>
               <a:latin typeface="Arial"/>
+              <a:ea typeface="DejaVu Sans"/>
             </a:endParaRPr>
           </a:p>
         </p:txBody>
@@ -21453,7 +21471,7 @@
         <p:spPr>
           <a:xfrm>
             <a:off x="4698000" y="1447920"/>
-            <a:ext cx="1818720" cy="3174120"/>
+            <a:ext cx="1818360" cy="3173760"/>
           </a:xfrm>
           <a:prstGeom prst="rect">
             <a:avLst/>
@@ -21472,7 +21490,7 @@
           <a:fontRef idx="minor"/>
         </p:style>
         <p:txBody>
-          <a:bodyPr tIns="91440" bIns="91440" anchor="ctr">
+          <a:bodyPr lIns="90000" rIns="90000" tIns="91440" bIns="91440" anchor="ctr">
             <a:noAutofit/>
           </a:bodyPr>
           <a:p>
@@ -21489,6 +21507,7 @@
                 <a:srgbClr val="000000"/>
               </a:solidFill>
               <a:latin typeface="Arial"/>
+              <a:ea typeface="DejaVu Sans"/>
             </a:endParaRPr>
           </a:p>
         </p:txBody>
@@ -21502,7 +21521,7 @@
         <p:spPr>
           <a:xfrm>
             <a:off x="6794280" y="1447920"/>
-            <a:ext cx="1818720" cy="3174120"/>
+            <a:ext cx="1818360" cy="3173760"/>
           </a:xfrm>
           <a:prstGeom prst="rect">
             <a:avLst/>
@@ -21521,7 +21540,7 @@
           <a:fontRef idx="minor"/>
         </p:style>
         <p:txBody>
-          <a:bodyPr tIns="91440" bIns="91440" anchor="ctr">
+          <a:bodyPr lIns="90000" rIns="90000" tIns="91440" bIns="91440" anchor="ctr">
             <a:noAutofit/>
           </a:bodyPr>
           <a:p>
@@ -21538,6 +21557,7 @@
                 <a:srgbClr val="000000"/>
               </a:solidFill>
               <a:latin typeface="Arial"/>
+              <a:ea typeface="DejaVu Sans"/>
             </a:endParaRPr>
           </a:p>
         </p:txBody>
@@ -21551,7 +21571,7 @@
         <p:spPr>
           <a:xfrm>
             <a:off x="890280" y="2701800"/>
-            <a:ext cx="1100160" cy="912600"/>
+            <a:ext cx="1099800" cy="912600"/>
           </a:xfrm>
           <a:prstGeom prst="rect">
             <a:avLst/>
@@ -21568,7 +21588,7 @@
           <a:fontRef idx="minor"/>
         </p:style>
         <p:txBody>
-          <a:bodyPr tIns="91440" bIns="91440" anchor="t">
+          <a:bodyPr lIns="90000" rIns="90000" tIns="91440" bIns="91440" anchor="t">
             <a:spAutoFit/>
           </a:bodyPr>
           <a:p>
@@ -21608,7 +21628,7 @@
         <p:spPr>
           <a:xfrm>
             <a:off x="2953800" y="2723760"/>
-            <a:ext cx="1100160" cy="912600"/>
+            <a:ext cx="1099800" cy="912600"/>
           </a:xfrm>
           <a:prstGeom prst="rect">
             <a:avLst/>
@@ -21625,7 +21645,7 @@
           <a:fontRef idx="minor"/>
         </p:style>
         <p:txBody>
-          <a:bodyPr tIns="91440" bIns="91440" anchor="t">
+          <a:bodyPr lIns="90000" rIns="90000" tIns="91440" bIns="91440" anchor="t">
             <a:spAutoFit/>
           </a:bodyPr>
           <a:p>
@@ -21665,7 +21685,7 @@
         <p:spPr>
           <a:xfrm>
             <a:off x="5057280" y="2701800"/>
-            <a:ext cx="1100160" cy="912600"/>
+            <a:ext cx="1099800" cy="912600"/>
           </a:xfrm>
           <a:prstGeom prst="rect">
             <a:avLst/>
@@ -21682,7 +21702,7 @@
           <a:fontRef idx="minor"/>
         </p:style>
         <p:txBody>
-          <a:bodyPr tIns="91440" bIns="91440" anchor="t">
+          <a:bodyPr lIns="90000" rIns="90000" tIns="91440" bIns="91440" anchor="t">
             <a:spAutoFit/>
           </a:bodyPr>
           <a:p>
@@ -21722,7 +21742,7 @@
         <p:spPr>
           <a:xfrm>
             <a:off x="7160400" y="2757960"/>
-            <a:ext cx="1100160" cy="912600"/>
+            <a:ext cx="1099800" cy="912600"/>
           </a:xfrm>
           <a:prstGeom prst="rect">
             <a:avLst/>
@@ -21739,7 +21759,7 @@
           <a:fontRef idx="minor"/>
         </p:style>
         <p:txBody>
-          <a:bodyPr tIns="91440" bIns="91440" anchor="t">
+          <a:bodyPr lIns="90000" rIns="90000" tIns="91440" bIns="91440" anchor="t">
             <a:spAutoFit/>
           </a:bodyPr>
           <a:p>
@@ -21809,7 +21829,7 @@
         <p:spPr>
           <a:xfrm>
             <a:off x="5517000" y="638640"/>
-            <a:ext cx="3380040" cy="4101120"/>
+            <a:ext cx="3379680" cy="4100760"/>
           </a:xfrm>
           <a:prstGeom prst="rect">
             <a:avLst/>
@@ -21828,7 +21848,7 @@
           <a:fontRef idx="minor"/>
         </p:style>
         <p:txBody>
-          <a:bodyPr tIns="91440" bIns="91440" anchor="ctr">
+          <a:bodyPr lIns="90000" rIns="90000" tIns="91440" bIns="91440" anchor="ctr">
             <a:noAutofit/>
           </a:bodyPr>
           <a:p>
@@ -21845,6 +21865,7 @@
                 <a:srgbClr val="000000"/>
               </a:solidFill>
               <a:latin typeface="Arial"/>
+              <a:ea typeface="DejaVu Sans"/>
             </a:endParaRPr>
           </a:p>
         </p:txBody>
@@ -21858,7 +21879,7 @@
         <p:spPr>
           <a:xfrm>
             <a:off x="1231200" y="1604160"/>
-            <a:ext cx="4085640" cy="1323000"/>
+            <a:ext cx="4085280" cy="1323000"/>
           </a:xfrm>
           <a:prstGeom prst="rect">
             <a:avLst/>
@@ -21875,7 +21896,7 @@
           <a:fontRef idx="minor"/>
         </p:style>
         <p:txBody>
-          <a:bodyPr lIns="0" tIns="91440" bIns="91440" anchor="t">
+          <a:bodyPr lIns="0" rIns="90000" tIns="91440" bIns="91440" anchor="t">
             <a:spAutoFit/>
           </a:bodyPr>
           <a:p>
@@ -21941,7 +21962,7 @@
         <p:spPr>
           <a:xfrm>
             <a:off x="517680" y="524520"/>
-            <a:ext cx="6154920" cy="548280"/>
+            <a:ext cx="6154560" cy="548280"/>
           </a:xfrm>
           <a:prstGeom prst="rect">
             <a:avLst/>
@@ -21958,7 +21979,7 @@
           <a:fontRef idx="minor"/>
         </p:style>
         <p:txBody>
-          <a:bodyPr lIns="0" tIns="91440" bIns="91440" anchor="t">
+          <a:bodyPr lIns="0" rIns="90000" tIns="91440" bIns="91440" anchor="t">
             <a:spAutoFit/>
           </a:bodyPr>
           <a:p>
@@ -21998,7 +22019,7 @@
         <p:spPr>
           <a:xfrm>
             <a:off x="517680" y="1604160"/>
-            <a:ext cx="513000" cy="513000"/>
+            <a:ext cx="512640" cy="512640"/>
           </a:xfrm>
           <a:prstGeom prst="ellipse">
             <a:avLst/>
@@ -22017,7 +22038,7 @@
           <a:fontRef idx="minor"/>
         </p:style>
         <p:txBody>
-          <a:bodyPr tIns="91440" bIns="91440" anchor="ctr">
+          <a:bodyPr lIns="90000" rIns="90000" tIns="91440" bIns="91440" anchor="ctr">
             <a:noAutofit/>
           </a:bodyPr>
           <a:p>
@@ -22034,6 +22055,7 @@
                 <a:srgbClr val="000000"/>
               </a:solidFill>
               <a:latin typeface="Arial"/>
+              <a:ea typeface="DejaVu Sans"/>
             </a:endParaRPr>
           </a:p>
         </p:txBody>
@@ -22047,7 +22069,7 @@
         <p:spPr>
           <a:xfrm>
             <a:off x="1231200" y="3173040"/>
-            <a:ext cx="3445920" cy="1323000"/>
+            <a:ext cx="3445560" cy="1323000"/>
           </a:xfrm>
           <a:prstGeom prst="rect">
             <a:avLst/>
@@ -22064,7 +22086,7 @@
           <a:fontRef idx="minor"/>
         </p:style>
         <p:txBody>
-          <a:bodyPr lIns="0" tIns="91440" bIns="91440" anchor="t">
+          <a:bodyPr lIns="0" rIns="90000" tIns="91440" bIns="91440" anchor="t">
             <a:spAutoFit/>
           </a:bodyPr>
           <a:p>
@@ -22130,7 +22152,7 @@
         <p:spPr>
           <a:xfrm>
             <a:off x="517680" y="3173040"/>
-            <a:ext cx="513000" cy="513000"/>
+            <a:ext cx="512640" cy="512640"/>
           </a:xfrm>
           <a:prstGeom prst="ellipse">
             <a:avLst/>
@@ -22149,7 +22171,7 @@
           <a:fontRef idx="minor"/>
         </p:style>
         <p:txBody>
-          <a:bodyPr tIns="91440" bIns="91440" anchor="ctr">
+          <a:bodyPr lIns="90000" rIns="90000" tIns="91440" bIns="91440" anchor="ctr">
             <a:noAutofit/>
           </a:bodyPr>
           <a:p>
@@ -22166,6 +22188,7 @@
                 <a:srgbClr val="000000"/>
               </a:solidFill>
               <a:latin typeface="Arial"/>
+              <a:ea typeface="DejaVu Sans"/>
             </a:endParaRPr>
           </a:p>
         </p:txBody>
@@ -22179,15 +22202,15 @@
         <p:spPr>
           <a:xfrm>
             <a:off x="643320" y="3299400"/>
-            <a:ext cx="261360" cy="260280"/>
+            <a:ext cx="261000" cy="259920"/>
           </a:xfrm>
           <a:custGeom>
             <a:avLst/>
             <a:gdLst>
-              <a:gd name="textAreaLeft" fmla="*/ 0 w 261360"/>
-              <a:gd name="textAreaRight" fmla="*/ 261720 w 261360"/>
-              <a:gd name="textAreaTop" fmla="*/ 0 h 260280"/>
-              <a:gd name="textAreaBottom" fmla="*/ 260640 h 260280"/>
+              <a:gd name="textAreaLeft" fmla="*/ 0 w 261000"/>
+              <a:gd name="textAreaRight" fmla="*/ 261720 w 261000"/>
+              <a:gd name="textAreaTop" fmla="*/ 0 h 259920"/>
+              <a:gd name="textAreaBottom" fmla="*/ 260640 h 259920"/>
             </a:gdLst>
             <a:ahLst/>
             <a:rect l="textAreaLeft" t="textAreaTop" r="textAreaRight" b="textAreaBottom"/>
@@ -22280,7 +22303,7 @@
           <a:fontRef idx="minor"/>
         </p:style>
         <p:txBody>
-          <a:bodyPr anchor="ctr">
+          <a:bodyPr lIns="90000" rIns="90000" tIns="45000" bIns="45000" anchor="ctr">
             <a:noAutofit/>
           </a:bodyPr>
           <a:p>
@@ -22297,6 +22320,7 @@
                 <a:srgbClr val="000000"/>
               </a:solidFill>
               <a:latin typeface="Arial"/>
+              <a:ea typeface="DejaVu Sans"/>
             </a:endParaRPr>
           </a:p>
         </p:txBody>
@@ -22310,15 +22334,15 @@
         <p:spPr>
           <a:xfrm>
             <a:off x="610560" y="1752120"/>
-            <a:ext cx="327240" cy="216720"/>
+            <a:ext cx="326880" cy="216360"/>
           </a:xfrm>
           <a:custGeom>
             <a:avLst/>
             <a:gdLst>
-              <a:gd name="textAreaLeft" fmla="*/ 0 w 327240"/>
-              <a:gd name="textAreaRight" fmla="*/ 327600 w 327240"/>
-              <a:gd name="textAreaTop" fmla="*/ 0 h 216720"/>
-              <a:gd name="textAreaBottom" fmla="*/ 217080 h 216720"/>
+              <a:gd name="textAreaLeft" fmla="*/ 0 w 326880"/>
+              <a:gd name="textAreaRight" fmla="*/ 327600 w 326880"/>
+              <a:gd name="textAreaTop" fmla="*/ 0 h 216360"/>
+              <a:gd name="textAreaBottom" fmla="*/ 217080 h 216360"/>
             </a:gdLst>
             <a:ahLst/>
             <a:rect l="textAreaLeft" t="textAreaTop" r="textAreaRight" b="textAreaBottom"/>
@@ -22432,7 +22456,7 @@
           <a:fontRef idx="minor"/>
         </p:style>
         <p:txBody>
-          <a:bodyPr anchor="ctr">
+          <a:bodyPr lIns="90000" rIns="90000" tIns="45000" bIns="45000" anchor="ctr">
             <a:noAutofit/>
           </a:bodyPr>
           <a:p>
@@ -22449,6 +22473,7 @@
                 <a:srgbClr val="000000"/>
               </a:solidFill>
               <a:latin typeface="Arial"/>
+              <a:ea typeface="DejaVu Sans"/>
             </a:endParaRPr>
           </a:p>
         </p:txBody>
@@ -22462,7 +22487,7 @@
         <p:spPr>
           <a:xfrm>
             <a:off x="6301800" y="2412360"/>
-            <a:ext cx="1810800" cy="547560"/>
+            <a:ext cx="1810440" cy="547560"/>
           </a:xfrm>
           <a:prstGeom prst="rect">
             <a:avLst/>
@@ -22479,7 +22504,7 @@
           <a:fontRef idx="minor"/>
         </p:style>
         <p:txBody>
-          <a:bodyPr tIns="91440" bIns="91440" anchor="t">
+          <a:bodyPr lIns="90000" rIns="90000" tIns="91440" bIns="91440" anchor="t">
             <a:spAutoFit/>
           </a:bodyPr>
           <a:p>
@@ -22549,7 +22574,7 @@
         <p:spPr>
           <a:xfrm>
             <a:off x="4212000" y="524520"/>
-            <a:ext cx="4682520" cy="4214520"/>
+            <a:ext cx="4682160" cy="4214160"/>
           </a:xfrm>
           <a:prstGeom prst="rect">
             <a:avLst/>
@@ -22568,7 +22593,7 @@
           <a:fontRef idx="minor"/>
         </p:style>
         <p:txBody>
-          <a:bodyPr tIns="91440" bIns="91440" anchor="ctr">
+          <a:bodyPr lIns="90000" rIns="90000" tIns="91440" bIns="91440" anchor="ctr">
             <a:noAutofit/>
           </a:bodyPr>
           <a:p>
@@ -22585,6 +22610,7 @@
                 <a:srgbClr val="000000"/>
               </a:solidFill>
               <a:latin typeface="Arial"/>
+              <a:ea typeface="DejaVu Sans"/>
             </a:endParaRPr>
           </a:p>
         </p:txBody>
@@ -22598,7 +22624,7 @@
         <p:spPr>
           <a:xfrm>
             <a:off x="517680" y="524520"/>
-            <a:ext cx="7000560" cy="1023480"/>
+            <a:ext cx="7000200" cy="1023480"/>
           </a:xfrm>
           <a:prstGeom prst="rect">
             <a:avLst/>
@@ -22615,7 +22641,7 @@
           <a:fontRef idx="minor"/>
         </p:style>
         <p:txBody>
-          <a:bodyPr lIns="0" tIns="91440" bIns="91440" anchor="t">
+          <a:bodyPr lIns="0" rIns="90000" tIns="91440" bIns="91440" anchor="t">
             <a:spAutoFit/>
           </a:bodyPr>
           <a:p>
@@ -22668,7 +22694,7 @@
         <p:spPr>
           <a:xfrm>
             <a:off x="532800" y="1793880"/>
-            <a:ext cx="2223720" cy="1141560"/>
+            <a:ext cx="2223360" cy="1141560"/>
           </a:xfrm>
           <a:prstGeom prst="rect">
             <a:avLst/>
@@ -22685,7 +22711,7 @@
           <a:fontRef idx="minor"/>
         </p:style>
         <p:txBody>
-          <a:bodyPr lIns="0" tIns="91440" bIns="91440" anchor="t">
+          <a:bodyPr lIns="0" rIns="90000" tIns="91440" bIns="91440" anchor="t">
             <a:spAutoFit/>
           </a:bodyPr>
           <a:p>
@@ -22741,7 +22767,7 @@
         <p:spPr>
           <a:xfrm>
             <a:off x="6011640" y="2109960"/>
-            <a:ext cx="1332000" cy="912600"/>
+            <a:ext cx="1331640" cy="912600"/>
           </a:xfrm>
           <a:prstGeom prst="rect">
             <a:avLst/>
@@ -22758,7 +22784,7 @@
           <a:fontRef idx="minor"/>
         </p:style>
         <p:txBody>
-          <a:bodyPr tIns="91440" bIns="91440" anchor="t">
+          <a:bodyPr lIns="90000" rIns="90000" tIns="91440" bIns="91440" anchor="t">
             <a:spAutoFit/>
           </a:bodyPr>
           <a:p>
@@ -22828,7 +22854,7 @@
         <p:spPr>
           <a:xfrm>
             <a:off x="517680" y="524520"/>
-            <a:ext cx="7000560" cy="548280"/>
+            <a:ext cx="7000200" cy="548280"/>
           </a:xfrm>
           <a:prstGeom prst="rect">
             <a:avLst/>
@@ -22845,7 +22871,7 @@
           <a:fontRef idx="minor"/>
         </p:style>
         <p:txBody>
-          <a:bodyPr lIns="0" tIns="91440" bIns="91440" anchor="t">
+          <a:bodyPr lIns="0" rIns="90000" tIns="91440" bIns="91440" anchor="t">
             <a:spAutoFit/>
           </a:bodyPr>
           <a:p>
@@ -22885,7 +22911,7 @@
         <p:spPr>
           <a:xfrm>
             <a:off x="517680" y="1472400"/>
-            <a:ext cx="2436120" cy="3174120"/>
+            <a:ext cx="2435760" cy="3173760"/>
           </a:xfrm>
           <a:prstGeom prst="rect">
             <a:avLst/>
@@ -22904,7 +22930,7 @@
           <a:fontRef idx="minor"/>
         </p:style>
         <p:txBody>
-          <a:bodyPr tIns="91440" bIns="91440" anchor="ctr">
+          <a:bodyPr lIns="90000" rIns="90000" tIns="91440" bIns="91440" anchor="ctr">
             <a:noAutofit/>
           </a:bodyPr>
           <a:p>
@@ -22921,6 +22947,7 @@
                 <a:srgbClr val="000000"/>
               </a:solidFill>
               <a:latin typeface="Arial"/>
+              <a:ea typeface="DejaVu Sans"/>
             </a:endParaRPr>
           </a:p>
         </p:txBody>
@@ -22934,7 +22961,7 @@
         <p:spPr>
           <a:xfrm>
             <a:off x="711360" y="1917720"/>
-            <a:ext cx="2048760" cy="1441800"/>
+            <a:ext cx="2048400" cy="1441800"/>
           </a:xfrm>
           <a:prstGeom prst="rect">
             <a:avLst/>
@@ -22951,7 +22978,7 @@
           <a:fontRef idx="minor"/>
         </p:style>
         <p:txBody>
-          <a:bodyPr tIns="91440" bIns="91440" anchor="t">
+          <a:bodyPr lIns="90000" rIns="90000" tIns="91440" bIns="91440" anchor="t">
             <a:spAutoFit/>
           </a:bodyPr>
           <a:p>
@@ -22991,7 +23018,7 @@
         <p:spPr>
           <a:xfrm>
             <a:off x="3175200" y="1472400"/>
-            <a:ext cx="2436120" cy="3174120"/>
+            <a:ext cx="2435760" cy="3173760"/>
           </a:xfrm>
           <a:prstGeom prst="rect">
             <a:avLst/>
@@ -23010,7 +23037,7 @@
           <a:fontRef idx="minor"/>
         </p:style>
         <p:txBody>
-          <a:bodyPr tIns="91440" bIns="91440" anchor="ctr">
+          <a:bodyPr lIns="90000" rIns="90000" tIns="91440" bIns="91440" anchor="ctr">
             <a:noAutofit/>
           </a:bodyPr>
           <a:p>
@@ -23027,6 +23054,7 @@
                 <a:srgbClr val="000000"/>
               </a:solidFill>
               <a:latin typeface="Arial"/>
+              <a:ea typeface="DejaVu Sans"/>
             </a:endParaRPr>
           </a:p>
         </p:txBody>
@@ -23040,7 +23068,7 @@
         <p:spPr>
           <a:xfrm>
             <a:off x="3368880" y="1917720"/>
-            <a:ext cx="2048760" cy="1441800"/>
+            <a:ext cx="2048400" cy="1441800"/>
           </a:xfrm>
           <a:prstGeom prst="rect">
             <a:avLst/>
@@ -23057,7 +23085,7 @@
           <a:fontRef idx="minor"/>
         </p:style>
         <p:txBody>
-          <a:bodyPr tIns="91440" bIns="91440" anchor="t">
+          <a:bodyPr lIns="90000" rIns="90000" tIns="91440" bIns="91440" anchor="t">
             <a:spAutoFit/>
           </a:bodyPr>
           <a:p>
@@ -23097,7 +23125,7 @@
         <p:spPr>
           <a:xfrm>
             <a:off x="5832720" y="1472400"/>
-            <a:ext cx="2436120" cy="3174120"/>
+            <a:ext cx="2435760" cy="3173760"/>
           </a:xfrm>
           <a:prstGeom prst="rect">
             <a:avLst/>
@@ -23116,7 +23144,7 @@
           <a:fontRef idx="minor"/>
         </p:style>
         <p:txBody>
-          <a:bodyPr tIns="91440" bIns="91440" anchor="ctr">
+          <a:bodyPr lIns="90000" rIns="90000" tIns="91440" bIns="91440" anchor="ctr">
             <a:noAutofit/>
           </a:bodyPr>
           <a:p>
@@ -23133,6 +23161,7 @@
                 <a:srgbClr val="000000"/>
               </a:solidFill>
               <a:latin typeface="Arial"/>
+              <a:ea typeface="DejaVu Sans"/>
             </a:endParaRPr>
           </a:p>
         </p:txBody>
@@ -23146,7 +23175,7 @@
         <p:spPr>
           <a:xfrm>
             <a:off x="6026400" y="1917720"/>
-            <a:ext cx="2048760" cy="1441800"/>
+            <a:ext cx="2048400" cy="1441800"/>
           </a:xfrm>
           <a:prstGeom prst="rect">
             <a:avLst/>
@@ -23163,7 +23192,7 @@
           <a:fontRef idx="minor"/>
         </p:style>
         <p:txBody>
-          <a:bodyPr tIns="91440" bIns="91440" anchor="t">
+          <a:bodyPr lIns="90000" rIns="90000" tIns="91440" bIns="91440" anchor="t">
             <a:spAutoFit/>
           </a:bodyPr>
           <a:p>
@@ -23203,7 +23232,7 @@
         <p:spPr>
           <a:xfrm>
             <a:off x="1479240" y="1234080"/>
-            <a:ext cx="513000" cy="513000"/>
+            <a:ext cx="512640" cy="512640"/>
           </a:xfrm>
           <a:prstGeom prst="ellipse">
             <a:avLst/>
@@ -23262,7 +23291,7 @@
         <p:spPr>
           <a:xfrm>
             <a:off x="4136760" y="1234080"/>
-            <a:ext cx="513000" cy="513000"/>
+            <a:ext cx="512640" cy="512640"/>
           </a:xfrm>
           <a:prstGeom prst="ellipse">
             <a:avLst/>
@@ -23321,7 +23350,7 @@
         <p:spPr>
           <a:xfrm>
             <a:off x="6794280" y="1234080"/>
-            <a:ext cx="513000" cy="513000"/>
+            <a:ext cx="512640" cy="512640"/>
           </a:xfrm>
           <a:prstGeom prst="ellipse">
             <a:avLst/>
@@ -23417,7 +23446,7 @@
         <p:spPr>
           <a:xfrm>
             <a:off x="3721320" y="2210040"/>
-            <a:ext cx="2275200" cy="821880"/>
+            <a:ext cx="2274840" cy="821880"/>
           </a:xfrm>
           <a:prstGeom prst="rect">
             <a:avLst/>
@@ -23434,7 +23463,7 @@
           <a:fontRef idx="minor"/>
         </p:style>
         <p:txBody>
-          <a:bodyPr tIns="91440" bIns="91440" anchor="t">
+          <a:bodyPr lIns="90000" rIns="90000" tIns="91440" bIns="91440" anchor="t">
             <a:spAutoFit/>
           </a:bodyPr>
           <a:p>
@@ -23504,7 +23533,7 @@
         <p:spPr>
           <a:xfrm>
             <a:off x="-468720" y="2294640"/>
-            <a:ext cx="3704040" cy="603000"/>
+            <a:ext cx="3703680" cy="603000"/>
           </a:xfrm>
           <a:prstGeom prst="rect">
             <a:avLst/>
@@ -23521,7 +23550,7 @@
           <a:fontRef idx="minor"/>
         </p:style>
         <p:txBody>
-          <a:bodyPr tIns="91440" bIns="91440" anchor="t">
+          <a:bodyPr lIns="90000" rIns="90000" tIns="91440" bIns="91440" anchor="t">
             <a:spAutoFit/>
           </a:bodyPr>
           <a:p>
@@ -23561,7 +23590,7 @@
         <p:spPr>
           <a:xfrm>
             <a:off x="3459960" y="1032120"/>
-            <a:ext cx="37080" cy="3079440"/>
+            <a:ext cx="37440" cy="3079800"/>
           </a:xfrm>
           <a:prstGeom prst="straightConnector1">
             <a:avLst/>
@@ -23613,7 +23642,7 @@
         <p:spPr>
           <a:xfrm>
             <a:off x="517680" y="524160"/>
-            <a:ext cx="4930920" cy="548280"/>
+            <a:ext cx="4930560" cy="548280"/>
           </a:xfrm>
           <a:prstGeom prst="rect">
             <a:avLst/>
@@ -23630,7 +23659,7 @@
           <a:fontRef idx="minor"/>
         </p:style>
         <p:txBody>
-          <a:bodyPr lIns="0" tIns="91440" bIns="91440" anchor="t">
+          <a:bodyPr lIns="0" rIns="90000" tIns="91440" bIns="91440" anchor="t">
             <a:spAutoFit/>
           </a:bodyPr>
           <a:p>
@@ -23670,7 +23699,7 @@
         <p:spPr>
           <a:xfrm>
             <a:off x="539640" y="2238120"/>
-            <a:ext cx="3445920" cy="2417400"/>
+            <a:ext cx="3445560" cy="2417400"/>
           </a:xfrm>
           <a:prstGeom prst="rect">
             <a:avLst/>
@@ -23687,7 +23716,7 @@
           <a:fontRef idx="minor"/>
         </p:style>
         <p:txBody>
-          <a:bodyPr lIns="0" tIns="91440" bIns="91440" anchor="t">
+          <a:bodyPr lIns="0" rIns="90000" tIns="91440" bIns="91440" anchor="t">
             <a:spAutoFit/>
           </a:bodyPr>
           <a:p>
@@ -23779,7 +23808,7 @@
         <p:spPr>
           <a:xfrm>
             <a:off x="539640" y="1533960"/>
-            <a:ext cx="513000" cy="513000"/>
+            <a:ext cx="512640" cy="512640"/>
           </a:xfrm>
           <a:prstGeom prst="ellipse">
             <a:avLst/>
@@ -23798,7 +23827,7 @@
           <a:fontRef idx="minor"/>
         </p:style>
         <p:txBody>
-          <a:bodyPr tIns="91440" bIns="91440" anchor="ctr">
+          <a:bodyPr lIns="90000" rIns="90000" tIns="91440" bIns="91440" anchor="ctr">
             <a:noAutofit/>
           </a:bodyPr>
           <a:p>
@@ -23815,6 +23844,7 @@
                 <a:srgbClr val="000000"/>
               </a:solidFill>
               <a:latin typeface="Arial"/>
+              <a:ea typeface="DejaVu Sans"/>
             </a:endParaRPr>
           </a:p>
         </p:txBody>
@@ -23828,7 +23858,7 @@
         <p:spPr>
           <a:xfrm>
             <a:off x="4495680" y="2238120"/>
-            <a:ext cx="3445920" cy="1049400"/>
+            <a:ext cx="3445560" cy="1049400"/>
           </a:xfrm>
           <a:prstGeom prst="rect">
             <a:avLst/>
@@ -23845,7 +23875,7 @@
           <a:fontRef idx="minor"/>
         </p:style>
         <p:txBody>
-          <a:bodyPr lIns="0" tIns="91440" bIns="91440" anchor="t">
+          <a:bodyPr lIns="0" rIns="90000" tIns="91440" bIns="91440" anchor="t">
             <a:spAutoFit/>
           </a:bodyPr>
           <a:p>
@@ -23911,7 +23941,7 @@
         <p:spPr>
           <a:xfrm>
             <a:off x="4495680" y="1533960"/>
-            <a:ext cx="513000" cy="513000"/>
+            <a:ext cx="512640" cy="512640"/>
           </a:xfrm>
           <a:prstGeom prst="ellipse">
             <a:avLst/>
@@ -23930,7 +23960,7 @@
           <a:fontRef idx="minor"/>
         </p:style>
         <p:txBody>
-          <a:bodyPr tIns="91440" bIns="91440" anchor="ctr">
+          <a:bodyPr lIns="90000" rIns="90000" tIns="91440" bIns="91440" anchor="ctr">
             <a:noAutofit/>
           </a:bodyPr>
           <a:p>
@@ -23947,6 +23977,7 @@
                 <a:srgbClr val="000000"/>
               </a:solidFill>
               <a:latin typeface="Arial"/>
+              <a:ea typeface="DejaVu Sans"/>
             </a:endParaRPr>
           </a:p>
         </p:txBody>
@@ -23960,15 +23991,15 @@
         <p:spPr>
           <a:xfrm>
             <a:off x="678960" y="1660320"/>
-            <a:ext cx="234000" cy="260280"/>
+            <a:ext cx="233640" cy="259920"/>
           </a:xfrm>
           <a:custGeom>
             <a:avLst/>
             <a:gdLst>
-              <a:gd name="textAreaLeft" fmla="*/ 0 w 234000"/>
-              <a:gd name="textAreaRight" fmla="*/ 234360 w 234000"/>
-              <a:gd name="textAreaTop" fmla="*/ 0 h 260280"/>
-              <a:gd name="textAreaBottom" fmla="*/ 260640 h 260280"/>
+              <a:gd name="textAreaLeft" fmla="*/ 0 w 233640"/>
+              <a:gd name="textAreaRight" fmla="*/ 234360 w 233640"/>
+              <a:gd name="textAreaTop" fmla="*/ 0 h 259920"/>
+              <a:gd name="textAreaBottom" fmla="*/ 260640 h 259920"/>
             </a:gdLst>
             <a:ahLst/>
             <a:rect l="textAreaLeft" t="textAreaTop" r="textAreaRight" b="textAreaBottom"/>
@@ -24086,7 +24117,7 @@
           <a:fontRef idx="minor"/>
         </p:style>
         <p:txBody>
-          <a:bodyPr anchor="ctr">
+          <a:bodyPr lIns="90000" rIns="90000" tIns="45000" bIns="45000" anchor="ctr">
             <a:noAutofit/>
           </a:bodyPr>
           <a:p>
@@ -24103,6 +24134,7 @@
                 <a:srgbClr val="000000"/>
               </a:solidFill>
               <a:latin typeface="Arial"/>
+              <a:ea typeface="DejaVu Sans"/>
             </a:endParaRPr>
           </a:p>
         </p:txBody>
@@ -24116,9 +24148,9 @@
         <p:grpSpPr>
           <a:xfrm>
             <a:off x="4605840" y="1676880"/>
-            <a:ext cx="293040" cy="227160"/>
+            <a:ext cx="292680" cy="226800"/>
             <a:chOff x="4605840" y="1676880"/>
-            <a:chExt cx="293040" cy="227160"/>
+            <a:chExt cx="292680" cy="226800"/>
           </a:xfrm>
         </p:grpSpPr>
         <p:sp>
@@ -24130,15 +24162,15 @@
           <p:spPr>
             <a:xfrm>
               <a:off x="4605840" y="1676880"/>
-              <a:ext cx="293040" cy="227160"/>
+              <a:ext cx="292680" cy="226800"/>
             </a:xfrm>
             <a:custGeom>
               <a:avLst/>
               <a:gdLst>
-                <a:gd name="textAreaLeft" fmla="*/ 0 w 293040"/>
-                <a:gd name="textAreaRight" fmla="*/ 293400 w 293040"/>
-                <a:gd name="textAreaTop" fmla="*/ 0 h 227160"/>
-                <a:gd name="textAreaBottom" fmla="*/ 227520 h 227160"/>
+                <a:gd name="textAreaLeft" fmla="*/ 0 w 292680"/>
+                <a:gd name="textAreaRight" fmla="*/ 293400 w 292680"/>
+                <a:gd name="textAreaTop" fmla="*/ 0 h 226800"/>
+                <a:gd name="textAreaBottom" fmla="*/ 227520 h 226800"/>
               </a:gdLst>
               <a:ahLst/>
               <a:rect l="textAreaLeft" t="textAreaTop" r="textAreaRight" b="textAreaBottom"/>
@@ -24916,7 +24948,7 @@
             <a:fontRef idx="minor"/>
           </p:style>
           <p:txBody>
-            <a:bodyPr tIns="91440" bIns="91440" anchor="ctr">
+            <a:bodyPr lIns="90000" rIns="90000" tIns="91440" bIns="91440" anchor="ctr">
               <a:noAutofit/>
             </a:bodyPr>
             <a:p>
@@ -24933,6 +24965,7 @@
                   <a:srgbClr val="000000"/>
                 </a:solidFill>
                 <a:latin typeface="Arial"/>
+                <a:ea typeface="DejaVu Sans"/>
               </a:endParaRPr>
             </a:p>
           </p:txBody>
@@ -24946,15 +24979,15 @@
           <p:spPr>
             <a:xfrm>
               <a:off x="4765680" y="1737000"/>
-              <a:ext cx="93240" cy="32760"/>
+              <a:ext cx="92880" cy="32400"/>
             </a:xfrm>
             <a:custGeom>
               <a:avLst/>
               <a:gdLst>
-                <a:gd name="textAreaLeft" fmla="*/ 0 w 93240"/>
-                <a:gd name="textAreaRight" fmla="*/ 93600 w 93240"/>
-                <a:gd name="textAreaTop" fmla="*/ 0 h 32760"/>
-                <a:gd name="textAreaBottom" fmla="*/ 33120 h 32760"/>
+                <a:gd name="textAreaLeft" fmla="*/ 0 w 92880"/>
+                <a:gd name="textAreaRight" fmla="*/ 93600 w 92880"/>
+                <a:gd name="textAreaTop" fmla="*/ 0 h 32400"/>
+                <a:gd name="textAreaBottom" fmla="*/ 33120 h 32400"/>
               </a:gdLst>
               <a:ahLst/>
               <a:rect l="textAreaLeft" t="textAreaTop" r="textAreaRight" b="textAreaBottom"/>
@@ -25122,7 +25155,7 @@
             <a:fontRef idx="minor"/>
           </p:style>
           <p:txBody>
-            <a:bodyPr tIns="16560" bIns="16560" anchor="ctr">
+            <a:bodyPr lIns="90000" rIns="90000" tIns="16560" bIns="16560" anchor="ctr">
               <a:noAutofit/>
             </a:bodyPr>
             <a:p>
@@ -25139,6 +25172,7 @@
                   <a:srgbClr val="000000"/>
                 </a:solidFill>
                 <a:latin typeface="Arial"/>
+                <a:ea typeface="DejaVu Sans"/>
               </a:endParaRPr>
             </a:p>
           </p:txBody>
@@ -25152,15 +25186,15 @@
           <p:spPr>
             <a:xfrm>
               <a:off x="4765680" y="1772640"/>
-              <a:ext cx="93240" cy="33120"/>
+              <a:ext cx="92880" cy="32760"/>
             </a:xfrm>
             <a:custGeom>
               <a:avLst/>
               <a:gdLst>
-                <a:gd name="textAreaLeft" fmla="*/ 0 w 93240"/>
-                <a:gd name="textAreaRight" fmla="*/ 93600 w 93240"/>
-                <a:gd name="textAreaTop" fmla="*/ 0 h 33120"/>
-                <a:gd name="textAreaBottom" fmla="*/ 33480 h 33120"/>
+                <a:gd name="textAreaLeft" fmla="*/ 0 w 92880"/>
+                <a:gd name="textAreaRight" fmla="*/ 93600 w 92880"/>
+                <a:gd name="textAreaTop" fmla="*/ 0 h 32760"/>
+                <a:gd name="textAreaBottom" fmla="*/ 33480 h 32760"/>
               </a:gdLst>
               <a:ahLst/>
               <a:rect l="textAreaLeft" t="textAreaTop" r="textAreaRight" b="textAreaBottom"/>
@@ -25334,7 +25368,7 @@
             <a:fontRef idx="minor"/>
           </p:style>
           <p:txBody>
-            <a:bodyPr tIns="16560" bIns="16560" anchor="ctr">
+            <a:bodyPr lIns="90000" rIns="90000" tIns="16560" bIns="16560" anchor="ctr">
               <a:noAutofit/>
             </a:bodyPr>
             <a:p>
@@ -25351,6 +25385,7 @@
                   <a:srgbClr val="000000"/>
                 </a:solidFill>
                 <a:latin typeface="Arial"/>
+                <a:ea typeface="DejaVu Sans"/>
               </a:endParaRPr>
             </a:p>
           </p:txBody>
@@ -25364,15 +25399,15 @@
           <p:spPr>
             <a:xfrm>
               <a:off x="4765680" y="1808640"/>
-              <a:ext cx="93240" cy="32760"/>
+              <a:ext cx="92880" cy="32400"/>
             </a:xfrm>
             <a:custGeom>
               <a:avLst/>
               <a:gdLst>
-                <a:gd name="textAreaLeft" fmla="*/ 0 w 93240"/>
-                <a:gd name="textAreaRight" fmla="*/ 93600 w 93240"/>
-                <a:gd name="textAreaTop" fmla="*/ 0 h 32760"/>
-                <a:gd name="textAreaBottom" fmla="*/ 33120 h 32760"/>
+                <a:gd name="textAreaLeft" fmla="*/ 0 w 92880"/>
+                <a:gd name="textAreaRight" fmla="*/ 93600 w 92880"/>
+                <a:gd name="textAreaTop" fmla="*/ 0 h 32400"/>
+                <a:gd name="textAreaBottom" fmla="*/ 33120 h 32400"/>
               </a:gdLst>
               <a:ahLst/>
               <a:rect l="textAreaLeft" t="textAreaTop" r="textAreaRight" b="textAreaBottom"/>
@@ -25543,7 +25578,7 @@
             <a:fontRef idx="minor"/>
           </p:style>
           <p:txBody>
-            <a:bodyPr tIns="16560" bIns="16560" anchor="ctr">
+            <a:bodyPr lIns="90000" rIns="90000" tIns="16560" bIns="16560" anchor="ctr">
               <a:noAutofit/>
             </a:bodyPr>
             <a:p>
@@ -25560,6 +25595,7 @@
                   <a:srgbClr val="000000"/>
                 </a:solidFill>
                 <a:latin typeface="Arial"/>
+                <a:ea typeface="DejaVu Sans"/>
               </a:endParaRPr>
             </a:p>
           </p:txBody>
@@ -25604,7 +25640,7 @@
         <p:spPr>
           <a:xfrm>
             <a:off x="517680" y="524160"/>
-            <a:ext cx="4930920" cy="548280"/>
+            <a:ext cx="4930560" cy="548280"/>
           </a:xfrm>
           <a:prstGeom prst="rect">
             <a:avLst/>
@@ -25621,7 +25657,7 @@
           <a:fontRef idx="minor"/>
         </p:style>
         <p:txBody>
-          <a:bodyPr lIns="0" tIns="91440" bIns="91440" anchor="t">
+          <a:bodyPr lIns="0" rIns="90000" tIns="91440" bIns="91440" anchor="t">
             <a:spAutoFit/>
           </a:bodyPr>
           <a:p>
@@ -25661,7 +25697,7 @@
         <p:spPr>
           <a:xfrm>
             <a:off x="517680" y="1472400"/>
-            <a:ext cx="2436120" cy="3174120"/>
+            <a:ext cx="2435760" cy="3173760"/>
           </a:xfrm>
           <a:prstGeom prst="rect">
             <a:avLst/>
@@ -25680,7 +25716,7 @@
           <a:fontRef idx="minor"/>
         </p:style>
         <p:txBody>
-          <a:bodyPr tIns="91440" bIns="91440" anchor="ctr">
+          <a:bodyPr lIns="90000" rIns="90000" tIns="91440" bIns="91440" anchor="ctr">
             <a:noAutofit/>
           </a:bodyPr>
           <a:p>
@@ -25697,6 +25733,7 @@
                 <a:srgbClr val="000000"/>
               </a:solidFill>
               <a:latin typeface="Arial"/>
+              <a:ea typeface="DejaVu Sans"/>
             </a:endParaRPr>
           </a:p>
         </p:txBody>
@@ -25710,7 +25747,7 @@
         <p:spPr>
           <a:xfrm>
             <a:off x="711360" y="1917720"/>
-            <a:ext cx="2048760" cy="1231920"/>
+            <a:ext cx="2048400" cy="1231920"/>
           </a:xfrm>
           <a:prstGeom prst="rect">
             <a:avLst/>
@@ -25727,7 +25764,7 @@
           <a:fontRef idx="minor"/>
         </p:style>
         <p:txBody>
-          <a:bodyPr tIns="91440" bIns="91440" anchor="t">
+          <a:bodyPr lIns="90000" rIns="90000" tIns="91440" bIns="91440" anchor="t">
             <a:spAutoFit/>
           </a:bodyPr>
           <a:p>
@@ -25780,7 +25817,7 @@
         <p:spPr>
           <a:xfrm>
             <a:off x="3175200" y="1472400"/>
-            <a:ext cx="2436120" cy="3174120"/>
+            <a:ext cx="2435760" cy="3173760"/>
           </a:xfrm>
           <a:prstGeom prst="rect">
             <a:avLst/>
@@ -25799,7 +25836,7 @@
           <a:fontRef idx="minor"/>
         </p:style>
         <p:txBody>
-          <a:bodyPr tIns="91440" bIns="91440" anchor="ctr">
+          <a:bodyPr lIns="90000" rIns="90000" tIns="91440" bIns="91440" anchor="ctr">
             <a:noAutofit/>
           </a:bodyPr>
           <a:p>
@@ -25816,6 +25853,7 @@
                 <a:srgbClr val="000000"/>
               </a:solidFill>
               <a:latin typeface="Arial"/>
+              <a:ea typeface="DejaVu Sans"/>
             </a:endParaRPr>
           </a:p>
         </p:txBody>
@@ -25829,7 +25867,7 @@
         <p:spPr>
           <a:xfrm>
             <a:off x="3368880" y="1917720"/>
-            <a:ext cx="2048760" cy="1231920"/>
+            <a:ext cx="2048400" cy="1231920"/>
           </a:xfrm>
           <a:prstGeom prst="rect">
             <a:avLst/>
@@ -25846,7 +25884,7 @@
           <a:fontRef idx="minor"/>
         </p:style>
         <p:txBody>
-          <a:bodyPr tIns="91440" bIns="91440" anchor="t">
+          <a:bodyPr lIns="90000" rIns="90000" tIns="91440" bIns="91440" anchor="t">
             <a:spAutoFit/>
           </a:bodyPr>
           <a:p>
@@ -25899,7 +25937,7 @@
         <p:spPr>
           <a:xfrm>
             <a:off x="5832720" y="1472400"/>
-            <a:ext cx="2436120" cy="3174120"/>
+            <a:ext cx="2435760" cy="3173760"/>
           </a:xfrm>
           <a:prstGeom prst="rect">
             <a:avLst/>
@@ -25918,7 +25956,7 @@
           <a:fontRef idx="minor"/>
         </p:style>
         <p:txBody>
-          <a:bodyPr tIns="91440" bIns="91440" anchor="ctr">
+          <a:bodyPr lIns="90000" rIns="90000" tIns="91440" bIns="91440" anchor="ctr">
             <a:noAutofit/>
           </a:bodyPr>
           <a:p>
@@ -25935,6 +25973,7 @@
                 <a:srgbClr val="000000"/>
               </a:solidFill>
               <a:latin typeface="Arial"/>
+              <a:ea typeface="DejaVu Sans"/>
             </a:endParaRPr>
           </a:p>
         </p:txBody>
@@ -25948,7 +25987,7 @@
         <p:spPr>
           <a:xfrm>
             <a:off x="6026400" y="1917720"/>
-            <a:ext cx="2048760" cy="1231920"/>
+            <a:ext cx="2048400" cy="1231920"/>
           </a:xfrm>
           <a:prstGeom prst="rect">
             <a:avLst/>
@@ -25965,7 +26004,7 @@
           <a:fontRef idx="minor"/>
         </p:style>
         <p:txBody>
-          <a:bodyPr tIns="91440" bIns="91440" anchor="t">
+          <a:bodyPr lIns="90000" rIns="90000" tIns="91440" bIns="91440" anchor="t">
             <a:spAutoFit/>
           </a:bodyPr>
           <a:p>
@@ -26018,7 +26057,7 @@
         <p:spPr>
           <a:xfrm>
             <a:off x="1479240" y="1187640"/>
-            <a:ext cx="513000" cy="513000"/>
+            <a:ext cx="512640" cy="512640"/>
           </a:xfrm>
           <a:prstGeom prst="ellipse">
             <a:avLst/>
@@ -26077,7 +26116,7 @@
         <p:spPr>
           <a:xfrm>
             <a:off x="4136760" y="1187640"/>
-            <a:ext cx="513000" cy="513000"/>
+            <a:ext cx="512640" cy="512640"/>
           </a:xfrm>
           <a:prstGeom prst="ellipse">
             <a:avLst/>
@@ -26136,7 +26175,7 @@
         <p:spPr>
           <a:xfrm>
             <a:off x="6794280" y="1187640"/>
-            <a:ext cx="513000" cy="513000"/>
+            <a:ext cx="512640" cy="512640"/>
           </a:xfrm>
           <a:prstGeom prst="ellipse">
             <a:avLst/>
@@ -26225,7 +26264,7 @@
         <p:spPr>
           <a:xfrm>
             <a:off x="517680" y="524160"/>
-            <a:ext cx="4930920" cy="548280"/>
+            <a:ext cx="4930560" cy="548280"/>
           </a:xfrm>
           <a:prstGeom prst="rect">
             <a:avLst/>
@@ -26242,7 +26281,7 @@
           <a:fontRef idx="minor"/>
         </p:style>
         <p:txBody>
-          <a:bodyPr lIns="0" tIns="91440" bIns="91440" anchor="t">
+          <a:bodyPr lIns="0" rIns="90000" tIns="91440" bIns="91440" anchor="t">
             <a:spAutoFit/>
           </a:bodyPr>
           <a:p>
@@ -26282,7 +26321,7 @@
         <p:spPr>
           <a:xfrm>
             <a:off x="3064680" y="-1016280"/>
-            <a:ext cx="6509160" cy="1141560"/>
+            <a:ext cx="6508800" cy="1141560"/>
           </a:xfrm>
           <a:prstGeom prst="rect">
             <a:avLst/>
@@ -26299,7 +26338,7 @@
           <a:fontRef idx="minor"/>
         </p:style>
         <p:txBody>
-          <a:bodyPr tIns="91440" bIns="91440" anchor="t">
+          <a:bodyPr lIns="90000" rIns="90000" tIns="91440" bIns="91440" anchor="t">
             <a:spAutoFit/>
           </a:bodyPr>
           <a:p>
@@ -26339,7 +26378,7 @@
         <p:spPr>
           <a:xfrm>
             <a:off x="517680" y="1832040"/>
-            <a:ext cx="7938720" cy="2509920"/>
+            <a:ext cx="7938360" cy="2509560"/>
           </a:xfrm>
           <a:prstGeom prst="rect">
             <a:avLst/>
@@ -26358,7 +26397,7 @@
           <a:fontRef idx="minor"/>
         </p:style>
         <p:txBody>
-          <a:bodyPr tIns="91440" bIns="91440" anchor="ctr">
+          <a:bodyPr lIns="90000" rIns="90000" tIns="91440" bIns="91440" anchor="ctr">
             <a:noAutofit/>
           </a:bodyPr>
           <a:p>
@@ -26375,6 +26414,7 @@
                 <a:srgbClr val="000000"/>
               </a:solidFill>
               <a:latin typeface="Arial"/>
+              <a:ea typeface="DejaVu Sans"/>
             </a:endParaRPr>
           </a:p>
         </p:txBody>
@@ -26388,7 +26428,7 @@
         <p:spPr>
           <a:xfrm>
             <a:off x="919080" y="2461680"/>
-            <a:ext cx="7135920" cy="1022040"/>
+            <a:ext cx="7135560" cy="1022040"/>
           </a:xfrm>
           <a:prstGeom prst="rect">
             <a:avLst/>
@@ -26405,7 +26445,7 @@
           <a:fontRef idx="minor"/>
         </p:style>
         <p:txBody>
-          <a:bodyPr lIns="0" tIns="91440" bIns="91440" anchor="t">
+          <a:bodyPr lIns="0" rIns="90000" tIns="91440" bIns="91440" anchor="t">
             <a:spAutoFit/>
           </a:bodyPr>
           <a:p>
@@ -26487,7 +26527,7 @@
         <p:spPr>
           <a:xfrm>
             <a:off x="4230360" y="1602360"/>
-            <a:ext cx="513000" cy="513000"/>
+            <a:ext cx="512640" cy="512640"/>
           </a:xfrm>
           <a:prstGeom prst="ellipse">
             <a:avLst/>
@@ -26506,7 +26546,7 @@
           <a:fontRef idx="minor"/>
         </p:style>
         <p:txBody>
-          <a:bodyPr tIns="91440" bIns="91440" anchor="ctr">
+          <a:bodyPr lIns="90000" rIns="90000" tIns="91440" bIns="91440" anchor="ctr">
             <a:noAutofit/>
           </a:bodyPr>
           <a:p>
@@ -26523,6 +26563,7 @@
                 <a:srgbClr val="000000"/>
               </a:solidFill>
               <a:latin typeface="Arial"/>
+              <a:ea typeface="DejaVu Sans"/>
             </a:endParaRPr>
           </a:p>
         </p:txBody>
@@ -26536,15 +26577,15 @@
         <p:spPr>
           <a:xfrm>
             <a:off x="4361760" y="1734120"/>
-            <a:ext cx="250200" cy="249120"/>
+            <a:ext cx="249840" cy="248760"/>
           </a:xfrm>
           <a:custGeom>
             <a:avLst/>
             <a:gdLst>
-              <a:gd name="textAreaLeft" fmla="*/ 0 w 250200"/>
-              <a:gd name="textAreaRight" fmla="*/ 250560 w 250200"/>
-              <a:gd name="textAreaTop" fmla="*/ 0 h 249120"/>
-              <a:gd name="textAreaBottom" fmla="*/ 249480 h 249120"/>
+              <a:gd name="textAreaLeft" fmla="*/ 0 w 249840"/>
+              <a:gd name="textAreaRight" fmla="*/ 250560 w 249840"/>
+              <a:gd name="textAreaTop" fmla="*/ 0 h 248760"/>
+              <a:gd name="textAreaBottom" fmla="*/ 249480 h 248760"/>
             </a:gdLst>
             <a:ahLst/>
             <a:rect l="textAreaLeft" t="textAreaTop" r="textAreaRight" b="textAreaBottom"/>
@@ -26612,7 +26653,7 @@
           <a:fontRef idx="minor"/>
         </p:style>
         <p:txBody>
-          <a:bodyPr anchor="ctr">
+          <a:bodyPr lIns="90000" rIns="90000" tIns="45000" bIns="45000" anchor="ctr">
             <a:noAutofit/>
           </a:bodyPr>
           <a:p>
@@ -26629,6 +26670,7 @@
                 <a:srgbClr val="000000"/>
               </a:solidFill>
               <a:latin typeface="Arial"/>
+              <a:ea typeface="DejaVu Sans"/>
             </a:endParaRPr>
           </a:p>
         </p:txBody>
@@ -26672,7 +26714,7 @@
         <p:spPr>
           <a:xfrm>
             <a:off x="517680" y="2238120"/>
-            <a:ext cx="3445920" cy="1049400"/>
+            <a:ext cx="3445560" cy="1049400"/>
           </a:xfrm>
           <a:prstGeom prst="rect">
             <a:avLst/>
@@ -26689,7 +26731,7 @@
           <a:fontRef idx="minor"/>
         </p:style>
         <p:txBody>
-          <a:bodyPr lIns="0" tIns="91440" bIns="91440" anchor="t">
+          <a:bodyPr lIns="0" rIns="90000" tIns="91440" bIns="91440" anchor="t">
             <a:spAutoFit/>
           </a:bodyPr>
           <a:p>
@@ -26755,7 +26797,7 @@
         <p:spPr>
           <a:xfrm>
             <a:off x="517680" y="524520"/>
-            <a:ext cx="6154920" cy="548280"/>
+            <a:ext cx="6154560" cy="548280"/>
           </a:xfrm>
           <a:prstGeom prst="rect">
             <a:avLst/>
@@ -26772,7 +26814,7 @@
           <a:fontRef idx="minor"/>
         </p:style>
         <p:txBody>
-          <a:bodyPr lIns="0" tIns="91440" bIns="91440" anchor="t">
+          <a:bodyPr lIns="0" rIns="90000" tIns="91440" bIns="91440" anchor="t">
             <a:spAutoFit/>
           </a:bodyPr>
           <a:p>
@@ -26812,7 +26854,7 @@
         <p:spPr>
           <a:xfrm>
             <a:off x="517680" y="1533960"/>
-            <a:ext cx="513000" cy="513000"/>
+            <a:ext cx="512640" cy="512640"/>
           </a:xfrm>
           <a:prstGeom prst="ellipse">
             <a:avLst/>
@@ -26831,7 +26873,7 @@
           <a:fontRef idx="minor"/>
         </p:style>
         <p:txBody>
-          <a:bodyPr tIns="91440" bIns="91440" anchor="ctr">
+          <a:bodyPr lIns="90000" rIns="90000" tIns="91440" bIns="91440" anchor="ctr">
             <a:noAutofit/>
           </a:bodyPr>
           <a:p>
@@ -26848,6 +26890,7 @@
                 <a:srgbClr val="000000"/>
               </a:solidFill>
               <a:latin typeface="Arial"/>
+              <a:ea typeface="DejaVu Sans"/>
             </a:endParaRPr>
           </a:p>
         </p:txBody>
@@ -26861,7 +26904,7 @@
         <p:spPr>
           <a:xfrm>
             <a:off x="4572000" y="2238120"/>
-            <a:ext cx="3445920" cy="1049400"/>
+            <a:ext cx="3445560" cy="1049400"/>
           </a:xfrm>
           <a:prstGeom prst="rect">
             <a:avLst/>
@@ -26878,7 +26921,7 @@
           <a:fontRef idx="minor"/>
         </p:style>
         <p:txBody>
-          <a:bodyPr lIns="0" tIns="91440" bIns="91440" anchor="t">
+          <a:bodyPr lIns="0" rIns="90000" tIns="91440" bIns="91440" anchor="t">
             <a:spAutoFit/>
           </a:bodyPr>
           <a:p>
@@ -26944,7 +26987,7 @@
         <p:spPr>
           <a:xfrm>
             <a:off x="4572000" y="1533960"/>
-            <a:ext cx="513000" cy="513000"/>
+            <a:ext cx="512640" cy="512640"/>
           </a:xfrm>
           <a:prstGeom prst="ellipse">
             <a:avLst/>
@@ -26963,7 +27006,7 @@
           <a:fontRef idx="minor"/>
         </p:style>
         <p:txBody>
-          <a:bodyPr tIns="91440" bIns="91440" anchor="ctr">
+          <a:bodyPr lIns="90000" rIns="90000" tIns="91440" bIns="91440" anchor="ctr">
             <a:noAutofit/>
           </a:bodyPr>
           <a:p>
@@ -26980,6 +27023,7 @@
                 <a:srgbClr val="000000"/>
               </a:solidFill>
               <a:latin typeface="Arial"/>
+              <a:ea typeface="DejaVu Sans"/>
             </a:endParaRPr>
           </a:p>
         </p:txBody>
@@ -26993,15 +27037,15 @@
         <p:spPr>
           <a:xfrm>
             <a:off x="4684320" y="1653480"/>
-            <a:ext cx="288360" cy="273960"/>
+            <a:ext cx="288000" cy="273600"/>
           </a:xfrm>
           <a:custGeom>
             <a:avLst/>
             <a:gdLst>
-              <a:gd name="textAreaLeft" fmla="*/ 0 w 288360"/>
-              <a:gd name="textAreaRight" fmla="*/ 288720 w 288360"/>
-              <a:gd name="textAreaTop" fmla="*/ 0 h 273960"/>
-              <a:gd name="textAreaBottom" fmla="*/ 274320 h 273960"/>
+              <a:gd name="textAreaLeft" fmla="*/ 0 w 288000"/>
+              <a:gd name="textAreaRight" fmla="*/ 288720 w 288000"/>
+              <a:gd name="textAreaTop" fmla="*/ 0 h 273600"/>
+              <a:gd name="textAreaBottom" fmla="*/ 274320 h 273600"/>
             </a:gdLst>
             <a:ahLst/>
             <a:rect l="textAreaLeft" t="textAreaTop" r="textAreaRight" b="textAreaBottom"/>
@@ -27057,7 +27101,7 @@
           <a:fontRef idx="minor"/>
         </p:style>
         <p:txBody>
-          <a:bodyPr anchor="ctr">
+          <a:bodyPr lIns="90000" rIns="90000" tIns="45000" bIns="45000" anchor="ctr">
             <a:noAutofit/>
           </a:bodyPr>
           <a:p>
@@ -27074,6 +27118,7 @@
                 <a:srgbClr val="000000"/>
               </a:solidFill>
               <a:latin typeface="Arial"/>
+              <a:ea typeface="DejaVu Sans"/>
             </a:endParaRPr>
           </a:p>
         </p:txBody>
@@ -27087,15 +27132,15 @@
         <p:spPr>
           <a:xfrm>
             <a:off x="640440" y="1656720"/>
-            <a:ext cx="267480" cy="267480"/>
+            <a:ext cx="267120" cy="267120"/>
           </a:xfrm>
           <a:custGeom>
             <a:avLst/>
             <a:gdLst>
-              <a:gd name="textAreaLeft" fmla="*/ 0 w 267480"/>
-              <a:gd name="textAreaRight" fmla="*/ 267840 w 267480"/>
-              <a:gd name="textAreaTop" fmla="*/ 0 h 267480"/>
-              <a:gd name="textAreaBottom" fmla="*/ 267840 h 267480"/>
+              <a:gd name="textAreaLeft" fmla="*/ 0 w 267120"/>
+              <a:gd name="textAreaRight" fmla="*/ 267840 w 267120"/>
+              <a:gd name="textAreaTop" fmla="*/ 0 h 267120"/>
+              <a:gd name="textAreaBottom" fmla="*/ 267840 h 267120"/>
             </a:gdLst>
             <a:ahLst/>
             <a:rect l="textAreaLeft" t="textAreaTop" r="textAreaRight" b="textAreaBottom"/>
@@ -27532,7 +27577,7 @@
           <a:fontRef idx="minor"/>
         </p:style>
         <p:txBody>
-          <a:bodyPr tIns="91440" bIns="91440" anchor="ctr">
+          <a:bodyPr lIns="90000" rIns="90000" tIns="91440" bIns="91440" anchor="ctr">
             <a:noAutofit/>
           </a:bodyPr>
           <a:p>
@@ -27549,6 +27594,7 @@
                 <a:srgbClr val="000000"/>
               </a:solidFill>
               <a:latin typeface="Arial"/>
+              <a:ea typeface="DejaVu Sans"/>
             </a:endParaRPr>
           </a:p>
         </p:txBody>
@@ -27592,7 +27638,7 @@
         <p:spPr>
           <a:xfrm>
             <a:off x="517680" y="2238120"/>
-            <a:ext cx="3445920" cy="1049400"/>
+            <a:ext cx="3445560" cy="1049400"/>
           </a:xfrm>
           <a:prstGeom prst="rect">
             <a:avLst/>
@@ -27609,7 +27655,7 @@
           <a:fontRef idx="minor"/>
         </p:style>
         <p:txBody>
-          <a:bodyPr lIns="0" tIns="91440" bIns="91440" anchor="t">
+          <a:bodyPr lIns="0" rIns="90000" tIns="91440" bIns="91440" anchor="t">
             <a:spAutoFit/>
           </a:bodyPr>
           <a:p>
@@ -27675,7 +27721,7 @@
         <p:spPr>
           <a:xfrm>
             <a:off x="517680" y="524520"/>
-            <a:ext cx="6154920" cy="548280"/>
+            <a:ext cx="6154560" cy="548280"/>
           </a:xfrm>
           <a:prstGeom prst="rect">
             <a:avLst/>
@@ -27692,7 +27738,7 @@
           <a:fontRef idx="minor"/>
         </p:style>
         <p:txBody>
-          <a:bodyPr lIns="0" tIns="91440" bIns="91440" anchor="t">
+          <a:bodyPr lIns="0" rIns="90000" tIns="91440" bIns="91440" anchor="t">
             <a:spAutoFit/>
           </a:bodyPr>
           <a:p>
@@ -27732,7 +27778,7 @@
         <p:spPr>
           <a:xfrm>
             <a:off x="517680" y="1533960"/>
-            <a:ext cx="513000" cy="513000"/>
+            <a:ext cx="512640" cy="512640"/>
           </a:xfrm>
           <a:prstGeom prst="ellipse">
             <a:avLst/>
@@ -27751,7 +27797,7 @@
           <a:fontRef idx="minor"/>
         </p:style>
         <p:txBody>
-          <a:bodyPr tIns="91440" bIns="91440" anchor="ctr">
+          <a:bodyPr lIns="90000" rIns="90000" tIns="91440" bIns="91440" anchor="ctr">
             <a:noAutofit/>
           </a:bodyPr>
           <a:p>
@@ -27768,6 +27814,7 @@
                 <a:srgbClr val="000000"/>
               </a:solidFill>
               <a:latin typeface="Arial"/>
+              <a:ea typeface="DejaVu Sans"/>
             </a:endParaRPr>
           </a:p>
         </p:txBody>
@@ -27781,7 +27828,7 @@
         <p:spPr>
           <a:xfrm>
             <a:off x="4572000" y="2238120"/>
-            <a:ext cx="3445920" cy="1323000"/>
+            <a:ext cx="3445560" cy="1323000"/>
           </a:xfrm>
           <a:prstGeom prst="rect">
             <a:avLst/>
@@ -27798,7 +27845,7 @@
           <a:fontRef idx="minor"/>
         </p:style>
         <p:txBody>
-          <a:bodyPr lIns="0" tIns="91440" bIns="91440" anchor="t">
+          <a:bodyPr lIns="0" rIns="90000" tIns="91440" bIns="91440" anchor="t">
             <a:spAutoFit/>
           </a:bodyPr>
           <a:p>
@@ -27874,7 +27921,7 @@
         <p:spPr>
           <a:xfrm>
             <a:off x="4572000" y="1533960"/>
-            <a:ext cx="513000" cy="513000"/>
+            <a:ext cx="512640" cy="512640"/>
           </a:xfrm>
           <a:prstGeom prst="ellipse">
             <a:avLst/>
@@ -27893,7 +27940,7 @@
           <a:fontRef idx="minor"/>
         </p:style>
         <p:txBody>
-          <a:bodyPr tIns="91440" bIns="91440" anchor="ctr">
+          <a:bodyPr lIns="90000" rIns="90000" tIns="91440" bIns="91440" anchor="ctr">
             <a:noAutofit/>
           </a:bodyPr>
           <a:p>
@@ -27910,6 +27957,7 @@
                 <a:srgbClr val="000000"/>
               </a:solidFill>
               <a:latin typeface="Arial"/>
+              <a:ea typeface="DejaVu Sans"/>
             </a:endParaRPr>
           </a:p>
         </p:txBody>
@@ -27923,15 +27971,15 @@
         <p:spPr>
           <a:xfrm>
             <a:off x="645480" y="1662480"/>
-            <a:ext cx="257400" cy="255960"/>
+            <a:ext cx="257040" cy="255600"/>
           </a:xfrm>
           <a:custGeom>
             <a:avLst/>
             <a:gdLst>
-              <a:gd name="textAreaLeft" fmla="*/ 0 w 257400"/>
-              <a:gd name="textAreaRight" fmla="*/ 257760 w 257400"/>
-              <a:gd name="textAreaTop" fmla="*/ 0 h 255960"/>
-              <a:gd name="textAreaBottom" fmla="*/ 256320 h 255960"/>
+              <a:gd name="textAreaLeft" fmla="*/ 0 w 257040"/>
+              <a:gd name="textAreaRight" fmla="*/ 257760 w 257040"/>
+              <a:gd name="textAreaTop" fmla="*/ 0 h 255600"/>
+              <a:gd name="textAreaBottom" fmla="*/ 256320 h 255600"/>
             </a:gdLst>
             <a:ahLst/>
             <a:rect l="textAreaLeft" t="textAreaTop" r="textAreaRight" b="textAreaBottom"/>
@@ -28001,7 +28049,7 @@
           <a:fontRef idx="minor"/>
         </p:style>
         <p:txBody>
-          <a:bodyPr anchor="ctr">
+          <a:bodyPr lIns="90000" rIns="90000" tIns="45000" bIns="45000" anchor="ctr">
             <a:noAutofit/>
           </a:bodyPr>
           <a:p>
@@ -28018,6 +28066,7 @@
                 <a:srgbClr val="000000"/>
               </a:solidFill>
               <a:latin typeface="Arial"/>
+              <a:ea typeface="DejaVu Sans"/>
             </a:endParaRPr>
           </a:p>
         </p:txBody>
@@ -28031,15 +28080,15 @@
         <p:spPr>
           <a:xfrm>
             <a:off x="4685760" y="1710720"/>
-            <a:ext cx="285480" cy="159480"/>
+            <a:ext cx="285120" cy="159120"/>
           </a:xfrm>
           <a:custGeom>
             <a:avLst/>
             <a:gdLst>
-              <a:gd name="textAreaLeft" fmla="*/ 0 w 285480"/>
-              <a:gd name="textAreaRight" fmla="*/ 285840 w 285480"/>
-              <a:gd name="textAreaTop" fmla="*/ 0 h 159480"/>
-              <a:gd name="textAreaBottom" fmla="*/ 159840 h 159480"/>
+              <a:gd name="textAreaLeft" fmla="*/ 0 w 285120"/>
+              <a:gd name="textAreaRight" fmla="*/ 285840 w 285120"/>
+              <a:gd name="textAreaTop" fmla="*/ 0 h 159120"/>
+              <a:gd name="textAreaBottom" fmla="*/ 159840 h 159120"/>
             </a:gdLst>
             <a:ahLst/>
             <a:rect l="textAreaLeft" t="textAreaTop" r="textAreaRight" b="textAreaBottom"/>
@@ -28158,7 +28207,7 @@
           <a:fontRef idx="minor"/>
         </p:style>
         <p:txBody>
-          <a:bodyPr anchor="ctr">
+          <a:bodyPr lIns="90000" rIns="90000" tIns="45000" bIns="45000" anchor="ctr">
             <a:noAutofit/>
           </a:bodyPr>
           <a:p>
@@ -28175,6 +28224,7 @@
                 <a:srgbClr val="000000"/>
               </a:solidFill>
               <a:latin typeface="Arial"/>
+              <a:ea typeface="DejaVu Sans"/>
             </a:endParaRPr>
           </a:p>
         </p:txBody>
@@ -28225,7 +28275,7 @@
         <p:spPr>
           <a:xfrm>
             <a:off x="-460080" y="2082240"/>
-            <a:ext cx="3704040" cy="1023480"/>
+            <a:ext cx="3703680" cy="1023480"/>
           </a:xfrm>
           <a:prstGeom prst="rect">
             <a:avLst/>
@@ -28242,7 +28292,7 @@
           <a:fontRef idx="minor"/>
         </p:style>
         <p:txBody>
-          <a:bodyPr tIns="91440" bIns="91440" anchor="t">
+          <a:bodyPr lIns="90000" rIns="90000" tIns="91440" bIns="91440" anchor="t">
             <a:spAutoFit/>
           </a:bodyPr>
           <a:p>
@@ -28308,7 +28358,7 @@
         <p:spPr>
           <a:xfrm>
             <a:off x="3712320" y="1886760"/>
-            <a:ext cx="3946320" cy="1461240"/>
+            <a:ext cx="3945960" cy="1461240"/>
           </a:xfrm>
           <a:prstGeom prst="rect">
             <a:avLst/>
@@ -28325,7 +28375,7 @@
           <a:fontRef idx="minor"/>
         </p:style>
         <p:txBody>
-          <a:bodyPr tIns="91440" bIns="91440" anchor="t">
+          <a:bodyPr lIns="90000" rIns="90000" tIns="91440" bIns="91440" anchor="t">
             <a:spAutoFit/>
           </a:bodyPr>
           <a:p>
@@ -28451,7 +28501,7 @@
         <p:spPr>
           <a:xfrm>
             <a:off x="3459960" y="1032120"/>
-            <a:ext cx="37080" cy="3079440"/>
+            <a:ext cx="37440" cy="3079800"/>
           </a:xfrm>
           <a:prstGeom prst="straightConnector1">
             <a:avLst/>
@@ -28503,7 +28553,7 @@
         <p:spPr>
           <a:xfrm>
             <a:off x="517680" y="1832040"/>
-            <a:ext cx="7938720" cy="2509920"/>
+            <a:ext cx="7938360" cy="2509560"/>
           </a:xfrm>
           <a:prstGeom prst="rect">
             <a:avLst/>
@@ -28522,7 +28572,7 @@
           <a:fontRef idx="minor"/>
         </p:style>
         <p:txBody>
-          <a:bodyPr tIns="91440" bIns="91440" anchor="ctr">
+          <a:bodyPr lIns="90000" rIns="90000" tIns="91440" bIns="91440" anchor="ctr">
             <a:noAutofit/>
           </a:bodyPr>
           <a:p>
@@ -28539,6 +28589,7 @@
                 <a:srgbClr val="000000"/>
               </a:solidFill>
               <a:latin typeface="Arial"/>
+              <a:ea typeface="DejaVu Sans"/>
             </a:endParaRPr>
           </a:p>
         </p:txBody>
@@ -28552,7 +28603,7 @@
         <p:spPr>
           <a:xfrm>
             <a:off x="517680" y="524520"/>
-            <a:ext cx="6154920" cy="548280"/>
+            <a:ext cx="6154560" cy="548280"/>
           </a:xfrm>
           <a:prstGeom prst="rect">
             <a:avLst/>
@@ -28569,7 +28620,7 @@
           <a:fontRef idx="minor"/>
         </p:style>
         <p:txBody>
-          <a:bodyPr lIns="0" tIns="91440" bIns="91440" anchor="t">
+          <a:bodyPr lIns="0" rIns="90000" tIns="91440" bIns="91440" anchor="t">
             <a:spAutoFit/>
           </a:bodyPr>
           <a:p>
@@ -28609,7 +28660,7 @@
         <p:spPr>
           <a:xfrm>
             <a:off x="919080" y="2461680"/>
-            <a:ext cx="7135920" cy="1022040"/>
+            <a:ext cx="7135560" cy="1022040"/>
           </a:xfrm>
           <a:prstGeom prst="rect">
             <a:avLst/>
@@ -28626,7 +28677,7 @@
           <a:fontRef idx="minor"/>
         </p:style>
         <p:txBody>
-          <a:bodyPr lIns="0" tIns="91440" bIns="91440" anchor="t">
+          <a:bodyPr lIns="0" rIns="90000" tIns="91440" bIns="91440" anchor="t">
             <a:spAutoFit/>
           </a:bodyPr>
           <a:p>
@@ -28708,7 +28759,7 @@
         <p:spPr>
           <a:xfrm>
             <a:off x="4230360" y="1602360"/>
-            <a:ext cx="513000" cy="513000"/>
+            <a:ext cx="512640" cy="512640"/>
           </a:xfrm>
           <a:prstGeom prst="ellipse">
             <a:avLst/>
@@ -28727,7 +28778,7 @@
           <a:fontRef idx="minor"/>
         </p:style>
         <p:txBody>
-          <a:bodyPr tIns="91440" bIns="91440" anchor="ctr">
+          <a:bodyPr lIns="90000" rIns="90000" tIns="91440" bIns="91440" anchor="ctr">
             <a:noAutofit/>
           </a:bodyPr>
           <a:p>
@@ -28744,6 +28795,7 @@
                 <a:srgbClr val="000000"/>
               </a:solidFill>
               <a:latin typeface="Arial"/>
+              <a:ea typeface="DejaVu Sans"/>
             </a:endParaRPr>
           </a:p>
         </p:txBody>
@@ -28757,15 +28809,15 @@
         <p:spPr>
           <a:xfrm>
             <a:off x="4373280" y="1744920"/>
-            <a:ext cx="227520" cy="227520"/>
+            <a:ext cx="227160" cy="227160"/>
           </a:xfrm>
           <a:custGeom>
             <a:avLst/>
             <a:gdLst>
-              <a:gd name="textAreaLeft" fmla="*/ 0 w 227520"/>
-              <a:gd name="textAreaRight" fmla="*/ 227880 w 227520"/>
-              <a:gd name="textAreaTop" fmla="*/ 0 h 227520"/>
-              <a:gd name="textAreaBottom" fmla="*/ 227880 h 227520"/>
+              <a:gd name="textAreaLeft" fmla="*/ 0 w 227160"/>
+              <a:gd name="textAreaRight" fmla="*/ 227880 w 227160"/>
+              <a:gd name="textAreaTop" fmla="*/ 0 h 227160"/>
+              <a:gd name="textAreaBottom" fmla="*/ 227880 h 227160"/>
             </a:gdLst>
             <a:ahLst/>
             <a:rect l="textAreaLeft" t="textAreaTop" r="textAreaRight" b="textAreaBottom"/>
@@ -28872,7 +28924,7 @@
           <a:fontRef idx="minor"/>
         </p:style>
         <p:txBody>
-          <a:bodyPr anchor="ctr">
+          <a:bodyPr lIns="90000" rIns="90000" tIns="45000" bIns="45000" anchor="ctr">
             <a:noAutofit/>
           </a:bodyPr>
           <a:p>
@@ -28889,6 +28941,7 @@
                 <a:srgbClr val="000000"/>
               </a:solidFill>
               <a:latin typeface="Arial"/>
+              <a:ea typeface="DejaVu Sans"/>
             </a:endParaRPr>
           </a:p>
         </p:txBody>
@@ -28932,7 +28985,7 @@
         <p:spPr>
           <a:xfrm>
             <a:off x="517680" y="524520"/>
-            <a:ext cx="6154920" cy="548280"/>
+            <a:ext cx="6154560" cy="548280"/>
           </a:xfrm>
           <a:prstGeom prst="rect">
             <a:avLst/>
@@ -28949,7 +29002,7 @@
           <a:fontRef idx="minor"/>
         </p:style>
         <p:txBody>
-          <a:bodyPr lIns="0" tIns="91440" bIns="91440" anchor="t">
+          <a:bodyPr lIns="0" rIns="90000" tIns="91440" bIns="91440" anchor="t">
             <a:spAutoFit/>
           </a:bodyPr>
           <a:p>
@@ -28989,7 +29042,7 @@
         <p:spPr>
           <a:xfrm>
             <a:off x="441360" y="2008800"/>
-            <a:ext cx="1872360" cy="502200"/>
+            <a:ext cx="1872000" cy="502200"/>
           </a:xfrm>
           <a:prstGeom prst="rect">
             <a:avLst/>
@@ -29006,7 +29059,7 @@
           <a:fontRef idx="minor"/>
         </p:style>
         <p:txBody>
-          <a:bodyPr lIns="0" tIns="91440" bIns="91440" anchor="t">
+          <a:bodyPr lIns="0" rIns="90000" tIns="91440" bIns="91440" anchor="t">
             <a:spAutoFit/>
           </a:bodyPr>
           <a:p>
@@ -29046,7 +29099,7 @@
         <p:spPr>
           <a:xfrm>
             <a:off x="441360" y="2522520"/>
-            <a:ext cx="1872360" cy="1441800"/>
+            <a:ext cx="1872000" cy="1441800"/>
           </a:xfrm>
           <a:prstGeom prst="rect">
             <a:avLst/>
@@ -29063,7 +29116,7 @@
           <a:fontRef idx="minor"/>
         </p:style>
         <p:txBody>
-          <a:bodyPr lIns="0" tIns="91440" bIns="91440" anchor="t">
+          <a:bodyPr lIns="0" rIns="90000" tIns="91440" bIns="91440" anchor="t">
             <a:spAutoFit/>
           </a:bodyPr>
           <a:p>
@@ -29129,7 +29182,7 @@
         <p:spPr>
           <a:xfrm>
             <a:off x="2582640" y="2008800"/>
-            <a:ext cx="1872360" cy="502200"/>
+            <a:ext cx="1872000" cy="502200"/>
           </a:xfrm>
           <a:prstGeom prst="rect">
             <a:avLst/>
@@ -29146,7 +29199,7 @@
           <a:fontRef idx="minor"/>
         </p:style>
         <p:txBody>
-          <a:bodyPr lIns="0" tIns="91440" bIns="91440" anchor="t">
+          <a:bodyPr lIns="0" rIns="90000" tIns="91440" bIns="91440" anchor="t">
             <a:spAutoFit/>
           </a:bodyPr>
           <a:p>
@@ -29186,7 +29239,7 @@
         <p:spPr>
           <a:xfrm>
             <a:off x="2582640" y="2522520"/>
-            <a:ext cx="1872360" cy="1441800"/>
+            <a:ext cx="1872000" cy="1441800"/>
           </a:xfrm>
           <a:prstGeom prst="rect">
             <a:avLst/>
@@ -29203,7 +29256,7 @@
           <a:fontRef idx="minor"/>
         </p:style>
         <p:txBody>
-          <a:bodyPr lIns="0" tIns="91440" bIns="91440" anchor="t">
+          <a:bodyPr lIns="0" rIns="90000" tIns="91440" bIns="91440" anchor="t">
             <a:spAutoFit/>
           </a:bodyPr>
           <a:p>
@@ -29269,7 +29322,7 @@
         <p:spPr>
           <a:xfrm>
             <a:off x="4723920" y="2008800"/>
-            <a:ext cx="1872360" cy="502200"/>
+            <a:ext cx="1872000" cy="502200"/>
           </a:xfrm>
           <a:prstGeom prst="rect">
             <a:avLst/>
@@ -29286,7 +29339,7 @@
           <a:fontRef idx="minor"/>
         </p:style>
         <p:txBody>
-          <a:bodyPr lIns="0" tIns="91440" bIns="91440" anchor="t">
+          <a:bodyPr lIns="0" rIns="90000" tIns="91440" bIns="91440" anchor="t">
             <a:spAutoFit/>
           </a:bodyPr>
           <a:p>
@@ -29326,7 +29379,7 @@
         <p:spPr>
           <a:xfrm>
             <a:off x="4723920" y="2522520"/>
-            <a:ext cx="1872360" cy="1441800"/>
+            <a:ext cx="1872000" cy="1441800"/>
           </a:xfrm>
           <a:prstGeom prst="rect">
             <a:avLst/>
@@ -29343,7 +29396,7 @@
           <a:fontRef idx="minor"/>
         </p:style>
         <p:txBody>
-          <a:bodyPr lIns="0" tIns="91440" bIns="91440" anchor="t">
+          <a:bodyPr lIns="0" rIns="90000" tIns="91440" bIns="91440" anchor="t">
             <a:spAutoFit/>
           </a:bodyPr>
           <a:p>
@@ -29409,7 +29462,7 @@
         <p:spPr>
           <a:xfrm>
             <a:off x="6865200" y="2008800"/>
-            <a:ext cx="1872360" cy="502200"/>
+            <a:ext cx="1872000" cy="502200"/>
           </a:xfrm>
           <a:prstGeom prst="rect">
             <a:avLst/>
@@ -29426,7 +29479,7 @@
           <a:fontRef idx="minor"/>
         </p:style>
         <p:txBody>
-          <a:bodyPr lIns="0" tIns="91440" bIns="91440" anchor="t">
+          <a:bodyPr lIns="0" rIns="90000" tIns="91440" bIns="91440" anchor="t">
             <a:spAutoFit/>
           </a:bodyPr>
           <a:p>
@@ -29466,7 +29519,7 @@
         <p:spPr>
           <a:xfrm>
             <a:off x="6865200" y="2522520"/>
-            <a:ext cx="1872360" cy="1441800"/>
+            <a:ext cx="1872000" cy="1441800"/>
           </a:xfrm>
           <a:prstGeom prst="rect">
             <a:avLst/>
@@ -29483,7 +29536,7 @@
           <a:fontRef idx="minor"/>
         </p:style>
         <p:txBody>
-          <a:bodyPr lIns="0" tIns="91440" bIns="91440" anchor="t">
+          <a:bodyPr lIns="0" rIns="90000" tIns="91440" bIns="91440" anchor="t">
             <a:spAutoFit/>
           </a:bodyPr>
           <a:p>
@@ -29549,7 +29602,7 @@
         <p:spPr>
           <a:xfrm>
             <a:off x="1121040" y="1382040"/>
-            <a:ext cx="513000" cy="513000"/>
+            <a:ext cx="512640" cy="512640"/>
           </a:xfrm>
           <a:prstGeom prst="ellipse">
             <a:avLst/>
@@ -29608,7 +29661,7 @@
         <p:spPr>
           <a:xfrm>
             <a:off x="3262320" y="1382040"/>
-            <a:ext cx="513000" cy="513000"/>
+            <a:ext cx="512640" cy="512640"/>
           </a:xfrm>
           <a:prstGeom prst="ellipse">
             <a:avLst/>
@@ -29667,7 +29720,7 @@
         <p:spPr>
           <a:xfrm>
             <a:off x="5403600" y="1382040"/>
-            <a:ext cx="513000" cy="513000"/>
+            <a:ext cx="512640" cy="512640"/>
           </a:xfrm>
           <a:prstGeom prst="ellipse">
             <a:avLst/>
@@ -29726,7 +29779,7 @@
         <p:spPr>
           <a:xfrm>
             <a:off x="7544880" y="1382040"/>
-            <a:ext cx="513000" cy="513000"/>
+            <a:ext cx="512640" cy="512640"/>
           </a:xfrm>
           <a:prstGeom prst="ellipse">
             <a:avLst/>
@@ -29815,7 +29868,7 @@
         <p:spPr>
           <a:xfrm>
             <a:off x="517680" y="524520"/>
-            <a:ext cx="6108120" cy="548280"/>
+            <a:ext cx="6107760" cy="548280"/>
           </a:xfrm>
           <a:prstGeom prst="rect">
             <a:avLst/>
@@ -29832,7 +29885,7 @@
           <a:fontRef idx="minor"/>
         </p:style>
         <p:txBody>
-          <a:bodyPr lIns="0" tIns="91440" bIns="91440" anchor="t">
+          <a:bodyPr lIns="0" rIns="90000" tIns="91440" bIns="91440" anchor="t">
             <a:spAutoFit/>
           </a:bodyPr>
           <a:p>
@@ -29886,7 +29939,7 @@
         <p:spPr>
           <a:xfrm>
             <a:off x="3703320" y="1083240"/>
-            <a:ext cx="5265000" cy="2976480"/>
+            <a:ext cx="5264640" cy="2976120"/>
           </a:xfrm>
           <a:prstGeom prst="rect">
             <a:avLst/>
@@ -29904,8 +29957,8 @@
         </p:nvSpPr>
         <p:spPr>
           <a:xfrm>
-            <a:off x="517680" y="1674360"/>
-            <a:ext cx="2184120" cy="3060360"/>
+            <a:off x="589680" y="1062360"/>
+            <a:ext cx="2183760" cy="3059640"/>
           </a:xfrm>
           <a:prstGeom prst="rect">
             <a:avLst/>
@@ -29922,7 +29975,7 @@
           <a:fontRef idx="minor"/>
         </p:style>
         <p:txBody>
-          <a:bodyPr lIns="0" tIns="91440" bIns="91440" anchor="t">
+          <a:bodyPr lIns="0" rIns="90000" tIns="91440" bIns="91440" anchor="t">
             <a:spAutoFit/>
           </a:bodyPr>
           <a:p>
@@ -29968,7 +30021,7 @@
                 <a:latin typeface="Open Sans"/>
                 <a:ea typeface="Open Sans"/>
               </a:rPr>
-              <a:t>Layla is Content Writer and a mother of six children who needs a small cute dog for her family to help manage loneliness and depression by giving them companionship.</a:t>
+              <a:t>Layla is Content Writer and a mother of six children who needs a small cute dog for her family because they love to take care of pets and enjoy their time with them.</a:t>
             </a:r>
             <a:endParaRPr b="0" lang="en-US" sz="1400" spc="-1" strike="noStrike">
               <a:solidFill>
@@ -29992,7 +30045,7 @@
         <p:spPr>
           <a:xfrm>
             <a:off x="3739320" y="1108800"/>
-            <a:ext cx="5176080" cy="2777400"/>
+            <a:ext cx="5175720" cy="2777040"/>
           </a:xfrm>
           <a:prstGeom prst="rect">
             <a:avLst/>
@@ -30041,7 +30094,7 @@
         <p:spPr>
           <a:xfrm>
             <a:off x="4212000" y="524520"/>
-            <a:ext cx="4682520" cy="4214520"/>
+            <a:ext cx="4682160" cy="4214160"/>
           </a:xfrm>
           <a:prstGeom prst="rect">
             <a:avLst/>
@@ -30060,7 +30113,7 @@
           <a:fontRef idx="minor"/>
         </p:style>
         <p:txBody>
-          <a:bodyPr tIns="91440" bIns="91440" anchor="ctr">
+          <a:bodyPr lIns="90000" rIns="90000" tIns="91440" bIns="91440" anchor="ctr">
             <a:noAutofit/>
           </a:bodyPr>
           <a:p>
@@ -30077,6 +30130,7 @@
                 <a:srgbClr val="000000"/>
               </a:solidFill>
               <a:latin typeface="Arial"/>
+              <a:ea typeface="DejaVu Sans"/>
             </a:endParaRPr>
           </a:p>
         </p:txBody>
@@ -30090,7 +30144,7 @@
         <p:spPr>
           <a:xfrm>
             <a:off x="517680" y="524520"/>
-            <a:ext cx="6108120" cy="548280"/>
+            <a:ext cx="6107760" cy="548280"/>
           </a:xfrm>
           <a:prstGeom prst="rect">
             <a:avLst/>
@@ -30107,7 +30161,7 @@
           <a:fontRef idx="minor"/>
         </p:style>
         <p:txBody>
-          <a:bodyPr lIns="0" tIns="91440" bIns="91440" anchor="t">
+          <a:bodyPr lIns="0" rIns="90000" tIns="91440" bIns="91440" anchor="t">
             <a:spAutoFit/>
           </a:bodyPr>
           <a:p>
@@ -30147,7 +30201,7 @@
         <p:spPr>
           <a:xfrm>
             <a:off x="6011640" y="2294640"/>
-            <a:ext cx="1332000" cy="547560"/>
+            <a:ext cx="1331640" cy="547560"/>
           </a:xfrm>
           <a:prstGeom prst="rect">
             <a:avLst/>
@@ -30164,7 +30218,7 @@
           <a:fontRef idx="minor"/>
         </p:style>
         <p:txBody>
-          <a:bodyPr tIns="91440" bIns="91440" anchor="t">
+          <a:bodyPr lIns="90000" rIns="90000" tIns="91440" bIns="91440" anchor="t">
             <a:spAutoFit/>
           </a:bodyPr>
           <a:p>
@@ -30204,7 +30258,7 @@
         <p:spPr>
           <a:xfrm>
             <a:off x="517680" y="1522440"/>
-            <a:ext cx="2421000" cy="1780920"/>
+            <a:ext cx="2420640" cy="1780920"/>
           </a:xfrm>
           <a:prstGeom prst="rect">
             <a:avLst/>
@@ -30221,7 +30275,7 @@
           <a:fontRef idx="minor"/>
         </p:style>
         <p:txBody>
-          <a:bodyPr lIns="0" tIns="91440" bIns="91440" anchor="t">
+          <a:bodyPr lIns="0" rIns="90000" tIns="91440" bIns="91440" anchor="t">
             <a:spAutoFit/>
           </a:bodyPr>
           <a:p>
@@ -30265,7 +30319,7 @@
         <p:spPr>
           <a:xfrm>
             <a:off x="3236400" y="524520"/>
-            <a:ext cx="5909760" cy="4193640"/>
+            <a:ext cx="5909400" cy="4193280"/>
           </a:xfrm>
           <a:prstGeom prst="rect">
             <a:avLst/>
